--- a/Anvisys presentation & poster.pptx
+++ b/Anvisys presentation & poster.pptx
@@ -3,26 +3,27 @@
 <p:presentation xmlns:a="http://schemas.openxmlformats.org/drawingml/2006/main" xmlns:r="http://schemas.openxmlformats.org/officeDocument/2006/relationships" xmlns:p="http://schemas.openxmlformats.org/presentationml/2006/main" saveSubsetFonts="1">
   <p:sldMasterIdLst>
     <p:sldMasterId id="2147483648" r:id="rId1"/>
+    <p:sldMasterId id="2147483660" r:id="rId2"/>
   </p:sldMasterIdLst>
   <p:notesMasterIdLst>
-    <p:notesMasterId r:id="rId17"/>
+    <p:notesMasterId r:id="rId18"/>
   </p:notesMasterIdLst>
   <p:sldIdLst>
-    <p:sldId id="259" r:id="rId2"/>
-    <p:sldId id="257" r:id="rId3"/>
-    <p:sldId id="261" r:id="rId4"/>
-    <p:sldId id="272" r:id="rId5"/>
-    <p:sldId id="269" r:id="rId6"/>
-    <p:sldId id="271" r:id="rId7"/>
-    <p:sldId id="258" r:id="rId8"/>
-    <p:sldId id="262" r:id="rId9"/>
-    <p:sldId id="260" r:id="rId10"/>
-    <p:sldId id="263" r:id="rId11"/>
-    <p:sldId id="264" r:id="rId12"/>
-    <p:sldId id="265" r:id="rId13"/>
-    <p:sldId id="266" r:id="rId14"/>
-    <p:sldId id="273" r:id="rId15"/>
-    <p:sldId id="275" r:id="rId16"/>
+    <p:sldId id="259" r:id="rId3"/>
+    <p:sldId id="257" r:id="rId4"/>
+    <p:sldId id="261" r:id="rId5"/>
+    <p:sldId id="272" r:id="rId6"/>
+    <p:sldId id="269" r:id="rId7"/>
+    <p:sldId id="271" r:id="rId8"/>
+    <p:sldId id="258" r:id="rId9"/>
+    <p:sldId id="262" r:id="rId10"/>
+    <p:sldId id="260" r:id="rId11"/>
+    <p:sldId id="263" r:id="rId12"/>
+    <p:sldId id="264" r:id="rId13"/>
+    <p:sldId id="265" r:id="rId14"/>
+    <p:sldId id="266" r:id="rId15"/>
+    <p:sldId id="273" r:id="rId16"/>
+    <p:sldId id="275" r:id="rId17"/>
   </p:sldIdLst>
   <p:sldSz cx="9144000" cy="6858000" type="screen4x3"/>
   <p:notesSz cx="6858000" cy="9144000"/>
@@ -123,7 +124,7 @@
   </p:defaultTextStyle>
   <p:extLst>
     <p:ext uri="{EFAFB233-063F-42B5-8137-9DF3F51BA10A}">
-      <p15:sldGuideLst xmlns="" xmlns:p15="http://schemas.microsoft.com/office/powerpoint/2012/main">
+      <p15:sldGuideLst xmlns:p15="http://schemas.microsoft.com/office/powerpoint/2012/main" xmlns="">
         <p15:guide id="1" orient="horz" pos="2160">
           <p15:clr>
             <a:srgbClr val="A4A3A4"/>
@@ -222,7 +223,7 @@
           <a:p>
             <a:fld id="{9836EA8E-4424-4A9A-BA95-A118E6208F28}" type="datetimeFigureOut">
               <a:rPr lang="en-IN" smtClean="0"/>
-              <a:t>02-07-2019</a:t>
+              <a:t>03-07-2019</a:t>
             </a:fld>
             <a:endParaRPr lang="en-IN"/>
           </a:p>
@@ -1885,7 +1886,7 @@
           <a:p>
             <a:fld id="{D88684BC-97E8-4EB7-B548-A80FF2565271}" type="datetimeFigureOut">
               <a:rPr lang="en-IN" smtClean="0"/>
-              <a:t>02-07-2019</a:t>
+              <a:t>03-07-2019</a:t>
             </a:fld>
             <a:endParaRPr lang="en-IN"/>
           </a:p>
@@ -2055,7 +2056,7 @@
           <a:p>
             <a:fld id="{D88684BC-97E8-4EB7-B548-A80FF2565271}" type="datetimeFigureOut">
               <a:rPr lang="en-IN" smtClean="0"/>
-              <a:t>02-07-2019</a:t>
+              <a:t>03-07-2019</a:t>
             </a:fld>
             <a:endParaRPr lang="en-IN"/>
           </a:p>
@@ -2235,7 +2236,7 @@
           <a:p>
             <a:fld id="{D88684BC-97E8-4EB7-B548-A80FF2565271}" type="datetimeFigureOut">
               <a:rPr lang="en-IN" smtClean="0"/>
-              <a:t>02-07-2019</a:t>
+              <a:t>03-07-2019</a:t>
             </a:fld>
             <a:endParaRPr lang="en-IN"/>
           </a:p>
@@ -2293,6 +2294,2445 @@
   <p:clrMapOvr>
     <a:masterClrMapping/>
   </p:clrMapOvr>
+</p:sldLayout>
+</file>
+
+<file path=ppt/slideLayouts/slideLayout12.xml><?xml version="1.0" encoding="utf-8"?>
+<p:sldLayout xmlns:a="http://schemas.openxmlformats.org/drawingml/2006/main" xmlns:r="http://schemas.openxmlformats.org/officeDocument/2006/relationships" xmlns:p="http://schemas.openxmlformats.org/presentationml/2006/main" showMasterSp="0" type="title" preserve="1">
+  <p:cSld name="Title Slide">
+    <p:spTree>
+      <p:nvGrpSpPr>
+        <p:cNvPr id="1" name=""/>
+        <p:cNvGrpSpPr/>
+        <p:nvPr/>
+      </p:nvGrpSpPr>
+      <p:grpSpPr>
+        <a:xfrm>
+          <a:off x="0" y="0"/>
+          <a:ext cx="0" cy="0"/>
+          <a:chOff x="0" y="0"/>
+          <a:chExt cx="0" cy="0"/>
+        </a:xfrm>
+      </p:grpSpPr>
+      <p:sp>
+        <p:nvSpPr>
+          <p:cNvPr id="11" name="Rectangle 10"/>
+          <p:cNvSpPr/>
+          <p:nvPr/>
+        </p:nvSpPr>
+        <p:spPr>
+          <a:xfrm>
+            <a:off x="0" y="3866920"/>
+            <a:ext cx="9144000" cy="2991080"/>
+          </a:xfrm>
+          <a:prstGeom prst="rect">
+            <a:avLst/>
+          </a:prstGeom>
+          <a:gradFill>
+            <a:gsLst>
+              <a:gs pos="0">
+                <a:schemeClr val="bg1">
+                  <a:alpha val="91000"/>
+                </a:schemeClr>
+              </a:gs>
+              <a:gs pos="37000">
+                <a:schemeClr val="bg1">
+                  <a:alpha val="76000"/>
+                </a:schemeClr>
+              </a:gs>
+              <a:gs pos="100000">
+                <a:schemeClr val="bg2">
+                  <a:alpha val="79000"/>
+                </a:schemeClr>
+              </a:gs>
+            </a:gsLst>
+            <a:path path="circle">
+              <a:fillToRect l="50000" t="50000" r="50000" b="50000"/>
+            </a:path>
+          </a:gradFill>
+          <a:ln>
+            <a:noFill/>
+          </a:ln>
+        </p:spPr>
+        <p:style>
+          <a:lnRef idx="2">
+            <a:schemeClr val="accent1">
+              <a:shade val="50000"/>
+            </a:schemeClr>
+          </a:lnRef>
+          <a:fillRef idx="1">
+            <a:schemeClr val="accent1"/>
+          </a:fillRef>
+          <a:effectRef idx="0">
+            <a:schemeClr val="accent1"/>
+          </a:effectRef>
+          <a:fontRef idx="minor">
+            <a:schemeClr val="lt1"/>
+          </a:fontRef>
+        </p:style>
+        <p:txBody>
+          <a:bodyPr rtlCol="0" anchor="ctr"/>
+          <a:lstStyle/>
+          <a:p>
+            <a:pPr algn="ctr"/>
+            <a:endParaRPr lang="en-US"/>
+          </a:p>
+        </p:txBody>
+      </p:sp>
+      <p:sp>
+        <p:nvSpPr>
+          <p:cNvPr id="12" name="Rectangle 11"/>
+          <p:cNvSpPr/>
+          <p:nvPr/>
+        </p:nvSpPr>
+        <p:spPr>
+          <a:xfrm>
+            <a:off x="0" y="0"/>
+            <a:ext cx="9144000" cy="3866920"/>
+          </a:xfrm>
+          <a:prstGeom prst="rect">
+            <a:avLst/>
+          </a:prstGeom>
+          <a:gradFill flip="none" rotWithShape="1">
+            <a:gsLst>
+              <a:gs pos="0">
+                <a:schemeClr val="bg1">
+                  <a:alpha val="89000"/>
+                </a:schemeClr>
+              </a:gs>
+              <a:gs pos="48000">
+                <a:schemeClr val="bg1">
+                  <a:alpha val="62000"/>
+                </a:schemeClr>
+              </a:gs>
+              <a:gs pos="100000">
+                <a:schemeClr val="bg2">
+                  <a:alpha val="79000"/>
+                </a:schemeClr>
+              </a:gs>
+            </a:gsLst>
+            <a:path path="circle">
+              <a:fillToRect l="50000" t="50000" r="50000" b="50000"/>
+            </a:path>
+            <a:tileRect/>
+          </a:gradFill>
+          <a:ln>
+            <a:noFill/>
+          </a:ln>
+        </p:spPr>
+        <p:style>
+          <a:lnRef idx="2">
+            <a:schemeClr val="accent1">
+              <a:shade val="50000"/>
+            </a:schemeClr>
+          </a:lnRef>
+          <a:fillRef idx="1">
+            <a:schemeClr val="accent1"/>
+          </a:fillRef>
+          <a:effectRef idx="0">
+            <a:schemeClr val="accent1"/>
+          </a:effectRef>
+          <a:fontRef idx="minor">
+            <a:schemeClr val="lt1"/>
+          </a:fontRef>
+        </p:style>
+        <p:txBody>
+          <a:bodyPr rtlCol="0" anchor="ctr"/>
+          <a:lstStyle/>
+          <a:p>
+            <a:pPr algn="ctr"/>
+            <a:endParaRPr lang="en-US" dirty="0"/>
+          </a:p>
+        </p:txBody>
+      </p:sp>
+      <p:sp>
+        <p:nvSpPr>
+          <p:cNvPr id="13" name="Rectangle 12"/>
+          <p:cNvSpPr/>
+          <p:nvPr/>
+        </p:nvSpPr>
+        <p:spPr>
+          <a:xfrm>
+            <a:off x="0" y="2652311"/>
+            <a:ext cx="9144000" cy="2286000"/>
+          </a:xfrm>
+          <a:prstGeom prst="rect">
+            <a:avLst/>
+          </a:prstGeom>
+          <a:gradFill flip="none" rotWithShape="1">
+            <a:gsLst>
+              <a:gs pos="0">
+                <a:schemeClr val="bg1">
+                  <a:alpha val="0"/>
+                </a:schemeClr>
+              </a:gs>
+              <a:gs pos="29000">
+                <a:schemeClr val="bg1">
+                  <a:alpha val="30000"/>
+                </a:schemeClr>
+              </a:gs>
+              <a:gs pos="45000">
+                <a:schemeClr val="bg2">
+                  <a:alpha val="40000"/>
+                </a:schemeClr>
+              </a:gs>
+              <a:gs pos="55000">
+                <a:schemeClr val="bg1">
+                  <a:alpha val="26000"/>
+                </a:schemeClr>
+              </a:gs>
+              <a:gs pos="65000">
+                <a:schemeClr val="bg2">
+                  <a:alpha val="60000"/>
+                </a:schemeClr>
+              </a:gs>
+              <a:gs pos="100000">
+                <a:schemeClr val="bg1">
+                  <a:alpha val="0"/>
+                </a:schemeClr>
+              </a:gs>
+            </a:gsLst>
+            <a:lin ang="5400000" scaled="0"/>
+            <a:tileRect/>
+          </a:gradFill>
+          <a:ln>
+            <a:noFill/>
+          </a:ln>
+        </p:spPr>
+        <p:style>
+          <a:lnRef idx="2">
+            <a:schemeClr val="accent1">
+              <a:shade val="50000"/>
+            </a:schemeClr>
+          </a:lnRef>
+          <a:fillRef idx="1">
+            <a:schemeClr val="accent1"/>
+          </a:fillRef>
+          <a:effectRef idx="0">
+            <a:schemeClr val="accent1"/>
+          </a:effectRef>
+          <a:fontRef idx="minor">
+            <a:schemeClr val="lt1"/>
+          </a:fontRef>
+        </p:style>
+        <p:txBody>
+          <a:bodyPr rtlCol="0" anchor="ctr"/>
+          <a:lstStyle/>
+          <a:p>
+            <a:pPr algn="ctr"/>
+            <a:endParaRPr lang="en-US"/>
+          </a:p>
+        </p:txBody>
+      </p:sp>
+      <p:sp>
+        <p:nvSpPr>
+          <p:cNvPr id="14" name="Oval 13"/>
+          <p:cNvSpPr/>
+          <p:nvPr/>
+        </p:nvSpPr>
+        <p:spPr>
+          <a:xfrm>
+            <a:off x="0" y="1600200"/>
+            <a:ext cx="9144000" cy="5105400"/>
+          </a:xfrm>
+          <a:prstGeom prst="ellipse">
+            <a:avLst/>
+          </a:prstGeom>
+          <a:gradFill flip="none" rotWithShape="1">
+            <a:gsLst>
+              <a:gs pos="0">
+                <a:schemeClr val="bg1"/>
+              </a:gs>
+              <a:gs pos="54000">
+                <a:schemeClr val="bg1">
+                  <a:alpha val="0"/>
+                </a:schemeClr>
+              </a:gs>
+            </a:gsLst>
+            <a:path path="circle">
+              <a:fillToRect l="50000" t="50000" r="50000" b="50000"/>
+            </a:path>
+            <a:tileRect/>
+          </a:gradFill>
+          <a:ln>
+            <a:noFill/>
+          </a:ln>
+        </p:spPr>
+        <p:style>
+          <a:lnRef idx="2">
+            <a:schemeClr val="accent1">
+              <a:shade val="50000"/>
+            </a:schemeClr>
+          </a:lnRef>
+          <a:fillRef idx="1">
+            <a:schemeClr val="accent1"/>
+          </a:fillRef>
+          <a:effectRef idx="0">
+            <a:schemeClr val="accent1"/>
+          </a:effectRef>
+          <a:fontRef idx="minor">
+            <a:schemeClr val="lt1"/>
+          </a:fontRef>
+        </p:style>
+        <p:txBody>
+          <a:bodyPr rtlCol="0" anchor="ctr"/>
+          <a:lstStyle/>
+          <a:p>
+            <a:pPr algn="ctr"/>
+            <a:endParaRPr lang="en-US"/>
+          </a:p>
+        </p:txBody>
+      </p:sp>
+      <p:sp>
+        <p:nvSpPr>
+          <p:cNvPr id="3" name="Subtitle 2"/>
+          <p:cNvSpPr>
+            <a:spLocks noGrp="1"/>
+          </p:cNvSpPr>
+          <p:nvPr>
+            <p:ph type="subTitle" idx="1"/>
+          </p:nvPr>
+        </p:nvSpPr>
+        <p:spPr>
+          <a:xfrm>
+            <a:off x="1473795" y="5052545"/>
+            <a:ext cx="5637010" cy="882119"/>
+          </a:xfrm>
+        </p:spPr>
+        <p:txBody>
+          <a:bodyPr>
+            <a:normAutofit/>
+          </a:bodyPr>
+          <a:lstStyle>
+            <a:lvl1pPr marL="0" indent="0" algn="l">
+              <a:buNone/>
+              <a:defRPr sz="2200">
+                <a:solidFill>
+                  <a:schemeClr val="tx2"/>
+                </a:solidFill>
+              </a:defRPr>
+            </a:lvl1pPr>
+            <a:lvl2pPr marL="457200" indent="0" algn="ctr">
+              <a:buNone/>
+              <a:defRPr>
+                <a:solidFill>
+                  <a:schemeClr val="tx1">
+                    <a:tint val="75000"/>
+                  </a:schemeClr>
+                </a:solidFill>
+              </a:defRPr>
+            </a:lvl2pPr>
+            <a:lvl3pPr marL="914400" indent="0" algn="ctr">
+              <a:buNone/>
+              <a:defRPr>
+                <a:solidFill>
+                  <a:schemeClr val="tx1">
+                    <a:tint val="75000"/>
+                  </a:schemeClr>
+                </a:solidFill>
+              </a:defRPr>
+            </a:lvl3pPr>
+            <a:lvl4pPr marL="1371600" indent="0" algn="ctr">
+              <a:buNone/>
+              <a:defRPr>
+                <a:solidFill>
+                  <a:schemeClr val="tx1">
+                    <a:tint val="75000"/>
+                  </a:schemeClr>
+                </a:solidFill>
+              </a:defRPr>
+            </a:lvl4pPr>
+            <a:lvl5pPr marL="1828800" indent="0" algn="ctr">
+              <a:buNone/>
+              <a:defRPr>
+                <a:solidFill>
+                  <a:schemeClr val="tx1">
+                    <a:tint val="75000"/>
+                  </a:schemeClr>
+                </a:solidFill>
+              </a:defRPr>
+            </a:lvl5pPr>
+            <a:lvl6pPr marL="2286000" indent="0" algn="ctr">
+              <a:buNone/>
+              <a:defRPr>
+                <a:solidFill>
+                  <a:schemeClr val="tx1">
+                    <a:tint val="75000"/>
+                  </a:schemeClr>
+                </a:solidFill>
+              </a:defRPr>
+            </a:lvl6pPr>
+            <a:lvl7pPr marL="2743200" indent="0" algn="ctr">
+              <a:buNone/>
+              <a:defRPr>
+                <a:solidFill>
+                  <a:schemeClr val="tx1">
+                    <a:tint val="75000"/>
+                  </a:schemeClr>
+                </a:solidFill>
+              </a:defRPr>
+            </a:lvl7pPr>
+            <a:lvl8pPr marL="3200400" indent="0" algn="ctr">
+              <a:buNone/>
+              <a:defRPr>
+                <a:solidFill>
+                  <a:schemeClr val="tx1">
+                    <a:tint val="75000"/>
+                  </a:schemeClr>
+                </a:solidFill>
+              </a:defRPr>
+            </a:lvl8pPr>
+            <a:lvl9pPr marL="3657600" indent="0" algn="ctr">
+              <a:buNone/>
+              <a:defRPr>
+                <a:solidFill>
+                  <a:schemeClr val="tx1">
+                    <a:tint val="75000"/>
+                  </a:schemeClr>
+                </a:solidFill>
+              </a:defRPr>
+            </a:lvl9pPr>
+          </a:lstStyle>
+          <a:p>
+            <a:r>
+              <a:rPr lang="en-US" smtClean="0"/>
+              <a:t>Click to edit Master subtitle style</a:t>
+            </a:r>
+            <a:endParaRPr lang="en-US" dirty="0"/>
+          </a:p>
+        </p:txBody>
+      </p:sp>
+      <p:sp>
+        <p:nvSpPr>
+          <p:cNvPr id="4" name="Date Placeholder 3"/>
+          <p:cNvSpPr>
+            <a:spLocks noGrp="1"/>
+          </p:cNvSpPr>
+          <p:nvPr>
+            <p:ph type="dt" sz="half" idx="10"/>
+          </p:nvPr>
+        </p:nvSpPr>
+        <p:spPr/>
+        <p:txBody>
+          <a:bodyPr/>
+          <a:lstStyle/>
+          <a:p>
+            <a:fld id="{D88684BC-97E8-4EB7-B548-A80FF2565271}" type="datetimeFigureOut">
+              <a:rPr lang="en-IN" smtClean="0"/>
+              <a:t>03-07-2019</a:t>
+            </a:fld>
+            <a:endParaRPr lang="en-IN"/>
+          </a:p>
+        </p:txBody>
+      </p:sp>
+      <p:sp>
+        <p:nvSpPr>
+          <p:cNvPr id="5" name="Footer Placeholder 4"/>
+          <p:cNvSpPr>
+            <a:spLocks noGrp="1"/>
+          </p:cNvSpPr>
+          <p:nvPr>
+            <p:ph type="ftr" sz="quarter" idx="11"/>
+          </p:nvPr>
+        </p:nvSpPr>
+        <p:spPr/>
+        <p:txBody>
+          <a:bodyPr/>
+          <a:lstStyle/>
+          <a:p>
+            <a:endParaRPr lang="en-IN"/>
+          </a:p>
+        </p:txBody>
+      </p:sp>
+      <p:sp>
+        <p:nvSpPr>
+          <p:cNvPr id="6" name="Slide Number Placeholder 5"/>
+          <p:cNvSpPr>
+            <a:spLocks noGrp="1"/>
+          </p:cNvSpPr>
+          <p:nvPr>
+            <p:ph type="sldNum" sz="quarter" idx="12"/>
+          </p:nvPr>
+        </p:nvSpPr>
+        <p:spPr/>
+        <p:txBody>
+          <a:bodyPr/>
+          <a:lstStyle/>
+          <a:p>
+            <a:fld id="{5E951FD3-E453-4406-B631-82DE21B6D85D}" type="slidenum">
+              <a:rPr lang="en-IN" smtClean="0"/>
+              <a:t>‹#›</a:t>
+            </a:fld>
+            <a:endParaRPr lang="en-IN"/>
+          </a:p>
+        </p:txBody>
+      </p:sp>
+      <p:sp>
+        <p:nvSpPr>
+          <p:cNvPr id="2" name="Title 1"/>
+          <p:cNvSpPr>
+            <a:spLocks noGrp="1"/>
+          </p:cNvSpPr>
+          <p:nvPr>
+            <p:ph type="ctrTitle"/>
+          </p:nvPr>
+        </p:nvSpPr>
+        <p:spPr>
+          <a:xfrm>
+            <a:off x="817581" y="3132290"/>
+            <a:ext cx="7175351" cy="1793167"/>
+          </a:xfrm>
+          <a:effectLst/>
+        </p:spPr>
+        <p:txBody>
+          <a:bodyPr>
+            <a:noAutofit/>
+          </a:bodyPr>
+          <a:lstStyle>
+            <a:lvl1pPr marL="640080" indent="-457200" algn="l">
+              <a:defRPr sz="5400"/>
+            </a:lvl1pPr>
+          </a:lstStyle>
+          <a:p>
+            <a:r>
+              <a:rPr lang="en-US" smtClean="0"/>
+              <a:t>Click to edit Master title style</a:t>
+            </a:r>
+            <a:endParaRPr lang="en-US" dirty="0"/>
+          </a:p>
+        </p:txBody>
+      </p:sp>
+    </p:spTree>
+  </p:cSld>
+  <p:clrMapOvr>
+    <a:masterClrMapping/>
+  </p:clrMapOvr>
+  <p:timing>
+    <p:tnLst>
+      <p:par>
+        <p:cTn id="1" dur="indefinite" restart="never" nodeType="tmRoot"/>
+      </p:par>
+    </p:tnLst>
+  </p:timing>
+</p:sldLayout>
+</file>
+
+<file path=ppt/slideLayouts/slideLayout13.xml><?xml version="1.0" encoding="utf-8"?>
+<p:sldLayout xmlns:a="http://schemas.openxmlformats.org/drawingml/2006/main" xmlns:r="http://schemas.openxmlformats.org/officeDocument/2006/relationships" xmlns:p="http://schemas.openxmlformats.org/presentationml/2006/main" type="obj" preserve="1">
+  <p:cSld name="Title and Content">
+    <p:spTree>
+      <p:nvGrpSpPr>
+        <p:cNvPr id="1" name=""/>
+        <p:cNvGrpSpPr/>
+        <p:nvPr/>
+      </p:nvGrpSpPr>
+      <p:grpSpPr>
+        <a:xfrm>
+          <a:off x="0" y="0"/>
+          <a:ext cx="0" cy="0"/>
+          <a:chOff x="0" y="0"/>
+          <a:chExt cx="0" cy="0"/>
+        </a:xfrm>
+      </p:grpSpPr>
+      <p:sp>
+        <p:nvSpPr>
+          <p:cNvPr id="4" name="Date Placeholder 3"/>
+          <p:cNvSpPr>
+            <a:spLocks noGrp="1"/>
+          </p:cNvSpPr>
+          <p:nvPr>
+            <p:ph type="dt" sz="half" idx="10"/>
+          </p:nvPr>
+        </p:nvSpPr>
+        <p:spPr/>
+        <p:txBody>
+          <a:bodyPr/>
+          <a:lstStyle/>
+          <a:p>
+            <a:fld id="{D88684BC-97E8-4EB7-B548-A80FF2565271}" type="datetimeFigureOut">
+              <a:rPr lang="en-IN" smtClean="0"/>
+              <a:t>03-07-2019</a:t>
+            </a:fld>
+            <a:endParaRPr lang="en-IN"/>
+          </a:p>
+        </p:txBody>
+      </p:sp>
+      <p:sp>
+        <p:nvSpPr>
+          <p:cNvPr id="5" name="Footer Placeholder 4"/>
+          <p:cNvSpPr>
+            <a:spLocks noGrp="1"/>
+          </p:cNvSpPr>
+          <p:nvPr>
+            <p:ph type="ftr" sz="quarter" idx="11"/>
+          </p:nvPr>
+        </p:nvSpPr>
+        <p:spPr/>
+        <p:txBody>
+          <a:bodyPr/>
+          <a:lstStyle/>
+          <a:p>
+            <a:endParaRPr lang="en-IN"/>
+          </a:p>
+        </p:txBody>
+      </p:sp>
+      <p:sp>
+        <p:nvSpPr>
+          <p:cNvPr id="6" name="Slide Number Placeholder 5"/>
+          <p:cNvSpPr>
+            <a:spLocks noGrp="1"/>
+          </p:cNvSpPr>
+          <p:nvPr>
+            <p:ph type="sldNum" sz="quarter" idx="12"/>
+          </p:nvPr>
+        </p:nvSpPr>
+        <p:spPr/>
+        <p:txBody>
+          <a:bodyPr/>
+          <a:lstStyle/>
+          <a:p>
+            <a:fld id="{5E951FD3-E453-4406-B631-82DE21B6D85D}" type="slidenum">
+              <a:rPr lang="en-IN" smtClean="0"/>
+              <a:t>‹#›</a:t>
+            </a:fld>
+            <a:endParaRPr lang="en-IN"/>
+          </a:p>
+        </p:txBody>
+      </p:sp>
+      <p:sp>
+        <p:nvSpPr>
+          <p:cNvPr id="8" name="Title 7"/>
+          <p:cNvSpPr>
+            <a:spLocks noGrp="1"/>
+          </p:cNvSpPr>
+          <p:nvPr>
+            <p:ph type="title"/>
+          </p:nvPr>
+        </p:nvSpPr>
+        <p:spPr/>
+        <p:txBody>
+          <a:bodyPr/>
+          <a:lstStyle/>
+          <a:p>
+            <a:r>
+              <a:rPr lang="en-US" smtClean="0"/>
+              <a:t>Click to edit Master title style</a:t>
+            </a:r>
+            <a:endParaRPr lang="en-US"/>
+          </a:p>
+        </p:txBody>
+      </p:sp>
+      <p:sp>
+        <p:nvSpPr>
+          <p:cNvPr id="10" name="Content Placeholder 9"/>
+          <p:cNvSpPr>
+            <a:spLocks noGrp="1"/>
+          </p:cNvSpPr>
+          <p:nvPr>
+            <p:ph sz="quarter" idx="13"/>
+          </p:nvPr>
+        </p:nvSpPr>
+        <p:spPr>
+          <a:xfrm>
+            <a:off x="1143000" y="731520"/>
+            <a:ext cx="6400800" cy="3474720"/>
+          </a:xfrm>
+        </p:spPr>
+        <p:txBody>
+          <a:bodyPr/>
+          <a:lstStyle/>
+          <a:p>
+            <a:pPr lvl="0"/>
+            <a:r>
+              <a:rPr lang="en-US" smtClean="0"/>
+              <a:t>Click to edit Master text styles</a:t>
+            </a:r>
+          </a:p>
+          <a:p>
+            <a:pPr lvl="1"/>
+            <a:r>
+              <a:rPr lang="en-US" smtClean="0"/>
+              <a:t>Second level</a:t>
+            </a:r>
+          </a:p>
+          <a:p>
+            <a:pPr lvl="2"/>
+            <a:r>
+              <a:rPr lang="en-US" smtClean="0"/>
+              <a:t>Third level</a:t>
+            </a:r>
+          </a:p>
+          <a:p>
+            <a:pPr lvl="3"/>
+            <a:r>
+              <a:rPr lang="en-US" smtClean="0"/>
+              <a:t>Fourth level</a:t>
+            </a:r>
+          </a:p>
+          <a:p>
+            <a:pPr lvl="4"/>
+            <a:r>
+              <a:rPr lang="en-US" smtClean="0"/>
+              <a:t>Fifth level</a:t>
+            </a:r>
+            <a:endParaRPr lang="en-US" dirty="0"/>
+          </a:p>
+        </p:txBody>
+      </p:sp>
+    </p:spTree>
+  </p:cSld>
+  <p:clrMapOvr>
+    <a:masterClrMapping/>
+  </p:clrMapOvr>
+  <p:timing>
+    <p:tnLst>
+      <p:par>
+        <p:cTn id="1" dur="indefinite" restart="never" nodeType="tmRoot"/>
+      </p:par>
+    </p:tnLst>
+  </p:timing>
+</p:sldLayout>
+</file>
+
+<file path=ppt/slideLayouts/slideLayout14.xml><?xml version="1.0" encoding="utf-8"?>
+<p:sldLayout xmlns:a="http://schemas.openxmlformats.org/drawingml/2006/main" xmlns:r="http://schemas.openxmlformats.org/officeDocument/2006/relationships" xmlns:p="http://schemas.openxmlformats.org/presentationml/2006/main" type="secHead" preserve="1">
+  <p:cSld name="Section Header">
+    <p:spTree>
+      <p:nvGrpSpPr>
+        <p:cNvPr id="1" name=""/>
+        <p:cNvGrpSpPr/>
+        <p:nvPr/>
+      </p:nvGrpSpPr>
+      <p:grpSpPr>
+        <a:xfrm>
+          <a:off x="0" y="0"/>
+          <a:ext cx="0" cy="0"/>
+          <a:chOff x="0" y="0"/>
+          <a:chExt cx="0" cy="0"/>
+        </a:xfrm>
+      </p:grpSpPr>
+      <p:sp>
+        <p:nvSpPr>
+          <p:cNvPr id="7" name="Rectangle 6"/>
+          <p:cNvSpPr/>
+          <p:nvPr/>
+        </p:nvSpPr>
+        <p:spPr>
+          <a:xfrm>
+            <a:off x="0" y="3866920"/>
+            <a:ext cx="9144000" cy="2991080"/>
+          </a:xfrm>
+          <a:prstGeom prst="rect">
+            <a:avLst/>
+          </a:prstGeom>
+          <a:gradFill>
+            <a:gsLst>
+              <a:gs pos="0">
+                <a:schemeClr val="bg1">
+                  <a:alpha val="92000"/>
+                </a:schemeClr>
+              </a:gs>
+              <a:gs pos="37000">
+                <a:schemeClr val="bg1">
+                  <a:alpha val="77000"/>
+                </a:schemeClr>
+              </a:gs>
+              <a:gs pos="100000">
+                <a:schemeClr val="bg2">
+                  <a:alpha val="80000"/>
+                </a:schemeClr>
+              </a:gs>
+            </a:gsLst>
+            <a:path path="circle">
+              <a:fillToRect l="50000" t="50000" r="50000" b="50000"/>
+            </a:path>
+          </a:gradFill>
+          <a:ln>
+            <a:noFill/>
+          </a:ln>
+        </p:spPr>
+        <p:style>
+          <a:lnRef idx="2">
+            <a:schemeClr val="accent1">
+              <a:shade val="50000"/>
+            </a:schemeClr>
+          </a:lnRef>
+          <a:fillRef idx="1">
+            <a:schemeClr val="accent1"/>
+          </a:fillRef>
+          <a:effectRef idx="0">
+            <a:schemeClr val="accent1"/>
+          </a:effectRef>
+          <a:fontRef idx="minor">
+            <a:schemeClr val="lt1"/>
+          </a:fontRef>
+        </p:style>
+        <p:txBody>
+          <a:bodyPr rtlCol="0" anchor="ctr"/>
+          <a:lstStyle/>
+          <a:p>
+            <a:pPr algn="ctr"/>
+            <a:endParaRPr lang="en-US"/>
+          </a:p>
+        </p:txBody>
+      </p:sp>
+      <p:sp>
+        <p:nvSpPr>
+          <p:cNvPr id="8" name="Rectangle 7"/>
+          <p:cNvSpPr/>
+          <p:nvPr/>
+        </p:nvSpPr>
+        <p:spPr>
+          <a:xfrm>
+            <a:off x="0" y="0"/>
+            <a:ext cx="9144000" cy="3866920"/>
+          </a:xfrm>
+          <a:prstGeom prst="rect">
+            <a:avLst/>
+          </a:prstGeom>
+          <a:gradFill flip="none" rotWithShape="1">
+            <a:gsLst>
+              <a:gs pos="0">
+                <a:schemeClr val="bg1">
+                  <a:alpha val="90000"/>
+                </a:schemeClr>
+              </a:gs>
+              <a:gs pos="48000">
+                <a:schemeClr val="bg1">
+                  <a:alpha val="63000"/>
+                </a:schemeClr>
+              </a:gs>
+              <a:gs pos="100000">
+                <a:schemeClr val="bg2">
+                  <a:alpha val="80000"/>
+                </a:schemeClr>
+              </a:gs>
+            </a:gsLst>
+            <a:path path="circle">
+              <a:fillToRect l="50000" t="50000" r="50000" b="50000"/>
+            </a:path>
+            <a:tileRect/>
+          </a:gradFill>
+          <a:ln>
+            <a:noFill/>
+          </a:ln>
+        </p:spPr>
+        <p:style>
+          <a:lnRef idx="2">
+            <a:schemeClr val="accent1">
+              <a:shade val="50000"/>
+            </a:schemeClr>
+          </a:lnRef>
+          <a:fillRef idx="1">
+            <a:schemeClr val="accent1"/>
+          </a:fillRef>
+          <a:effectRef idx="0">
+            <a:schemeClr val="accent1"/>
+          </a:effectRef>
+          <a:fontRef idx="minor">
+            <a:schemeClr val="lt1"/>
+          </a:fontRef>
+        </p:style>
+        <p:txBody>
+          <a:bodyPr rtlCol="0" anchor="ctr"/>
+          <a:lstStyle/>
+          <a:p>
+            <a:pPr algn="ctr"/>
+            <a:endParaRPr lang="en-US" dirty="0"/>
+          </a:p>
+        </p:txBody>
+      </p:sp>
+      <p:sp>
+        <p:nvSpPr>
+          <p:cNvPr id="9" name="Rectangle 8"/>
+          <p:cNvSpPr/>
+          <p:nvPr/>
+        </p:nvSpPr>
+        <p:spPr>
+          <a:xfrm>
+            <a:off x="0" y="2652311"/>
+            <a:ext cx="9144000" cy="2286000"/>
+          </a:xfrm>
+          <a:prstGeom prst="rect">
+            <a:avLst/>
+          </a:prstGeom>
+          <a:gradFill flip="none" rotWithShape="1">
+            <a:gsLst>
+              <a:gs pos="0">
+                <a:schemeClr val="bg1">
+                  <a:alpha val="0"/>
+                </a:schemeClr>
+              </a:gs>
+              <a:gs pos="29000">
+                <a:schemeClr val="bg1">
+                  <a:alpha val="30000"/>
+                </a:schemeClr>
+              </a:gs>
+              <a:gs pos="45000">
+                <a:schemeClr val="bg2">
+                  <a:alpha val="40000"/>
+                </a:schemeClr>
+              </a:gs>
+              <a:gs pos="55000">
+                <a:schemeClr val="bg1">
+                  <a:alpha val="26000"/>
+                </a:schemeClr>
+              </a:gs>
+              <a:gs pos="65000">
+                <a:schemeClr val="bg2">
+                  <a:alpha val="60000"/>
+                </a:schemeClr>
+              </a:gs>
+              <a:gs pos="100000">
+                <a:schemeClr val="bg1">
+                  <a:alpha val="0"/>
+                </a:schemeClr>
+              </a:gs>
+            </a:gsLst>
+            <a:lin ang="5400000" scaled="0"/>
+            <a:tileRect/>
+          </a:gradFill>
+          <a:ln>
+            <a:noFill/>
+          </a:ln>
+        </p:spPr>
+        <p:style>
+          <a:lnRef idx="2">
+            <a:schemeClr val="accent1">
+              <a:shade val="50000"/>
+            </a:schemeClr>
+          </a:lnRef>
+          <a:fillRef idx="1">
+            <a:schemeClr val="accent1"/>
+          </a:fillRef>
+          <a:effectRef idx="0">
+            <a:schemeClr val="accent1"/>
+          </a:effectRef>
+          <a:fontRef idx="minor">
+            <a:schemeClr val="lt1"/>
+          </a:fontRef>
+        </p:style>
+        <p:txBody>
+          <a:bodyPr rtlCol="0" anchor="ctr"/>
+          <a:lstStyle/>
+          <a:p>
+            <a:pPr algn="ctr"/>
+            <a:endParaRPr lang="en-US"/>
+          </a:p>
+        </p:txBody>
+      </p:sp>
+      <p:sp>
+        <p:nvSpPr>
+          <p:cNvPr id="10" name="Oval 9"/>
+          <p:cNvSpPr/>
+          <p:nvPr/>
+        </p:nvSpPr>
+        <p:spPr>
+          <a:xfrm>
+            <a:off x="0" y="1600200"/>
+            <a:ext cx="9144000" cy="5105400"/>
+          </a:xfrm>
+          <a:prstGeom prst="ellipse">
+            <a:avLst/>
+          </a:prstGeom>
+          <a:gradFill flip="none" rotWithShape="1">
+            <a:gsLst>
+              <a:gs pos="0">
+                <a:schemeClr val="bg1"/>
+              </a:gs>
+              <a:gs pos="54000">
+                <a:schemeClr val="bg1">
+                  <a:alpha val="0"/>
+                </a:schemeClr>
+              </a:gs>
+            </a:gsLst>
+            <a:path path="circle">
+              <a:fillToRect l="50000" t="50000" r="50000" b="50000"/>
+            </a:path>
+            <a:tileRect/>
+          </a:gradFill>
+          <a:ln>
+            <a:noFill/>
+          </a:ln>
+        </p:spPr>
+        <p:style>
+          <a:lnRef idx="2">
+            <a:schemeClr val="accent1">
+              <a:shade val="50000"/>
+            </a:schemeClr>
+          </a:lnRef>
+          <a:fillRef idx="1">
+            <a:schemeClr val="accent1"/>
+          </a:fillRef>
+          <a:effectRef idx="0">
+            <a:schemeClr val="accent1"/>
+          </a:effectRef>
+          <a:fontRef idx="minor">
+            <a:schemeClr val="lt1"/>
+          </a:fontRef>
+        </p:style>
+        <p:txBody>
+          <a:bodyPr rtlCol="0" anchor="ctr"/>
+          <a:lstStyle/>
+          <a:p>
+            <a:pPr algn="ctr"/>
+            <a:endParaRPr lang="en-US"/>
+          </a:p>
+        </p:txBody>
+      </p:sp>
+      <p:sp>
+        <p:nvSpPr>
+          <p:cNvPr id="2" name="Title 1"/>
+          <p:cNvSpPr>
+            <a:spLocks noGrp="1"/>
+          </p:cNvSpPr>
+          <p:nvPr>
+            <p:ph type="title"/>
+          </p:nvPr>
+        </p:nvSpPr>
+        <p:spPr>
+          <a:xfrm>
+            <a:off x="2033195" y="2172648"/>
+            <a:ext cx="5966666" cy="2423346"/>
+          </a:xfrm>
+          <a:effectLst/>
+        </p:spPr>
+        <p:txBody>
+          <a:bodyPr anchor="b"/>
+          <a:lstStyle>
+            <a:lvl1pPr algn="r">
+              <a:defRPr sz="4600" b="1" cap="none" baseline="0"/>
+            </a:lvl1pPr>
+          </a:lstStyle>
+          <a:p>
+            <a:r>
+              <a:rPr lang="en-US" smtClean="0"/>
+              <a:t>Click to edit Master title style</a:t>
+            </a:r>
+            <a:endParaRPr lang="en-US" dirty="0"/>
+          </a:p>
+        </p:txBody>
+      </p:sp>
+      <p:sp>
+        <p:nvSpPr>
+          <p:cNvPr id="3" name="Text Placeholder 2"/>
+          <p:cNvSpPr>
+            <a:spLocks noGrp="1"/>
+          </p:cNvSpPr>
+          <p:nvPr>
+            <p:ph type="body" idx="1"/>
+          </p:nvPr>
+        </p:nvSpPr>
+        <p:spPr>
+          <a:xfrm>
+            <a:off x="2022438" y="4607511"/>
+            <a:ext cx="5970494" cy="835460"/>
+          </a:xfrm>
+        </p:spPr>
+        <p:txBody>
+          <a:bodyPr anchor="t"/>
+          <a:lstStyle>
+            <a:lvl1pPr marL="0" indent="0" algn="r">
+              <a:buNone/>
+              <a:defRPr sz="2000">
+                <a:solidFill>
+                  <a:schemeClr val="tx2"/>
+                </a:solidFill>
+              </a:defRPr>
+            </a:lvl1pPr>
+            <a:lvl2pPr marL="457200" indent="0">
+              <a:buNone/>
+              <a:defRPr sz="1800">
+                <a:solidFill>
+                  <a:schemeClr val="tx1">
+                    <a:tint val="75000"/>
+                  </a:schemeClr>
+                </a:solidFill>
+              </a:defRPr>
+            </a:lvl2pPr>
+            <a:lvl3pPr marL="914400" indent="0">
+              <a:buNone/>
+              <a:defRPr sz="1600">
+                <a:solidFill>
+                  <a:schemeClr val="tx1">
+                    <a:tint val="75000"/>
+                  </a:schemeClr>
+                </a:solidFill>
+              </a:defRPr>
+            </a:lvl3pPr>
+            <a:lvl4pPr marL="1371600" indent="0">
+              <a:buNone/>
+              <a:defRPr sz="1400">
+                <a:solidFill>
+                  <a:schemeClr val="tx1">
+                    <a:tint val="75000"/>
+                  </a:schemeClr>
+                </a:solidFill>
+              </a:defRPr>
+            </a:lvl4pPr>
+            <a:lvl5pPr marL="1828800" indent="0">
+              <a:buNone/>
+              <a:defRPr sz="1400">
+                <a:solidFill>
+                  <a:schemeClr val="tx1">
+                    <a:tint val="75000"/>
+                  </a:schemeClr>
+                </a:solidFill>
+              </a:defRPr>
+            </a:lvl5pPr>
+            <a:lvl6pPr marL="2286000" indent="0">
+              <a:buNone/>
+              <a:defRPr sz="1400">
+                <a:solidFill>
+                  <a:schemeClr val="tx1">
+                    <a:tint val="75000"/>
+                  </a:schemeClr>
+                </a:solidFill>
+              </a:defRPr>
+            </a:lvl6pPr>
+            <a:lvl7pPr marL="2743200" indent="0">
+              <a:buNone/>
+              <a:defRPr sz="1400">
+                <a:solidFill>
+                  <a:schemeClr val="tx1">
+                    <a:tint val="75000"/>
+                  </a:schemeClr>
+                </a:solidFill>
+              </a:defRPr>
+            </a:lvl7pPr>
+            <a:lvl8pPr marL="3200400" indent="0">
+              <a:buNone/>
+              <a:defRPr sz="1400">
+                <a:solidFill>
+                  <a:schemeClr val="tx1">
+                    <a:tint val="75000"/>
+                  </a:schemeClr>
+                </a:solidFill>
+              </a:defRPr>
+            </a:lvl8pPr>
+            <a:lvl9pPr marL="3657600" indent="0">
+              <a:buNone/>
+              <a:defRPr sz="1400">
+                <a:solidFill>
+                  <a:schemeClr val="tx1">
+                    <a:tint val="75000"/>
+                  </a:schemeClr>
+                </a:solidFill>
+              </a:defRPr>
+            </a:lvl9pPr>
+          </a:lstStyle>
+          <a:p>
+            <a:pPr lvl="0"/>
+            <a:r>
+              <a:rPr lang="en-US" smtClean="0"/>
+              <a:t>Click to edit Master text styles</a:t>
+            </a:r>
+          </a:p>
+        </p:txBody>
+      </p:sp>
+      <p:sp>
+        <p:nvSpPr>
+          <p:cNvPr id="4" name="Date Placeholder 3"/>
+          <p:cNvSpPr>
+            <a:spLocks noGrp="1"/>
+          </p:cNvSpPr>
+          <p:nvPr>
+            <p:ph type="dt" sz="half" idx="10"/>
+          </p:nvPr>
+        </p:nvSpPr>
+        <p:spPr/>
+        <p:txBody>
+          <a:bodyPr/>
+          <a:lstStyle/>
+          <a:p>
+            <a:fld id="{D88684BC-97E8-4EB7-B548-A80FF2565271}" type="datetimeFigureOut">
+              <a:rPr lang="en-IN" smtClean="0"/>
+              <a:t>03-07-2019</a:t>
+            </a:fld>
+            <a:endParaRPr lang="en-IN"/>
+          </a:p>
+        </p:txBody>
+      </p:sp>
+      <p:sp>
+        <p:nvSpPr>
+          <p:cNvPr id="5" name="Footer Placeholder 4"/>
+          <p:cNvSpPr>
+            <a:spLocks noGrp="1"/>
+          </p:cNvSpPr>
+          <p:nvPr>
+            <p:ph type="ftr" sz="quarter" idx="11"/>
+          </p:nvPr>
+        </p:nvSpPr>
+        <p:spPr/>
+        <p:txBody>
+          <a:bodyPr/>
+          <a:lstStyle/>
+          <a:p>
+            <a:endParaRPr lang="en-IN"/>
+          </a:p>
+        </p:txBody>
+      </p:sp>
+      <p:sp>
+        <p:nvSpPr>
+          <p:cNvPr id="6" name="Slide Number Placeholder 5"/>
+          <p:cNvSpPr>
+            <a:spLocks noGrp="1"/>
+          </p:cNvSpPr>
+          <p:nvPr>
+            <p:ph type="sldNum" sz="quarter" idx="12"/>
+          </p:nvPr>
+        </p:nvSpPr>
+        <p:spPr/>
+        <p:txBody>
+          <a:bodyPr/>
+          <a:lstStyle/>
+          <a:p>
+            <a:fld id="{5E951FD3-E453-4406-B631-82DE21B6D85D}" type="slidenum">
+              <a:rPr lang="en-IN" smtClean="0"/>
+              <a:t>‹#›</a:t>
+            </a:fld>
+            <a:endParaRPr lang="en-IN"/>
+          </a:p>
+        </p:txBody>
+      </p:sp>
+    </p:spTree>
+  </p:cSld>
+  <p:clrMapOvr>
+    <a:masterClrMapping/>
+  </p:clrMapOvr>
+  <p:timing>
+    <p:tnLst>
+      <p:par>
+        <p:cTn id="1" dur="indefinite" restart="never" nodeType="tmRoot"/>
+      </p:par>
+    </p:tnLst>
+  </p:timing>
+</p:sldLayout>
+</file>
+
+<file path=ppt/slideLayouts/slideLayout15.xml><?xml version="1.0" encoding="utf-8"?>
+<p:sldLayout xmlns:a="http://schemas.openxmlformats.org/drawingml/2006/main" xmlns:r="http://schemas.openxmlformats.org/officeDocument/2006/relationships" xmlns:p="http://schemas.openxmlformats.org/presentationml/2006/main" type="twoObj" preserve="1">
+  <p:cSld name="Two Content">
+    <p:spTree>
+      <p:nvGrpSpPr>
+        <p:cNvPr id="1" name=""/>
+        <p:cNvGrpSpPr/>
+        <p:nvPr/>
+      </p:nvGrpSpPr>
+      <p:grpSpPr>
+        <a:xfrm>
+          <a:off x="0" y="0"/>
+          <a:ext cx="0" cy="0"/>
+          <a:chOff x="0" y="0"/>
+          <a:chExt cx="0" cy="0"/>
+        </a:xfrm>
+      </p:grpSpPr>
+      <p:sp>
+        <p:nvSpPr>
+          <p:cNvPr id="5" name="Date Placeholder 4"/>
+          <p:cNvSpPr>
+            <a:spLocks noGrp="1"/>
+          </p:cNvSpPr>
+          <p:nvPr>
+            <p:ph type="dt" sz="half" idx="10"/>
+          </p:nvPr>
+        </p:nvSpPr>
+        <p:spPr/>
+        <p:txBody>
+          <a:bodyPr/>
+          <a:lstStyle/>
+          <a:p>
+            <a:fld id="{D88684BC-97E8-4EB7-B548-A80FF2565271}" type="datetimeFigureOut">
+              <a:rPr lang="en-IN" smtClean="0"/>
+              <a:t>03-07-2019</a:t>
+            </a:fld>
+            <a:endParaRPr lang="en-IN"/>
+          </a:p>
+        </p:txBody>
+      </p:sp>
+      <p:sp>
+        <p:nvSpPr>
+          <p:cNvPr id="6" name="Footer Placeholder 5"/>
+          <p:cNvSpPr>
+            <a:spLocks noGrp="1"/>
+          </p:cNvSpPr>
+          <p:nvPr>
+            <p:ph type="ftr" sz="quarter" idx="11"/>
+          </p:nvPr>
+        </p:nvSpPr>
+        <p:spPr/>
+        <p:txBody>
+          <a:bodyPr/>
+          <a:lstStyle/>
+          <a:p>
+            <a:endParaRPr lang="en-IN"/>
+          </a:p>
+        </p:txBody>
+      </p:sp>
+      <p:sp>
+        <p:nvSpPr>
+          <p:cNvPr id="7" name="Slide Number Placeholder 6"/>
+          <p:cNvSpPr>
+            <a:spLocks noGrp="1"/>
+          </p:cNvSpPr>
+          <p:nvPr>
+            <p:ph type="sldNum" sz="quarter" idx="12"/>
+          </p:nvPr>
+        </p:nvSpPr>
+        <p:spPr/>
+        <p:txBody>
+          <a:bodyPr/>
+          <a:lstStyle/>
+          <a:p>
+            <a:fld id="{5E951FD3-E453-4406-B631-82DE21B6D85D}" type="slidenum">
+              <a:rPr lang="en-IN" smtClean="0"/>
+              <a:t>‹#›</a:t>
+            </a:fld>
+            <a:endParaRPr lang="en-IN"/>
+          </a:p>
+        </p:txBody>
+      </p:sp>
+      <p:sp>
+        <p:nvSpPr>
+          <p:cNvPr id="8" name="Title 7"/>
+          <p:cNvSpPr>
+            <a:spLocks noGrp="1"/>
+          </p:cNvSpPr>
+          <p:nvPr>
+            <p:ph type="title"/>
+          </p:nvPr>
+        </p:nvSpPr>
+        <p:spPr/>
+        <p:txBody>
+          <a:bodyPr/>
+          <a:lstStyle/>
+          <a:p>
+            <a:r>
+              <a:rPr lang="en-US" smtClean="0"/>
+              <a:t>Click to edit Master title style</a:t>
+            </a:r>
+            <a:endParaRPr lang="en-US"/>
+          </a:p>
+        </p:txBody>
+      </p:sp>
+      <p:sp>
+        <p:nvSpPr>
+          <p:cNvPr id="9" name="Content Placeholder 8"/>
+          <p:cNvSpPr>
+            <a:spLocks noGrp="1"/>
+          </p:cNvSpPr>
+          <p:nvPr>
+            <p:ph sz="quarter" idx="13"/>
+          </p:nvPr>
+        </p:nvSpPr>
+        <p:spPr>
+          <a:xfrm>
+            <a:off x="1142999" y="731519"/>
+            <a:ext cx="3346704" cy="3474720"/>
+          </a:xfrm>
+        </p:spPr>
+        <p:txBody>
+          <a:bodyPr/>
+          <a:lstStyle/>
+          <a:p>
+            <a:pPr lvl="0"/>
+            <a:r>
+              <a:rPr lang="en-US" smtClean="0"/>
+              <a:t>Click to edit Master text styles</a:t>
+            </a:r>
+          </a:p>
+          <a:p>
+            <a:pPr lvl="1"/>
+            <a:r>
+              <a:rPr lang="en-US" smtClean="0"/>
+              <a:t>Second level</a:t>
+            </a:r>
+          </a:p>
+          <a:p>
+            <a:pPr lvl="2"/>
+            <a:r>
+              <a:rPr lang="en-US" smtClean="0"/>
+              <a:t>Third level</a:t>
+            </a:r>
+          </a:p>
+          <a:p>
+            <a:pPr lvl="3"/>
+            <a:r>
+              <a:rPr lang="en-US" smtClean="0"/>
+              <a:t>Fourth level</a:t>
+            </a:r>
+          </a:p>
+          <a:p>
+            <a:pPr lvl="4"/>
+            <a:r>
+              <a:rPr lang="en-US" smtClean="0"/>
+              <a:t>Fifth level</a:t>
+            </a:r>
+            <a:endParaRPr lang="en-US"/>
+          </a:p>
+        </p:txBody>
+      </p:sp>
+      <p:sp>
+        <p:nvSpPr>
+          <p:cNvPr id="11" name="Content Placeholder 10"/>
+          <p:cNvSpPr>
+            <a:spLocks noGrp="1"/>
+          </p:cNvSpPr>
+          <p:nvPr>
+            <p:ph sz="quarter" idx="14"/>
+          </p:nvPr>
+        </p:nvSpPr>
+        <p:spPr>
+          <a:xfrm>
+            <a:off x="4645152" y="731520"/>
+            <a:ext cx="3346704" cy="3474720"/>
+          </a:xfrm>
+        </p:spPr>
+        <p:txBody>
+          <a:bodyPr/>
+          <a:lstStyle/>
+          <a:p>
+            <a:pPr lvl="0"/>
+            <a:r>
+              <a:rPr lang="en-US" smtClean="0"/>
+              <a:t>Click to edit Master text styles</a:t>
+            </a:r>
+          </a:p>
+          <a:p>
+            <a:pPr lvl="1"/>
+            <a:r>
+              <a:rPr lang="en-US" smtClean="0"/>
+              <a:t>Second level</a:t>
+            </a:r>
+          </a:p>
+          <a:p>
+            <a:pPr lvl="2"/>
+            <a:r>
+              <a:rPr lang="en-US" smtClean="0"/>
+              <a:t>Third level</a:t>
+            </a:r>
+          </a:p>
+          <a:p>
+            <a:pPr lvl="3"/>
+            <a:r>
+              <a:rPr lang="en-US" smtClean="0"/>
+              <a:t>Fourth level</a:t>
+            </a:r>
+          </a:p>
+          <a:p>
+            <a:pPr lvl="4"/>
+            <a:r>
+              <a:rPr lang="en-US" smtClean="0"/>
+              <a:t>Fifth level</a:t>
+            </a:r>
+            <a:endParaRPr lang="en-US"/>
+          </a:p>
+        </p:txBody>
+      </p:sp>
+    </p:spTree>
+  </p:cSld>
+  <p:clrMapOvr>
+    <a:masterClrMapping/>
+  </p:clrMapOvr>
+  <p:timing>
+    <p:tnLst>
+      <p:par>
+        <p:cTn id="1" dur="indefinite" restart="never" nodeType="tmRoot"/>
+      </p:par>
+    </p:tnLst>
+  </p:timing>
+</p:sldLayout>
+</file>
+
+<file path=ppt/slideLayouts/slideLayout16.xml><?xml version="1.0" encoding="utf-8"?>
+<p:sldLayout xmlns:a="http://schemas.openxmlformats.org/drawingml/2006/main" xmlns:r="http://schemas.openxmlformats.org/officeDocument/2006/relationships" xmlns:p="http://schemas.openxmlformats.org/presentationml/2006/main" type="twoTxTwoObj" preserve="1">
+  <p:cSld name="Comparison">
+    <p:spTree>
+      <p:nvGrpSpPr>
+        <p:cNvPr id="1" name=""/>
+        <p:cNvGrpSpPr/>
+        <p:nvPr/>
+      </p:nvGrpSpPr>
+      <p:grpSpPr>
+        <a:xfrm>
+          <a:off x="0" y="0"/>
+          <a:ext cx="0" cy="0"/>
+          <a:chOff x="0" y="0"/>
+          <a:chExt cx="0" cy="0"/>
+        </a:xfrm>
+      </p:grpSpPr>
+      <p:sp>
+        <p:nvSpPr>
+          <p:cNvPr id="3" name="Text Placeholder 2"/>
+          <p:cNvSpPr>
+            <a:spLocks noGrp="1"/>
+          </p:cNvSpPr>
+          <p:nvPr>
+            <p:ph type="body" idx="1"/>
+          </p:nvPr>
+        </p:nvSpPr>
+        <p:spPr>
+          <a:xfrm>
+            <a:off x="1143000" y="731520"/>
+            <a:ext cx="3346704" cy="639762"/>
+          </a:xfrm>
+        </p:spPr>
+        <p:txBody>
+          <a:bodyPr anchor="b">
+            <a:noAutofit/>
+          </a:bodyPr>
+          <a:lstStyle>
+            <a:lvl1pPr marL="0" indent="0" algn="ctr">
+              <a:buNone/>
+              <a:defRPr lang="en-US" sz="2400" b="1" i="0" kern="1200" dirty="0" smtClean="0">
+                <a:gradFill>
+                  <a:gsLst>
+                    <a:gs pos="0">
+                      <a:schemeClr val="tx1"/>
+                    </a:gs>
+                    <a:gs pos="40000">
+                      <a:schemeClr val="tx1">
+                        <a:lumMod val="75000"/>
+                        <a:lumOff val="25000"/>
+                      </a:schemeClr>
+                    </a:gs>
+                    <a:gs pos="100000">
+                      <a:schemeClr val="tx2">
+                        <a:alpha val="65000"/>
+                      </a:schemeClr>
+                    </a:gs>
+                  </a:gsLst>
+                  <a:lin ang="5400000" scaled="0"/>
+                </a:gradFill>
+                <a:effectLst/>
+                <a:latin typeface="+mj-lt"/>
+                <a:ea typeface="+mj-ea"/>
+                <a:cs typeface="+mj-cs"/>
+              </a:defRPr>
+            </a:lvl1pPr>
+            <a:lvl2pPr marL="457200" indent="0">
+              <a:buNone/>
+              <a:defRPr sz="2000" b="1"/>
+            </a:lvl2pPr>
+            <a:lvl3pPr marL="914400" indent="0">
+              <a:buNone/>
+              <a:defRPr sz="1800" b="1"/>
+            </a:lvl3pPr>
+            <a:lvl4pPr marL="1371600" indent="0">
+              <a:buNone/>
+              <a:defRPr sz="1600" b="1"/>
+            </a:lvl4pPr>
+            <a:lvl5pPr marL="1828800" indent="0">
+              <a:buNone/>
+              <a:defRPr sz="1600" b="1"/>
+            </a:lvl5pPr>
+            <a:lvl6pPr marL="2286000" indent="0">
+              <a:buNone/>
+              <a:defRPr sz="1600" b="1"/>
+            </a:lvl6pPr>
+            <a:lvl7pPr marL="2743200" indent="0">
+              <a:buNone/>
+              <a:defRPr sz="1600" b="1"/>
+            </a:lvl7pPr>
+            <a:lvl8pPr marL="3200400" indent="0">
+              <a:buNone/>
+              <a:defRPr sz="1600" b="1"/>
+            </a:lvl8pPr>
+            <a:lvl9pPr marL="3657600" indent="0">
+              <a:buNone/>
+              <a:defRPr sz="1600" b="1"/>
+            </a:lvl9pPr>
+          </a:lstStyle>
+          <a:p>
+            <a:pPr lvl="0"/>
+            <a:r>
+              <a:rPr lang="en-US" smtClean="0"/>
+              <a:t>Click to edit Master text styles</a:t>
+            </a:r>
+          </a:p>
+        </p:txBody>
+      </p:sp>
+      <p:sp>
+        <p:nvSpPr>
+          <p:cNvPr id="4" name="Content Placeholder 3"/>
+          <p:cNvSpPr>
+            <a:spLocks noGrp="1"/>
+          </p:cNvSpPr>
+          <p:nvPr>
+            <p:ph sz="half" idx="2"/>
+          </p:nvPr>
+        </p:nvSpPr>
+        <p:spPr>
+          <a:xfrm>
+            <a:off x="1156447" y="1400327"/>
+            <a:ext cx="3346704" cy="2743200"/>
+          </a:xfrm>
+        </p:spPr>
+        <p:txBody>
+          <a:bodyPr>
+            <a:normAutofit/>
+          </a:bodyPr>
+          <a:lstStyle>
+            <a:lvl1pPr>
+              <a:defRPr sz="1800"/>
+            </a:lvl1pPr>
+            <a:lvl2pPr>
+              <a:defRPr sz="1800"/>
+            </a:lvl2pPr>
+            <a:lvl3pPr>
+              <a:defRPr sz="1600"/>
+            </a:lvl3pPr>
+            <a:lvl4pPr>
+              <a:defRPr sz="1600"/>
+            </a:lvl4pPr>
+            <a:lvl5pPr>
+              <a:defRPr sz="1600"/>
+            </a:lvl5pPr>
+            <a:lvl6pPr>
+              <a:defRPr sz="1600"/>
+            </a:lvl6pPr>
+            <a:lvl7pPr>
+              <a:defRPr sz="1600"/>
+            </a:lvl7pPr>
+            <a:lvl8pPr>
+              <a:defRPr sz="1600"/>
+            </a:lvl8pPr>
+            <a:lvl9pPr>
+              <a:defRPr sz="1600"/>
+            </a:lvl9pPr>
+          </a:lstStyle>
+          <a:p>
+            <a:pPr lvl="0"/>
+            <a:r>
+              <a:rPr lang="en-US" smtClean="0"/>
+              <a:t>Click to edit Master text styles</a:t>
+            </a:r>
+          </a:p>
+          <a:p>
+            <a:pPr lvl="1"/>
+            <a:r>
+              <a:rPr lang="en-US" smtClean="0"/>
+              <a:t>Second level</a:t>
+            </a:r>
+          </a:p>
+          <a:p>
+            <a:pPr lvl="2"/>
+            <a:r>
+              <a:rPr lang="en-US" smtClean="0"/>
+              <a:t>Third level</a:t>
+            </a:r>
+          </a:p>
+          <a:p>
+            <a:pPr lvl="3"/>
+            <a:r>
+              <a:rPr lang="en-US" smtClean="0"/>
+              <a:t>Fourth level</a:t>
+            </a:r>
+          </a:p>
+          <a:p>
+            <a:pPr lvl="4"/>
+            <a:r>
+              <a:rPr lang="en-US" smtClean="0"/>
+              <a:t>Fifth level</a:t>
+            </a:r>
+            <a:endParaRPr lang="en-US" dirty="0"/>
+          </a:p>
+        </p:txBody>
+      </p:sp>
+      <p:sp>
+        <p:nvSpPr>
+          <p:cNvPr id="5" name="Text Placeholder 4"/>
+          <p:cNvSpPr>
+            <a:spLocks noGrp="1"/>
+          </p:cNvSpPr>
+          <p:nvPr>
+            <p:ph type="body" sz="quarter" idx="3"/>
+          </p:nvPr>
+        </p:nvSpPr>
+        <p:spPr>
+          <a:xfrm>
+            <a:off x="4647302" y="731520"/>
+            <a:ext cx="3346704" cy="639762"/>
+          </a:xfrm>
+        </p:spPr>
+        <p:txBody>
+          <a:bodyPr anchor="b">
+            <a:noAutofit/>
+          </a:bodyPr>
+          <a:lstStyle>
+            <a:lvl1pPr marL="0" indent="0" algn="ctr">
+              <a:buNone/>
+              <a:defRPr lang="en-US" sz="2400" b="1" i="0" kern="1200" dirty="0" smtClean="0">
+                <a:gradFill>
+                  <a:gsLst>
+                    <a:gs pos="0">
+                      <a:schemeClr val="tx1"/>
+                    </a:gs>
+                    <a:gs pos="40000">
+                      <a:schemeClr val="tx1">
+                        <a:lumMod val="75000"/>
+                        <a:lumOff val="25000"/>
+                      </a:schemeClr>
+                    </a:gs>
+                    <a:gs pos="100000">
+                      <a:schemeClr val="tx2">
+                        <a:alpha val="65000"/>
+                      </a:schemeClr>
+                    </a:gs>
+                  </a:gsLst>
+                  <a:lin ang="5400000" scaled="0"/>
+                </a:gradFill>
+                <a:effectLst/>
+                <a:latin typeface="+mj-lt"/>
+                <a:ea typeface="+mj-ea"/>
+                <a:cs typeface="+mj-cs"/>
+              </a:defRPr>
+            </a:lvl1pPr>
+            <a:lvl2pPr marL="457200" indent="0">
+              <a:buNone/>
+              <a:defRPr sz="2000" b="1"/>
+            </a:lvl2pPr>
+            <a:lvl3pPr marL="914400" indent="0">
+              <a:buNone/>
+              <a:defRPr sz="1800" b="1"/>
+            </a:lvl3pPr>
+            <a:lvl4pPr marL="1371600" indent="0">
+              <a:buNone/>
+              <a:defRPr sz="1600" b="1"/>
+            </a:lvl4pPr>
+            <a:lvl5pPr marL="1828800" indent="0">
+              <a:buNone/>
+              <a:defRPr sz="1600" b="1"/>
+            </a:lvl5pPr>
+            <a:lvl6pPr marL="2286000" indent="0">
+              <a:buNone/>
+              <a:defRPr sz="1600" b="1"/>
+            </a:lvl6pPr>
+            <a:lvl7pPr marL="2743200" indent="0">
+              <a:buNone/>
+              <a:defRPr sz="1600" b="1"/>
+            </a:lvl7pPr>
+            <a:lvl8pPr marL="3200400" indent="0">
+              <a:buNone/>
+              <a:defRPr sz="1600" b="1"/>
+            </a:lvl8pPr>
+            <a:lvl9pPr marL="3657600" indent="0">
+              <a:buNone/>
+              <a:defRPr sz="1600" b="1"/>
+            </a:lvl9pPr>
+          </a:lstStyle>
+          <a:p>
+            <a:pPr marL="0" lvl="0" indent="0" algn="ctr" defTabSz="914400" rtl="0" eaLnBrk="1" latinLnBrk="0" hangingPunct="1">
+              <a:spcBef>
+                <a:spcPct val="20000"/>
+              </a:spcBef>
+              <a:spcAft>
+                <a:spcPts val="300"/>
+              </a:spcAft>
+              <a:buClr>
+                <a:schemeClr val="accent6">
+                  <a:lumMod val="75000"/>
+                </a:schemeClr>
+              </a:buClr>
+              <a:buSzPct val="130000"/>
+              <a:buFont typeface="Georgia" pitchFamily="18" charset="0"/>
+              <a:buNone/>
+            </a:pPr>
+            <a:r>
+              <a:rPr lang="en-US" smtClean="0"/>
+              <a:t>Click to edit Master text styles</a:t>
+            </a:r>
+          </a:p>
+        </p:txBody>
+      </p:sp>
+      <p:sp>
+        <p:nvSpPr>
+          <p:cNvPr id="6" name="Content Placeholder 5"/>
+          <p:cNvSpPr>
+            <a:spLocks noGrp="1"/>
+          </p:cNvSpPr>
+          <p:nvPr>
+            <p:ph sz="quarter" idx="4"/>
+          </p:nvPr>
+        </p:nvSpPr>
+        <p:spPr>
+          <a:xfrm>
+            <a:off x="4645025" y="1399032"/>
+            <a:ext cx="3346704" cy="2743200"/>
+          </a:xfrm>
+        </p:spPr>
+        <p:txBody>
+          <a:bodyPr>
+            <a:normAutofit/>
+          </a:bodyPr>
+          <a:lstStyle>
+            <a:lvl1pPr>
+              <a:defRPr sz="1800"/>
+            </a:lvl1pPr>
+            <a:lvl2pPr>
+              <a:defRPr sz="1800"/>
+            </a:lvl2pPr>
+            <a:lvl3pPr>
+              <a:defRPr sz="1600"/>
+            </a:lvl3pPr>
+            <a:lvl4pPr>
+              <a:defRPr sz="1600"/>
+            </a:lvl4pPr>
+            <a:lvl5pPr>
+              <a:defRPr sz="1600"/>
+            </a:lvl5pPr>
+            <a:lvl6pPr>
+              <a:defRPr sz="1600"/>
+            </a:lvl6pPr>
+            <a:lvl7pPr>
+              <a:defRPr sz="1600"/>
+            </a:lvl7pPr>
+            <a:lvl8pPr>
+              <a:defRPr sz="1600"/>
+            </a:lvl8pPr>
+            <a:lvl9pPr>
+              <a:defRPr sz="1600"/>
+            </a:lvl9pPr>
+          </a:lstStyle>
+          <a:p>
+            <a:pPr lvl="0"/>
+            <a:r>
+              <a:rPr lang="en-US" smtClean="0"/>
+              <a:t>Click to edit Master text styles</a:t>
+            </a:r>
+          </a:p>
+          <a:p>
+            <a:pPr lvl="1"/>
+            <a:r>
+              <a:rPr lang="en-US" smtClean="0"/>
+              <a:t>Second level</a:t>
+            </a:r>
+          </a:p>
+          <a:p>
+            <a:pPr lvl="2"/>
+            <a:r>
+              <a:rPr lang="en-US" smtClean="0"/>
+              <a:t>Third level</a:t>
+            </a:r>
+          </a:p>
+          <a:p>
+            <a:pPr lvl="3"/>
+            <a:r>
+              <a:rPr lang="en-US" smtClean="0"/>
+              <a:t>Fourth level</a:t>
+            </a:r>
+          </a:p>
+          <a:p>
+            <a:pPr lvl="4"/>
+            <a:r>
+              <a:rPr lang="en-US" smtClean="0"/>
+              <a:t>Fifth level</a:t>
+            </a:r>
+            <a:endParaRPr lang="en-US" dirty="0"/>
+          </a:p>
+        </p:txBody>
+      </p:sp>
+      <p:sp>
+        <p:nvSpPr>
+          <p:cNvPr id="7" name="Date Placeholder 6"/>
+          <p:cNvSpPr>
+            <a:spLocks noGrp="1"/>
+          </p:cNvSpPr>
+          <p:nvPr>
+            <p:ph type="dt" sz="half" idx="10"/>
+          </p:nvPr>
+        </p:nvSpPr>
+        <p:spPr/>
+        <p:txBody>
+          <a:bodyPr/>
+          <a:lstStyle/>
+          <a:p>
+            <a:fld id="{D88684BC-97E8-4EB7-B548-A80FF2565271}" type="datetimeFigureOut">
+              <a:rPr lang="en-IN" smtClean="0"/>
+              <a:t>03-07-2019</a:t>
+            </a:fld>
+            <a:endParaRPr lang="en-IN"/>
+          </a:p>
+        </p:txBody>
+      </p:sp>
+      <p:sp>
+        <p:nvSpPr>
+          <p:cNvPr id="8" name="Footer Placeholder 7"/>
+          <p:cNvSpPr>
+            <a:spLocks noGrp="1"/>
+          </p:cNvSpPr>
+          <p:nvPr>
+            <p:ph type="ftr" sz="quarter" idx="11"/>
+          </p:nvPr>
+        </p:nvSpPr>
+        <p:spPr/>
+        <p:txBody>
+          <a:bodyPr/>
+          <a:lstStyle/>
+          <a:p>
+            <a:endParaRPr lang="en-IN"/>
+          </a:p>
+        </p:txBody>
+      </p:sp>
+      <p:sp>
+        <p:nvSpPr>
+          <p:cNvPr id="9" name="Slide Number Placeholder 8"/>
+          <p:cNvSpPr>
+            <a:spLocks noGrp="1"/>
+          </p:cNvSpPr>
+          <p:nvPr>
+            <p:ph type="sldNum" sz="quarter" idx="12"/>
+          </p:nvPr>
+        </p:nvSpPr>
+        <p:spPr/>
+        <p:txBody>
+          <a:bodyPr/>
+          <a:lstStyle/>
+          <a:p>
+            <a:fld id="{5E951FD3-E453-4406-B631-82DE21B6D85D}" type="slidenum">
+              <a:rPr lang="en-IN" smtClean="0"/>
+              <a:t>‹#›</a:t>
+            </a:fld>
+            <a:endParaRPr lang="en-IN"/>
+          </a:p>
+        </p:txBody>
+      </p:sp>
+      <p:sp>
+        <p:nvSpPr>
+          <p:cNvPr id="10" name="Title 9"/>
+          <p:cNvSpPr>
+            <a:spLocks noGrp="1"/>
+          </p:cNvSpPr>
+          <p:nvPr>
+            <p:ph type="title"/>
+          </p:nvPr>
+        </p:nvSpPr>
+        <p:spPr/>
+        <p:txBody>
+          <a:bodyPr/>
+          <a:lstStyle/>
+          <a:p>
+            <a:r>
+              <a:rPr lang="en-US" smtClean="0"/>
+              <a:t>Click to edit Master title style</a:t>
+            </a:r>
+            <a:endParaRPr lang="en-US" dirty="0"/>
+          </a:p>
+        </p:txBody>
+      </p:sp>
+    </p:spTree>
+  </p:cSld>
+  <p:clrMapOvr>
+    <a:masterClrMapping/>
+  </p:clrMapOvr>
+  <p:timing>
+    <p:tnLst>
+      <p:par>
+        <p:cTn id="1" dur="indefinite" restart="never" nodeType="tmRoot"/>
+      </p:par>
+    </p:tnLst>
+  </p:timing>
+</p:sldLayout>
+</file>
+
+<file path=ppt/slideLayouts/slideLayout17.xml><?xml version="1.0" encoding="utf-8"?>
+<p:sldLayout xmlns:a="http://schemas.openxmlformats.org/drawingml/2006/main" xmlns:r="http://schemas.openxmlformats.org/officeDocument/2006/relationships" xmlns:p="http://schemas.openxmlformats.org/presentationml/2006/main" type="titleOnly" preserve="1">
+  <p:cSld name="Title Only">
+    <p:spTree>
+      <p:nvGrpSpPr>
+        <p:cNvPr id="1" name=""/>
+        <p:cNvGrpSpPr/>
+        <p:nvPr/>
+      </p:nvGrpSpPr>
+      <p:grpSpPr>
+        <a:xfrm>
+          <a:off x="0" y="0"/>
+          <a:ext cx="0" cy="0"/>
+          <a:chOff x="0" y="0"/>
+          <a:chExt cx="0" cy="0"/>
+        </a:xfrm>
+      </p:grpSpPr>
+      <p:sp>
+        <p:nvSpPr>
+          <p:cNvPr id="2" name="Title 1"/>
+          <p:cNvSpPr>
+            <a:spLocks noGrp="1"/>
+          </p:cNvSpPr>
+          <p:nvPr>
+            <p:ph type="title"/>
+          </p:nvPr>
+        </p:nvSpPr>
+        <p:spPr/>
+        <p:txBody>
+          <a:bodyPr/>
+          <a:lstStyle/>
+          <a:p>
+            <a:r>
+              <a:rPr lang="en-US" smtClean="0"/>
+              <a:t>Click to edit Master title style</a:t>
+            </a:r>
+            <a:endParaRPr lang="en-US" dirty="0"/>
+          </a:p>
+        </p:txBody>
+      </p:sp>
+      <p:sp>
+        <p:nvSpPr>
+          <p:cNvPr id="3" name="Date Placeholder 2"/>
+          <p:cNvSpPr>
+            <a:spLocks noGrp="1"/>
+          </p:cNvSpPr>
+          <p:nvPr>
+            <p:ph type="dt" sz="half" idx="10"/>
+          </p:nvPr>
+        </p:nvSpPr>
+        <p:spPr/>
+        <p:txBody>
+          <a:bodyPr/>
+          <a:lstStyle/>
+          <a:p>
+            <a:fld id="{D88684BC-97E8-4EB7-B548-A80FF2565271}" type="datetimeFigureOut">
+              <a:rPr lang="en-IN" smtClean="0"/>
+              <a:t>03-07-2019</a:t>
+            </a:fld>
+            <a:endParaRPr lang="en-IN"/>
+          </a:p>
+        </p:txBody>
+      </p:sp>
+      <p:sp>
+        <p:nvSpPr>
+          <p:cNvPr id="4" name="Footer Placeholder 3"/>
+          <p:cNvSpPr>
+            <a:spLocks noGrp="1"/>
+          </p:cNvSpPr>
+          <p:nvPr>
+            <p:ph type="ftr" sz="quarter" idx="11"/>
+          </p:nvPr>
+        </p:nvSpPr>
+        <p:spPr/>
+        <p:txBody>
+          <a:bodyPr/>
+          <a:lstStyle/>
+          <a:p>
+            <a:endParaRPr lang="en-IN"/>
+          </a:p>
+        </p:txBody>
+      </p:sp>
+      <p:sp>
+        <p:nvSpPr>
+          <p:cNvPr id="5" name="Slide Number Placeholder 4"/>
+          <p:cNvSpPr>
+            <a:spLocks noGrp="1"/>
+          </p:cNvSpPr>
+          <p:nvPr>
+            <p:ph type="sldNum" sz="quarter" idx="12"/>
+          </p:nvPr>
+        </p:nvSpPr>
+        <p:spPr/>
+        <p:txBody>
+          <a:bodyPr/>
+          <a:lstStyle/>
+          <a:p>
+            <a:fld id="{5E951FD3-E453-4406-B631-82DE21B6D85D}" type="slidenum">
+              <a:rPr lang="en-IN" smtClean="0"/>
+              <a:t>‹#›</a:t>
+            </a:fld>
+            <a:endParaRPr lang="en-IN"/>
+          </a:p>
+        </p:txBody>
+      </p:sp>
+    </p:spTree>
+  </p:cSld>
+  <p:clrMapOvr>
+    <a:masterClrMapping/>
+  </p:clrMapOvr>
+  <p:timing>
+    <p:tnLst>
+      <p:par>
+        <p:cTn id="1" dur="indefinite" restart="never" nodeType="tmRoot"/>
+      </p:par>
+    </p:tnLst>
+  </p:timing>
+</p:sldLayout>
+</file>
+
+<file path=ppt/slideLayouts/slideLayout18.xml><?xml version="1.0" encoding="utf-8"?>
+<p:sldLayout xmlns:a="http://schemas.openxmlformats.org/drawingml/2006/main" xmlns:r="http://schemas.openxmlformats.org/officeDocument/2006/relationships" xmlns:p="http://schemas.openxmlformats.org/presentationml/2006/main" type="blank" preserve="1">
+  <p:cSld name="Blank">
+    <p:spTree>
+      <p:nvGrpSpPr>
+        <p:cNvPr id="1" name=""/>
+        <p:cNvGrpSpPr/>
+        <p:nvPr/>
+      </p:nvGrpSpPr>
+      <p:grpSpPr>
+        <a:xfrm>
+          <a:off x="0" y="0"/>
+          <a:ext cx="0" cy="0"/>
+          <a:chOff x="0" y="0"/>
+          <a:chExt cx="0" cy="0"/>
+        </a:xfrm>
+      </p:grpSpPr>
+      <p:sp>
+        <p:nvSpPr>
+          <p:cNvPr id="2" name="Date Placeholder 1"/>
+          <p:cNvSpPr>
+            <a:spLocks noGrp="1"/>
+          </p:cNvSpPr>
+          <p:nvPr>
+            <p:ph type="dt" sz="half" idx="10"/>
+          </p:nvPr>
+        </p:nvSpPr>
+        <p:spPr/>
+        <p:txBody>
+          <a:bodyPr/>
+          <a:lstStyle/>
+          <a:p>
+            <a:fld id="{D88684BC-97E8-4EB7-B548-A80FF2565271}" type="datetimeFigureOut">
+              <a:rPr lang="en-IN" smtClean="0"/>
+              <a:t>03-07-2019</a:t>
+            </a:fld>
+            <a:endParaRPr lang="en-IN"/>
+          </a:p>
+        </p:txBody>
+      </p:sp>
+      <p:sp>
+        <p:nvSpPr>
+          <p:cNvPr id="3" name="Footer Placeholder 2"/>
+          <p:cNvSpPr>
+            <a:spLocks noGrp="1"/>
+          </p:cNvSpPr>
+          <p:nvPr>
+            <p:ph type="ftr" sz="quarter" idx="11"/>
+          </p:nvPr>
+        </p:nvSpPr>
+        <p:spPr/>
+        <p:txBody>
+          <a:bodyPr/>
+          <a:lstStyle/>
+          <a:p>
+            <a:endParaRPr lang="en-IN"/>
+          </a:p>
+        </p:txBody>
+      </p:sp>
+      <p:sp>
+        <p:nvSpPr>
+          <p:cNvPr id="4" name="Slide Number Placeholder 3"/>
+          <p:cNvSpPr>
+            <a:spLocks noGrp="1"/>
+          </p:cNvSpPr>
+          <p:nvPr>
+            <p:ph type="sldNum" sz="quarter" idx="12"/>
+          </p:nvPr>
+        </p:nvSpPr>
+        <p:spPr/>
+        <p:txBody>
+          <a:bodyPr/>
+          <a:lstStyle/>
+          <a:p>
+            <a:fld id="{5E951FD3-E453-4406-B631-82DE21B6D85D}" type="slidenum">
+              <a:rPr lang="en-IN" smtClean="0"/>
+              <a:t>‹#›</a:t>
+            </a:fld>
+            <a:endParaRPr lang="en-IN"/>
+          </a:p>
+        </p:txBody>
+      </p:sp>
+    </p:spTree>
+  </p:cSld>
+  <p:clrMapOvr>
+    <a:masterClrMapping/>
+  </p:clrMapOvr>
+  <p:timing>
+    <p:tnLst>
+      <p:par>
+        <p:cTn id="1" dur="indefinite" restart="never" nodeType="tmRoot"/>
+      </p:par>
+    </p:tnLst>
+  </p:timing>
+</p:sldLayout>
+</file>
+
+<file path=ppt/slideLayouts/slideLayout19.xml><?xml version="1.0" encoding="utf-8"?>
+<p:sldLayout xmlns:a="http://schemas.openxmlformats.org/drawingml/2006/main" xmlns:r="http://schemas.openxmlformats.org/officeDocument/2006/relationships" xmlns:p="http://schemas.openxmlformats.org/presentationml/2006/main" type="objTx" preserve="1">
+  <p:cSld name="Content with Caption">
+    <p:spTree>
+      <p:nvGrpSpPr>
+        <p:cNvPr id="1" name=""/>
+        <p:cNvGrpSpPr/>
+        <p:nvPr/>
+      </p:nvGrpSpPr>
+      <p:grpSpPr>
+        <a:xfrm>
+          <a:off x="0" y="0"/>
+          <a:ext cx="0" cy="0"/>
+          <a:chOff x="0" y="0"/>
+          <a:chExt cx="0" cy="0"/>
+        </a:xfrm>
+      </p:grpSpPr>
+      <p:sp>
+        <p:nvSpPr>
+          <p:cNvPr id="2" name="Title 1"/>
+          <p:cNvSpPr>
+            <a:spLocks noGrp="1"/>
+          </p:cNvSpPr>
+          <p:nvPr>
+            <p:ph type="title"/>
+          </p:nvPr>
+        </p:nvSpPr>
+        <p:spPr>
+          <a:xfrm>
+            <a:off x="839095" y="2209800"/>
+            <a:ext cx="3636085" cy="1258493"/>
+          </a:xfrm>
+          <a:effectLst/>
+        </p:spPr>
+        <p:txBody>
+          <a:bodyPr anchor="b">
+            <a:noAutofit/>
+          </a:bodyPr>
+          <a:lstStyle>
+            <a:lvl1pPr marL="228600" indent="-228600" algn="l">
+              <a:defRPr sz="2800" b="1">
+                <a:effectLst/>
+              </a:defRPr>
+            </a:lvl1pPr>
+          </a:lstStyle>
+          <a:p>
+            <a:r>
+              <a:rPr lang="en-US" smtClean="0"/>
+              <a:t>Click to edit Master title style</a:t>
+            </a:r>
+            <a:endParaRPr lang="en-US" dirty="0"/>
+          </a:p>
+        </p:txBody>
+      </p:sp>
+      <p:sp>
+        <p:nvSpPr>
+          <p:cNvPr id="3" name="Content Placeholder 2"/>
+          <p:cNvSpPr>
+            <a:spLocks noGrp="1"/>
+          </p:cNvSpPr>
+          <p:nvPr>
+            <p:ph idx="1"/>
+          </p:nvPr>
+        </p:nvSpPr>
+        <p:spPr>
+          <a:xfrm>
+            <a:off x="4593515" y="731520"/>
+            <a:ext cx="4017085" cy="4894730"/>
+          </a:xfrm>
+        </p:spPr>
+        <p:txBody>
+          <a:bodyPr anchor="ctr"/>
+          <a:lstStyle>
+            <a:lvl1pPr>
+              <a:defRPr sz="2200"/>
+            </a:lvl1pPr>
+            <a:lvl2pPr>
+              <a:defRPr sz="2000"/>
+            </a:lvl2pPr>
+            <a:lvl3pPr>
+              <a:defRPr sz="1800"/>
+            </a:lvl3pPr>
+            <a:lvl4pPr>
+              <a:defRPr sz="1600"/>
+            </a:lvl4pPr>
+            <a:lvl5pPr>
+              <a:defRPr sz="1400"/>
+            </a:lvl5pPr>
+            <a:lvl6pPr>
+              <a:defRPr sz="2000"/>
+            </a:lvl6pPr>
+            <a:lvl7pPr>
+              <a:defRPr sz="2000"/>
+            </a:lvl7pPr>
+            <a:lvl8pPr>
+              <a:defRPr sz="2000"/>
+            </a:lvl8pPr>
+            <a:lvl9pPr>
+              <a:defRPr sz="2000"/>
+            </a:lvl9pPr>
+          </a:lstStyle>
+          <a:p>
+            <a:pPr lvl="0"/>
+            <a:r>
+              <a:rPr lang="en-US" smtClean="0"/>
+              <a:t>Click to edit Master text styles</a:t>
+            </a:r>
+          </a:p>
+          <a:p>
+            <a:pPr lvl="1"/>
+            <a:r>
+              <a:rPr lang="en-US" smtClean="0"/>
+              <a:t>Second level</a:t>
+            </a:r>
+          </a:p>
+          <a:p>
+            <a:pPr lvl="2"/>
+            <a:r>
+              <a:rPr lang="en-US" smtClean="0"/>
+              <a:t>Third level</a:t>
+            </a:r>
+          </a:p>
+          <a:p>
+            <a:pPr lvl="3"/>
+            <a:r>
+              <a:rPr lang="en-US" smtClean="0"/>
+              <a:t>Fourth level</a:t>
+            </a:r>
+          </a:p>
+          <a:p>
+            <a:pPr lvl="4"/>
+            <a:r>
+              <a:rPr lang="en-US" smtClean="0"/>
+              <a:t>Fifth level</a:t>
+            </a:r>
+            <a:endParaRPr lang="en-US" dirty="0"/>
+          </a:p>
+        </p:txBody>
+      </p:sp>
+      <p:sp>
+        <p:nvSpPr>
+          <p:cNvPr id="4" name="Text Placeholder 3"/>
+          <p:cNvSpPr>
+            <a:spLocks noGrp="1"/>
+          </p:cNvSpPr>
+          <p:nvPr>
+            <p:ph type="body" sz="half" idx="2"/>
+          </p:nvPr>
+        </p:nvSpPr>
+        <p:spPr>
+          <a:xfrm>
+            <a:off x="1075765" y="3497802"/>
+            <a:ext cx="3388660" cy="2139518"/>
+          </a:xfrm>
+        </p:spPr>
+        <p:txBody>
+          <a:bodyPr/>
+          <a:lstStyle>
+            <a:lvl1pPr marL="0" indent="0">
+              <a:buNone/>
+              <a:defRPr sz="1400"/>
+            </a:lvl1pPr>
+            <a:lvl2pPr marL="457200" indent="0">
+              <a:buNone/>
+              <a:defRPr sz="1200"/>
+            </a:lvl2pPr>
+            <a:lvl3pPr marL="914400" indent="0">
+              <a:buNone/>
+              <a:defRPr sz="1000"/>
+            </a:lvl3pPr>
+            <a:lvl4pPr marL="1371600" indent="0">
+              <a:buNone/>
+              <a:defRPr sz="900"/>
+            </a:lvl4pPr>
+            <a:lvl5pPr marL="1828800" indent="0">
+              <a:buNone/>
+              <a:defRPr sz="900"/>
+            </a:lvl5pPr>
+            <a:lvl6pPr marL="2286000" indent="0">
+              <a:buNone/>
+              <a:defRPr sz="900"/>
+            </a:lvl6pPr>
+            <a:lvl7pPr marL="2743200" indent="0">
+              <a:buNone/>
+              <a:defRPr sz="900"/>
+            </a:lvl7pPr>
+            <a:lvl8pPr marL="3200400" indent="0">
+              <a:buNone/>
+              <a:defRPr sz="900"/>
+            </a:lvl8pPr>
+            <a:lvl9pPr marL="3657600" indent="0">
+              <a:buNone/>
+              <a:defRPr sz="900"/>
+            </a:lvl9pPr>
+          </a:lstStyle>
+          <a:p>
+            <a:pPr lvl="0"/>
+            <a:r>
+              <a:rPr lang="en-US" smtClean="0"/>
+              <a:t>Click to edit Master text styles</a:t>
+            </a:r>
+          </a:p>
+        </p:txBody>
+      </p:sp>
+      <p:sp>
+        <p:nvSpPr>
+          <p:cNvPr id="5" name="Date Placeholder 4"/>
+          <p:cNvSpPr>
+            <a:spLocks noGrp="1"/>
+          </p:cNvSpPr>
+          <p:nvPr>
+            <p:ph type="dt" sz="half" idx="10"/>
+          </p:nvPr>
+        </p:nvSpPr>
+        <p:spPr/>
+        <p:txBody>
+          <a:bodyPr/>
+          <a:lstStyle/>
+          <a:p>
+            <a:fld id="{D88684BC-97E8-4EB7-B548-A80FF2565271}" type="datetimeFigureOut">
+              <a:rPr lang="en-IN" smtClean="0"/>
+              <a:t>03-07-2019</a:t>
+            </a:fld>
+            <a:endParaRPr lang="en-IN"/>
+          </a:p>
+        </p:txBody>
+      </p:sp>
+      <p:sp>
+        <p:nvSpPr>
+          <p:cNvPr id="6" name="Footer Placeholder 5"/>
+          <p:cNvSpPr>
+            <a:spLocks noGrp="1"/>
+          </p:cNvSpPr>
+          <p:nvPr>
+            <p:ph type="ftr" sz="quarter" idx="11"/>
+          </p:nvPr>
+        </p:nvSpPr>
+        <p:spPr/>
+        <p:txBody>
+          <a:bodyPr/>
+          <a:lstStyle/>
+          <a:p>
+            <a:endParaRPr lang="en-IN"/>
+          </a:p>
+        </p:txBody>
+      </p:sp>
+      <p:sp>
+        <p:nvSpPr>
+          <p:cNvPr id="7" name="Slide Number Placeholder 6"/>
+          <p:cNvSpPr>
+            <a:spLocks noGrp="1"/>
+          </p:cNvSpPr>
+          <p:nvPr>
+            <p:ph type="sldNum" sz="quarter" idx="12"/>
+          </p:nvPr>
+        </p:nvSpPr>
+        <p:spPr/>
+        <p:txBody>
+          <a:bodyPr/>
+          <a:lstStyle/>
+          <a:p>
+            <a:fld id="{5E951FD3-E453-4406-B631-82DE21B6D85D}" type="slidenum">
+              <a:rPr lang="en-IN" smtClean="0"/>
+              <a:t>‹#›</a:t>
+            </a:fld>
+            <a:endParaRPr lang="en-IN"/>
+          </a:p>
+        </p:txBody>
+      </p:sp>
+    </p:spTree>
+  </p:cSld>
+  <p:clrMapOvr>
+    <a:masterClrMapping/>
+  </p:clrMapOvr>
+  <p:timing>
+    <p:tnLst>
+      <p:par>
+        <p:cTn id="1" dur="indefinite" restart="never" nodeType="tmRoot"/>
+      </p:par>
+    </p:tnLst>
+  </p:timing>
 </p:sldLayout>
 </file>
 
@@ -2405,7 +4845,7 @@
           <a:p>
             <a:fld id="{D88684BC-97E8-4EB7-B548-A80FF2565271}" type="datetimeFigureOut">
               <a:rPr lang="en-IN" smtClean="0"/>
-              <a:t>02-07-2019</a:t>
+              <a:t>03-07-2019</a:t>
             </a:fld>
             <a:endParaRPr lang="en-IN"/>
           </a:p>
@@ -2463,6 +4903,926 @@
   <p:clrMapOvr>
     <a:masterClrMapping/>
   </p:clrMapOvr>
+</p:sldLayout>
+</file>
+
+<file path=ppt/slideLayouts/slideLayout20.xml><?xml version="1.0" encoding="utf-8"?>
+<p:sldLayout xmlns:a="http://schemas.openxmlformats.org/drawingml/2006/main" xmlns:r="http://schemas.openxmlformats.org/officeDocument/2006/relationships" xmlns:p="http://schemas.openxmlformats.org/presentationml/2006/main" showMasterSp="0" type="picTx" preserve="1">
+  <p:cSld name="Picture with Caption">
+    <p:spTree>
+      <p:nvGrpSpPr>
+        <p:cNvPr id="1" name=""/>
+        <p:cNvGrpSpPr/>
+        <p:nvPr/>
+      </p:nvGrpSpPr>
+      <p:grpSpPr>
+        <a:xfrm>
+          <a:off x="0" y="0"/>
+          <a:ext cx="0" cy="0"/>
+          <a:chOff x="0" y="0"/>
+          <a:chExt cx="0" cy="0"/>
+        </a:xfrm>
+      </p:grpSpPr>
+      <p:sp>
+        <p:nvSpPr>
+          <p:cNvPr id="8" name="Rectangle 7"/>
+          <p:cNvSpPr/>
+          <p:nvPr/>
+        </p:nvSpPr>
+        <p:spPr>
+          <a:xfrm>
+            <a:off x="0" y="3866920"/>
+            <a:ext cx="9144000" cy="2991080"/>
+          </a:xfrm>
+          <a:prstGeom prst="rect">
+            <a:avLst/>
+          </a:prstGeom>
+          <a:gradFill>
+            <a:gsLst>
+              <a:gs pos="0">
+                <a:schemeClr val="bg1">
+                  <a:alpha val="92000"/>
+                </a:schemeClr>
+              </a:gs>
+              <a:gs pos="37000">
+                <a:schemeClr val="bg1">
+                  <a:alpha val="77000"/>
+                </a:schemeClr>
+              </a:gs>
+              <a:gs pos="100000">
+                <a:schemeClr val="bg2">
+                  <a:alpha val="80000"/>
+                </a:schemeClr>
+              </a:gs>
+            </a:gsLst>
+            <a:path path="circle">
+              <a:fillToRect l="50000" t="50000" r="50000" b="50000"/>
+            </a:path>
+          </a:gradFill>
+          <a:ln>
+            <a:noFill/>
+          </a:ln>
+        </p:spPr>
+        <p:style>
+          <a:lnRef idx="2">
+            <a:schemeClr val="accent1">
+              <a:shade val="50000"/>
+            </a:schemeClr>
+          </a:lnRef>
+          <a:fillRef idx="1">
+            <a:schemeClr val="accent1"/>
+          </a:fillRef>
+          <a:effectRef idx="0">
+            <a:schemeClr val="accent1"/>
+          </a:effectRef>
+          <a:fontRef idx="minor">
+            <a:schemeClr val="lt1"/>
+          </a:fontRef>
+        </p:style>
+        <p:txBody>
+          <a:bodyPr rtlCol="0" anchor="ctr"/>
+          <a:lstStyle/>
+          <a:p>
+            <a:pPr algn="ctr"/>
+            <a:endParaRPr lang="en-US"/>
+          </a:p>
+        </p:txBody>
+      </p:sp>
+      <p:sp>
+        <p:nvSpPr>
+          <p:cNvPr id="9" name="Rectangle 8"/>
+          <p:cNvSpPr/>
+          <p:nvPr/>
+        </p:nvSpPr>
+        <p:spPr>
+          <a:xfrm>
+            <a:off x="0" y="0"/>
+            <a:ext cx="9144000" cy="3866920"/>
+          </a:xfrm>
+          <a:prstGeom prst="rect">
+            <a:avLst/>
+          </a:prstGeom>
+          <a:gradFill flip="none" rotWithShape="1">
+            <a:gsLst>
+              <a:gs pos="0">
+                <a:schemeClr val="bg1">
+                  <a:alpha val="90000"/>
+                </a:schemeClr>
+              </a:gs>
+              <a:gs pos="48000">
+                <a:schemeClr val="bg1">
+                  <a:alpha val="63000"/>
+                </a:schemeClr>
+              </a:gs>
+              <a:gs pos="100000">
+                <a:schemeClr val="bg2">
+                  <a:alpha val="80000"/>
+                </a:schemeClr>
+              </a:gs>
+            </a:gsLst>
+            <a:path path="circle">
+              <a:fillToRect l="50000" t="50000" r="50000" b="50000"/>
+            </a:path>
+            <a:tileRect/>
+          </a:gradFill>
+          <a:ln>
+            <a:noFill/>
+          </a:ln>
+        </p:spPr>
+        <p:style>
+          <a:lnRef idx="2">
+            <a:schemeClr val="accent1">
+              <a:shade val="50000"/>
+            </a:schemeClr>
+          </a:lnRef>
+          <a:fillRef idx="1">
+            <a:schemeClr val="accent1"/>
+          </a:fillRef>
+          <a:effectRef idx="0">
+            <a:schemeClr val="accent1"/>
+          </a:effectRef>
+          <a:fontRef idx="minor">
+            <a:schemeClr val="lt1"/>
+          </a:fontRef>
+        </p:style>
+        <p:txBody>
+          <a:bodyPr rtlCol="0" anchor="ctr"/>
+          <a:lstStyle/>
+          <a:p>
+            <a:pPr algn="ctr"/>
+            <a:endParaRPr lang="en-US" dirty="0"/>
+          </a:p>
+        </p:txBody>
+      </p:sp>
+      <p:sp>
+        <p:nvSpPr>
+          <p:cNvPr id="10" name="Rectangle 9"/>
+          <p:cNvSpPr/>
+          <p:nvPr/>
+        </p:nvSpPr>
+        <p:spPr>
+          <a:xfrm>
+            <a:off x="0" y="2652311"/>
+            <a:ext cx="9144000" cy="2286000"/>
+          </a:xfrm>
+          <a:prstGeom prst="rect">
+            <a:avLst/>
+          </a:prstGeom>
+          <a:gradFill flip="none" rotWithShape="1">
+            <a:gsLst>
+              <a:gs pos="0">
+                <a:schemeClr val="bg1">
+                  <a:alpha val="0"/>
+                </a:schemeClr>
+              </a:gs>
+              <a:gs pos="29000">
+                <a:schemeClr val="bg1">
+                  <a:alpha val="30000"/>
+                </a:schemeClr>
+              </a:gs>
+              <a:gs pos="45000">
+                <a:schemeClr val="bg2">
+                  <a:alpha val="40000"/>
+                </a:schemeClr>
+              </a:gs>
+              <a:gs pos="55000">
+                <a:schemeClr val="bg1">
+                  <a:alpha val="26000"/>
+                </a:schemeClr>
+              </a:gs>
+              <a:gs pos="65000">
+                <a:schemeClr val="bg2">
+                  <a:alpha val="60000"/>
+                </a:schemeClr>
+              </a:gs>
+              <a:gs pos="100000">
+                <a:schemeClr val="bg1">
+                  <a:alpha val="0"/>
+                </a:schemeClr>
+              </a:gs>
+            </a:gsLst>
+            <a:lin ang="5400000" scaled="0"/>
+            <a:tileRect/>
+          </a:gradFill>
+          <a:ln>
+            <a:noFill/>
+          </a:ln>
+        </p:spPr>
+        <p:style>
+          <a:lnRef idx="2">
+            <a:schemeClr val="accent1">
+              <a:shade val="50000"/>
+            </a:schemeClr>
+          </a:lnRef>
+          <a:fillRef idx="1">
+            <a:schemeClr val="accent1"/>
+          </a:fillRef>
+          <a:effectRef idx="0">
+            <a:schemeClr val="accent1"/>
+          </a:effectRef>
+          <a:fontRef idx="minor">
+            <a:schemeClr val="lt1"/>
+          </a:fontRef>
+        </p:style>
+        <p:txBody>
+          <a:bodyPr rtlCol="0" anchor="ctr"/>
+          <a:lstStyle/>
+          <a:p>
+            <a:pPr algn="ctr"/>
+            <a:endParaRPr lang="en-US"/>
+          </a:p>
+        </p:txBody>
+      </p:sp>
+      <p:sp>
+        <p:nvSpPr>
+          <p:cNvPr id="11" name="Oval 10"/>
+          <p:cNvSpPr/>
+          <p:nvPr/>
+        </p:nvSpPr>
+        <p:spPr>
+          <a:xfrm>
+            <a:off x="0" y="1600200"/>
+            <a:ext cx="9144000" cy="5105400"/>
+          </a:xfrm>
+          <a:prstGeom prst="ellipse">
+            <a:avLst/>
+          </a:prstGeom>
+          <a:gradFill flip="none" rotWithShape="1">
+            <a:gsLst>
+              <a:gs pos="0">
+                <a:schemeClr val="bg1"/>
+              </a:gs>
+              <a:gs pos="54000">
+                <a:schemeClr val="bg1">
+                  <a:alpha val="0"/>
+                </a:schemeClr>
+              </a:gs>
+            </a:gsLst>
+            <a:path path="circle">
+              <a:fillToRect l="50000" t="50000" r="50000" b="50000"/>
+            </a:path>
+            <a:tileRect/>
+          </a:gradFill>
+          <a:ln>
+            <a:noFill/>
+          </a:ln>
+        </p:spPr>
+        <p:style>
+          <a:lnRef idx="2">
+            <a:schemeClr val="accent1">
+              <a:shade val="50000"/>
+            </a:schemeClr>
+          </a:lnRef>
+          <a:fillRef idx="1">
+            <a:schemeClr val="accent1"/>
+          </a:fillRef>
+          <a:effectRef idx="0">
+            <a:schemeClr val="accent1"/>
+          </a:effectRef>
+          <a:fontRef idx="minor">
+            <a:schemeClr val="lt1"/>
+          </a:fontRef>
+        </p:style>
+        <p:txBody>
+          <a:bodyPr rtlCol="0" anchor="ctr"/>
+          <a:lstStyle/>
+          <a:p>
+            <a:pPr algn="ctr"/>
+            <a:endParaRPr lang="en-US"/>
+          </a:p>
+        </p:txBody>
+      </p:sp>
+      <p:sp>
+        <p:nvSpPr>
+          <p:cNvPr id="3" name="Picture Placeholder 2"/>
+          <p:cNvSpPr>
+            <a:spLocks noGrp="1"/>
+          </p:cNvSpPr>
+          <p:nvPr>
+            <p:ph type="pic" idx="1"/>
+          </p:nvPr>
+        </p:nvSpPr>
+        <p:spPr>
+          <a:xfrm>
+            <a:off x="4475175" y="1143000"/>
+            <a:ext cx="4114800" cy="3127806"/>
+          </a:xfrm>
+          <a:prstGeom prst="roundRect">
+            <a:avLst>
+              <a:gd name="adj" fmla="val 4230"/>
+            </a:avLst>
+          </a:prstGeom>
+          <a:solidFill>
+            <a:schemeClr val="bg2">
+              <a:lumMod val="90000"/>
+            </a:schemeClr>
+          </a:solidFill>
+          <a:effectLst>
+            <a:reflection blurRad="4350" stA="23000" endA="300" endPos="28000" dir="5400000" sy="-100000" algn="bl" rotWithShape="0"/>
+          </a:effectLst>
+          <a:scene3d>
+            <a:camera prst="perspectiveContrastingLeftFacing" fov="1800000">
+              <a:rot lat="300000" lon="2100000" rev="0"/>
+            </a:camera>
+            <a:lightRig rig="balanced" dir="t"/>
+          </a:scene3d>
+          <a:sp3d>
+            <a:bevelT w="50800" h="50800"/>
+          </a:sp3d>
+        </p:spPr>
+        <p:txBody>
+          <a:bodyPr>
+            <a:normAutofit/>
+            <a:flatTx/>
+          </a:bodyPr>
+          <a:lstStyle>
+            <a:lvl1pPr marL="0" indent="0" algn="ctr">
+              <a:buNone/>
+              <a:defRPr sz="2000"/>
+            </a:lvl1pPr>
+            <a:lvl2pPr marL="457200" indent="0">
+              <a:buNone/>
+              <a:defRPr sz="2800"/>
+            </a:lvl2pPr>
+            <a:lvl3pPr marL="914400" indent="0">
+              <a:buNone/>
+              <a:defRPr sz="2400"/>
+            </a:lvl3pPr>
+            <a:lvl4pPr marL="1371600" indent="0">
+              <a:buNone/>
+              <a:defRPr sz="2000"/>
+            </a:lvl4pPr>
+            <a:lvl5pPr marL="1828800" indent="0">
+              <a:buNone/>
+              <a:defRPr sz="2000"/>
+            </a:lvl5pPr>
+            <a:lvl6pPr marL="2286000" indent="0">
+              <a:buNone/>
+              <a:defRPr sz="2000"/>
+            </a:lvl6pPr>
+            <a:lvl7pPr marL="2743200" indent="0">
+              <a:buNone/>
+              <a:defRPr sz="2000"/>
+            </a:lvl7pPr>
+            <a:lvl8pPr marL="3200400" indent="0">
+              <a:buNone/>
+              <a:defRPr sz="2000"/>
+            </a:lvl8pPr>
+            <a:lvl9pPr marL="3657600" indent="0">
+              <a:buNone/>
+              <a:defRPr sz="2000"/>
+            </a:lvl9pPr>
+          </a:lstStyle>
+          <a:p>
+            <a:r>
+              <a:rPr lang="en-US" smtClean="0"/>
+              <a:t>Click icon to add picture</a:t>
+            </a:r>
+            <a:endParaRPr lang="en-US" dirty="0"/>
+          </a:p>
+        </p:txBody>
+      </p:sp>
+      <p:sp>
+        <p:nvSpPr>
+          <p:cNvPr id="4" name="Text Placeholder 3"/>
+          <p:cNvSpPr>
+            <a:spLocks noGrp="1"/>
+          </p:cNvSpPr>
+          <p:nvPr>
+            <p:ph type="body" sz="half" idx="2"/>
+          </p:nvPr>
+        </p:nvSpPr>
+        <p:spPr>
+          <a:xfrm>
+            <a:off x="877887" y="1010486"/>
+            <a:ext cx="3694114" cy="2163020"/>
+          </a:xfrm>
+        </p:spPr>
+        <p:txBody>
+          <a:bodyPr anchor="b"/>
+          <a:lstStyle>
+            <a:lvl1pPr marL="182880" indent="-182880">
+              <a:buFont typeface="Georgia" pitchFamily="18" charset="0"/>
+              <a:buChar char="*"/>
+              <a:defRPr sz="1600"/>
+            </a:lvl1pPr>
+            <a:lvl2pPr marL="457200" indent="0">
+              <a:buNone/>
+              <a:defRPr sz="1200"/>
+            </a:lvl2pPr>
+            <a:lvl3pPr marL="914400" indent="0">
+              <a:buNone/>
+              <a:defRPr sz="1000"/>
+            </a:lvl3pPr>
+            <a:lvl4pPr marL="1371600" indent="0">
+              <a:buNone/>
+              <a:defRPr sz="900"/>
+            </a:lvl4pPr>
+            <a:lvl5pPr marL="1828800" indent="0">
+              <a:buNone/>
+              <a:defRPr sz="900"/>
+            </a:lvl5pPr>
+            <a:lvl6pPr marL="2286000" indent="0">
+              <a:buNone/>
+              <a:defRPr sz="900"/>
+            </a:lvl6pPr>
+            <a:lvl7pPr marL="2743200" indent="0">
+              <a:buNone/>
+              <a:defRPr sz="900"/>
+            </a:lvl7pPr>
+            <a:lvl8pPr marL="3200400" indent="0">
+              <a:buNone/>
+              <a:defRPr sz="900"/>
+            </a:lvl8pPr>
+            <a:lvl9pPr marL="3657600" indent="0">
+              <a:buNone/>
+              <a:defRPr sz="900"/>
+            </a:lvl9pPr>
+          </a:lstStyle>
+          <a:p>
+            <a:pPr lvl="0"/>
+            <a:r>
+              <a:rPr lang="en-US" smtClean="0"/>
+              <a:t>Click to edit Master text styles</a:t>
+            </a:r>
+          </a:p>
+        </p:txBody>
+      </p:sp>
+      <p:sp>
+        <p:nvSpPr>
+          <p:cNvPr id="5" name="Date Placeholder 4"/>
+          <p:cNvSpPr>
+            <a:spLocks noGrp="1"/>
+          </p:cNvSpPr>
+          <p:nvPr>
+            <p:ph type="dt" sz="half" idx="10"/>
+          </p:nvPr>
+        </p:nvSpPr>
+        <p:spPr/>
+        <p:txBody>
+          <a:bodyPr/>
+          <a:lstStyle/>
+          <a:p>
+            <a:fld id="{D88684BC-97E8-4EB7-B548-A80FF2565271}" type="datetimeFigureOut">
+              <a:rPr lang="en-IN" smtClean="0"/>
+              <a:t>03-07-2019</a:t>
+            </a:fld>
+            <a:endParaRPr lang="en-IN"/>
+          </a:p>
+        </p:txBody>
+      </p:sp>
+      <p:sp>
+        <p:nvSpPr>
+          <p:cNvPr id="6" name="Footer Placeholder 5"/>
+          <p:cNvSpPr>
+            <a:spLocks noGrp="1"/>
+          </p:cNvSpPr>
+          <p:nvPr>
+            <p:ph type="ftr" sz="quarter" idx="11"/>
+          </p:nvPr>
+        </p:nvSpPr>
+        <p:spPr/>
+        <p:txBody>
+          <a:bodyPr/>
+          <a:lstStyle/>
+          <a:p>
+            <a:endParaRPr lang="en-IN"/>
+          </a:p>
+        </p:txBody>
+      </p:sp>
+      <p:sp>
+        <p:nvSpPr>
+          <p:cNvPr id="7" name="Slide Number Placeholder 6"/>
+          <p:cNvSpPr>
+            <a:spLocks noGrp="1"/>
+          </p:cNvSpPr>
+          <p:nvPr>
+            <p:ph type="sldNum" sz="quarter" idx="12"/>
+          </p:nvPr>
+        </p:nvSpPr>
+        <p:spPr/>
+        <p:txBody>
+          <a:bodyPr/>
+          <a:lstStyle/>
+          <a:p>
+            <a:fld id="{5E951FD3-E453-4406-B631-82DE21B6D85D}" type="slidenum">
+              <a:rPr lang="en-IN" smtClean="0"/>
+              <a:t>‹#›</a:t>
+            </a:fld>
+            <a:endParaRPr lang="en-IN"/>
+          </a:p>
+        </p:txBody>
+      </p:sp>
+      <p:sp>
+        <p:nvSpPr>
+          <p:cNvPr id="2" name="Title 1"/>
+          <p:cNvSpPr>
+            <a:spLocks noGrp="1"/>
+          </p:cNvSpPr>
+          <p:nvPr>
+            <p:ph type="title"/>
+          </p:nvPr>
+        </p:nvSpPr>
+        <p:spPr>
+          <a:xfrm>
+            <a:off x="727268" y="4464421"/>
+            <a:ext cx="6383538" cy="1143000"/>
+          </a:xfrm>
+        </p:spPr>
+        <p:txBody>
+          <a:bodyPr anchor="b">
+            <a:noAutofit/>
+          </a:bodyPr>
+          <a:lstStyle>
+            <a:lvl1pPr algn="l">
+              <a:defRPr sz="4600" b="1"/>
+            </a:lvl1pPr>
+          </a:lstStyle>
+          <a:p>
+            <a:r>
+              <a:rPr lang="en-US" smtClean="0"/>
+              <a:t>Click to edit Master title style</a:t>
+            </a:r>
+            <a:endParaRPr lang="en-US" dirty="0"/>
+          </a:p>
+        </p:txBody>
+      </p:sp>
+    </p:spTree>
+  </p:cSld>
+  <p:clrMapOvr>
+    <a:masterClrMapping/>
+  </p:clrMapOvr>
+  <p:timing>
+    <p:tnLst>
+      <p:par>
+        <p:cTn id="1" dur="indefinite" restart="never" nodeType="tmRoot"/>
+      </p:par>
+    </p:tnLst>
+  </p:timing>
+</p:sldLayout>
+</file>
+
+<file path=ppt/slideLayouts/slideLayout21.xml><?xml version="1.0" encoding="utf-8"?>
+<p:sldLayout xmlns:a="http://schemas.openxmlformats.org/drawingml/2006/main" xmlns:r="http://schemas.openxmlformats.org/officeDocument/2006/relationships" xmlns:p="http://schemas.openxmlformats.org/presentationml/2006/main" type="vertTx" preserve="1">
+  <p:cSld name="Title and Vertical Text">
+    <p:spTree>
+      <p:nvGrpSpPr>
+        <p:cNvPr id="1" name=""/>
+        <p:cNvGrpSpPr/>
+        <p:nvPr/>
+      </p:nvGrpSpPr>
+      <p:grpSpPr>
+        <a:xfrm>
+          <a:off x="0" y="0"/>
+          <a:ext cx="0" cy="0"/>
+          <a:chOff x="0" y="0"/>
+          <a:chExt cx="0" cy="0"/>
+        </a:xfrm>
+      </p:grpSpPr>
+      <p:sp>
+        <p:nvSpPr>
+          <p:cNvPr id="2" name="Title 1"/>
+          <p:cNvSpPr>
+            <a:spLocks noGrp="1"/>
+          </p:cNvSpPr>
+          <p:nvPr>
+            <p:ph type="title"/>
+          </p:nvPr>
+        </p:nvSpPr>
+        <p:spPr/>
+        <p:txBody>
+          <a:bodyPr/>
+          <a:lstStyle/>
+          <a:p>
+            <a:r>
+              <a:rPr lang="en-US" smtClean="0"/>
+              <a:t>Click to edit Master title style</a:t>
+            </a:r>
+            <a:endParaRPr lang="en-US"/>
+          </a:p>
+        </p:txBody>
+      </p:sp>
+      <p:sp>
+        <p:nvSpPr>
+          <p:cNvPr id="3" name="Vertical Text Placeholder 2"/>
+          <p:cNvSpPr>
+            <a:spLocks noGrp="1"/>
+          </p:cNvSpPr>
+          <p:nvPr>
+            <p:ph type="body" orient="vert" idx="1"/>
+          </p:nvPr>
+        </p:nvSpPr>
+        <p:spPr>
+          <a:xfrm>
+            <a:off x="1905000" y="731519"/>
+            <a:ext cx="6400800" cy="3474720"/>
+          </a:xfrm>
+        </p:spPr>
+        <p:txBody>
+          <a:bodyPr vert="eaVert"/>
+          <a:lstStyle/>
+          <a:p>
+            <a:pPr lvl="0"/>
+            <a:r>
+              <a:rPr lang="en-US" smtClean="0"/>
+              <a:t>Click to edit Master text styles</a:t>
+            </a:r>
+          </a:p>
+          <a:p>
+            <a:pPr lvl="1"/>
+            <a:r>
+              <a:rPr lang="en-US" smtClean="0"/>
+              <a:t>Second level</a:t>
+            </a:r>
+          </a:p>
+          <a:p>
+            <a:pPr lvl="2"/>
+            <a:r>
+              <a:rPr lang="en-US" smtClean="0"/>
+              <a:t>Third level</a:t>
+            </a:r>
+          </a:p>
+          <a:p>
+            <a:pPr lvl="3"/>
+            <a:r>
+              <a:rPr lang="en-US" smtClean="0"/>
+              <a:t>Fourth level</a:t>
+            </a:r>
+          </a:p>
+          <a:p>
+            <a:pPr lvl="4"/>
+            <a:r>
+              <a:rPr lang="en-US" smtClean="0"/>
+              <a:t>Fifth level</a:t>
+            </a:r>
+            <a:endParaRPr lang="en-US"/>
+          </a:p>
+        </p:txBody>
+      </p:sp>
+      <p:sp>
+        <p:nvSpPr>
+          <p:cNvPr id="4" name="Date Placeholder 3"/>
+          <p:cNvSpPr>
+            <a:spLocks noGrp="1"/>
+          </p:cNvSpPr>
+          <p:nvPr>
+            <p:ph type="dt" sz="half" idx="10"/>
+          </p:nvPr>
+        </p:nvSpPr>
+        <p:spPr/>
+        <p:txBody>
+          <a:bodyPr/>
+          <a:lstStyle/>
+          <a:p>
+            <a:fld id="{D88684BC-97E8-4EB7-B548-A80FF2565271}" type="datetimeFigureOut">
+              <a:rPr lang="en-IN" smtClean="0"/>
+              <a:t>03-07-2019</a:t>
+            </a:fld>
+            <a:endParaRPr lang="en-IN"/>
+          </a:p>
+        </p:txBody>
+      </p:sp>
+      <p:sp>
+        <p:nvSpPr>
+          <p:cNvPr id="5" name="Footer Placeholder 4"/>
+          <p:cNvSpPr>
+            <a:spLocks noGrp="1"/>
+          </p:cNvSpPr>
+          <p:nvPr>
+            <p:ph type="ftr" sz="quarter" idx="11"/>
+          </p:nvPr>
+        </p:nvSpPr>
+        <p:spPr/>
+        <p:txBody>
+          <a:bodyPr/>
+          <a:lstStyle/>
+          <a:p>
+            <a:endParaRPr lang="en-IN"/>
+          </a:p>
+        </p:txBody>
+      </p:sp>
+      <p:sp>
+        <p:nvSpPr>
+          <p:cNvPr id="6" name="Slide Number Placeholder 5"/>
+          <p:cNvSpPr>
+            <a:spLocks noGrp="1"/>
+          </p:cNvSpPr>
+          <p:nvPr>
+            <p:ph type="sldNum" sz="quarter" idx="12"/>
+          </p:nvPr>
+        </p:nvSpPr>
+        <p:spPr/>
+        <p:txBody>
+          <a:bodyPr/>
+          <a:lstStyle/>
+          <a:p>
+            <a:fld id="{5E951FD3-E453-4406-B631-82DE21B6D85D}" type="slidenum">
+              <a:rPr lang="en-IN" smtClean="0"/>
+              <a:t>‹#›</a:t>
+            </a:fld>
+            <a:endParaRPr lang="en-IN"/>
+          </a:p>
+        </p:txBody>
+      </p:sp>
+    </p:spTree>
+  </p:cSld>
+  <p:clrMapOvr>
+    <a:masterClrMapping/>
+  </p:clrMapOvr>
+  <p:timing>
+    <p:tnLst>
+      <p:par>
+        <p:cTn id="1" dur="indefinite" restart="never" nodeType="tmRoot"/>
+      </p:par>
+    </p:tnLst>
+  </p:timing>
+</p:sldLayout>
+</file>
+
+<file path=ppt/slideLayouts/slideLayout22.xml><?xml version="1.0" encoding="utf-8"?>
+<p:sldLayout xmlns:a="http://schemas.openxmlformats.org/drawingml/2006/main" xmlns:r="http://schemas.openxmlformats.org/officeDocument/2006/relationships" xmlns:p="http://schemas.openxmlformats.org/presentationml/2006/main" type="vertTitleAndTx" preserve="1">
+  <p:cSld name="Vertical Title and Text">
+    <p:spTree>
+      <p:nvGrpSpPr>
+        <p:cNvPr id="1" name=""/>
+        <p:cNvGrpSpPr/>
+        <p:nvPr/>
+      </p:nvGrpSpPr>
+      <p:grpSpPr>
+        <a:xfrm>
+          <a:off x="0" y="0"/>
+          <a:ext cx="0" cy="0"/>
+          <a:chOff x="0" y="0"/>
+          <a:chExt cx="0" cy="0"/>
+        </a:xfrm>
+      </p:grpSpPr>
+      <p:sp>
+        <p:nvSpPr>
+          <p:cNvPr id="2" name="Vertical Title 1"/>
+          <p:cNvSpPr>
+            <a:spLocks noGrp="1"/>
+          </p:cNvSpPr>
+          <p:nvPr>
+            <p:ph type="title" orient="vert"/>
+          </p:nvPr>
+        </p:nvSpPr>
+        <p:spPr>
+          <a:xfrm>
+            <a:off x="1153758" y="376517"/>
+            <a:ext cx="2057400" cy="5238339"/>
+          </a:xfrm>
+          <a:effectLst/>
+        </p:spPr>
+        <p:txBody>
+          <a:bodyPr vert="eaVert"/>
+          <a:lstStyle>
+            <a:lvl1pPr algn="l">
+              <a:defRPr/>
+            </a:lvl1pPr>
+          </a:lstStyle>
+          <a:p>
+            <a:r>
+              <a:rPr lang="en-US" smtClean="0"/>
+              <a:t>Click to edit Master title style</a:t>
+            </a:r>
+            <a:endParaRPr lang="en-US"/>
+          </a:p>
+        </p:txBody>
+      </p:sp>
+      <p:sp>
+        <p:nvSpPr>
+          <p:cNvPr id="3" name="Vertical Text Placeholder 2"/>
+          <p:cNvSpPr>
+            <a:spLocks noGrp="1"/>
+          </p:cNvSpPr>
+          <p:nvPr>
+            <p:ph type="body" orient="vert" idx="1"/>
+          </p:nvPr>
+        </p:nvSpPr>
+        <p:spPr>
+          <a:xfrm>
+            <a:off x="3324113" y="731519"/>
+            <a:ext cx="4829287" cy="4894729"/>
+          </a:xfrm>
+        </p:spPr>
+        <p:txBody>
+          <a:bodyPr vert="eaVert"/>
+          <a:lstStyle/>
+          <a:p>
+            <a:pPr lvl="0"/>
+            <a:r>
+              <a:rPr lang="en-US" smtClean="0"/>
+              <a:t>Click to edit Master text styles</a:t>
+            </a:r>
+          </a:p>
+          <a:p>
+            <a:pPr lvl="1"/>
+            <a:r>
+              <a:rPr lang="en-US" smtClean="0"/>
+              <a:t>Second level</a:t>
+            </a:r>
+          </a:p>
+          <a:p>
+            <a:pPr lvl="2"/>
+            <a:r>
+              <a:rPr lang="en-US" smtClean="0"/>
+              <a:t>Third level</a:t>
+            </a:r>
+          </a:p>
+          <a:p>
+            <a:pPr lvl="3"/>
+            <a:r>
+              <a:rPr lang="en-US" smtClean="0"/>
+              <a:t>Fourth level</a:t>
+            </a:r>
+          </a:p>
+          <a:p>
+            <a:pPr lvl="4"/>
+            <a:r>
+              <a:rPr lang="en-US" smtClean="0"/>
+              <a:t>Fifth level</a:t>
+            </a:r>
+            <a:endParaRPr lang="en-US" dirty="0"/>
+          </a:p>
+        </p:txBody>
+      </p:sp>
+      <p:sp>
+        <p:nvSpPr>
+          <p:cNvPr id="4" name="Date Placeholder 3"/>
+          <p:cNvSpPr>
+            <a:spLocks noGrp="1"/>
+          </p:cNvSpPr>
+          <p:nvPr>
+            <p:ph type="dt" sz="half" idx="10"/>
+          </p:nvPr>
+        </p:nvSpPr>
+        <p:spPr/>
+        <p:txBody>
+          <a:bodyPr/>
+          <a:lstStyle/>
+          <a:p>
+            <a:fld id="{D88684BC-97E8-4EB7-B548-A80FF2565271}" type="datetimeFigureOut">
+              <a:rPr lang="en-IN" smtClean="0"/>
+              <a:t>03-07-2019</a:t>
+            </a:fld>
+            <a:endParaRPr lang="en-IN"/>
+          </a:p>
+        </p:txBody>
+      </p:sp>
+      <p:sp>
+        <p:nvSpPr>
+          <p:cNvPr id="5" name="Footer Placeholder 4"/>
+          <p:cNvSpPr>
+            <a:spLocks noGrp="1"/>
+          </p:cNvSpPr>
+          <p:nvPr>
+            <p:ph type="ftr" sz="quarter" idx="11"/>
+          </p:nvPr>
+        </p:nvSpPr>
+        <p:spPr/>
+        <p:txBody>
+          <a:bodyPr/>
+          <a:lstStyle/>
+          <a:p>
+            <a:endParaRPr lang="en-IN"/>
+          </a:p>
+        </p:txBody>
+      </p:sp>
+      <p:sp>
+        <p:nvSpPr>
+          <p:cNvPr id="6" name="Slide Number Placeholder 5"/>
+          <p:cNvSpPr>
+            <a:spLocks noGrp="1"/>
+          </p:cNvSpPr>
+          <p:nvPr>
+            <p:ph type="sldNum" sz="quarter" idx="12"/>
+          </p:nvPr>
+        </p:nvSpPr>
+        <p:spPr/>
+        <p:txBody>
+          <a:bodyPr/>
+          <a:lstStyle/>
+          <a:p>
+            <a:fld id="{5E951FD3-E453-4406-B631-82DE21B6D85D}" type="slidenum">
+              <a:rPr lang="en-IN" smtClean="0"/>
+              <a:t>‹#›</a:t>
+            </a:fld>
+            <a:endParaRPr lang="en-IN"/>
+          </a:p>
+        </p:txBody>
+      </p:sp>
+    </p:spTree>
+  </p:cSld>
+  <p:clrMapOvr>
+    <a:masterClrMapping/>
+  </p:clrMapOvr>
+  <p:timing>
+    <p:tnLst>
+      <p:par>
+        <p:cTn id="1" dur="indefinite" restart="never" nodeType="tmRoot"/>
+      </p:par>
+    </p:tnLst>
+  </p:timing>
 </p:sldLayout>
 </file>
 
@@ -2651,7 +6011,7 @@
           <a:p>
             <a:fld id="{D88684BC-97E8-4EB7-B548-A80FF2565271}" type="datetimeFigureOut">
               <a:rPr lang="en-IN" smtClean="0"/>
-              <a:t>02-07-2019</a:t>
+              <a:t>03-07-2019</a:t>
             </a:fld>
             <a:endParaRPr lang="en-IN"/>
           </a:p>
@@ -2939,7 +6299,7 @@
           <a:p>
             <a:fld id="{D88684BC-97E8-4EB7-B548-A80FF2565271}" type="datetimeFigureOut">
               <a:rPr lang="en-IN" smtClean="0"/>
-              <a:t>02-07-2019</a:t>
+              <a:t>03-07-2019</a:t>
             </a:fld>
             <a:endParaRPr lang="en-IN"/>
           </a:p>
@@ -3361,7 +6721,7 @@
           <a:p>
             <a:fld id="{D88684BC-97E8-4EB7-B548-A80FF2565271}" type="datetimeFigureOut">
               <a:rPr lang="en-IN" smtClean="0"/>
-              <a:t>02-07-2019</a:t>
+              <a:t>03-07-2019</a:t>
             </a:fld>
             <a:endParaRPr lang="en-IN"/>
           </a:p>
@@ -3479,7 +6839,7 @@
           <a:p>
             <a:fld id="{D88684BC-97E8-4EB7-B548-A80FF2565271}" type="datetimeFigureOut">
               <a:rPr lang="en-IN" smtClean="0"/>
-              <a:t>02-07-2019</a:t>
+              <a:t>03-07-2019</a:t>
             </a:fld>
             <a:endParaRPr lang="en-IN"/>
           </a:p>
@@ -3574,7 +6934,7 @@
           <a:p>
             <a:fld id="{D88684BC-97E8-4EB7-B548-A80FF2565271}" type="datetimeFigureOut">
               <a:rPr lang="en-IN" smtClean="0"/>
-              <a:t>02-07-2019</a:t>
+              <a:t>03-07-2019</a:t>
             </a:fld>
             <a:endParaRPr lang="en-IN"/>
           </a:p>
@@ -3851,7 +7211,7 @@
           <a:p>
             <a:fld id="{D88684BC-97E8-4EB7-B548-A80FF2565271}" type="datetimeFigureOut">
               <a:rPr lang="en-IN" smtClean="0"/>
-              <a:t>02-07-2019</a:t>
+              <a:t>03-07-2019</a:t>
             </a:fld>
             <a:endParaRPr lang="en-IN"/>
           </a:p>
@@ -4104,7 +7464,7 @@
           <a:p>
             <a:fld id="{D88684BC-97E8-4EB7-B548-A80FF2565271}" type="datetimeFigureOut">
               <a:rPr lang="en-IN" smtClean="0"/>
-              <a:t>02-07-2019</a:t>
+              <a:t>03-07-2019</a:t>
             </a:fld>
             <a:endParaRPr lang="en-IN"/>
           </a:p>
@@ -4317,7 +7677,7 @@
           <a:p>
             <a:fld id="{D88684BC-97E8-4EB7-B548-A80FF2565271}" type="datetimeFigureOut">
               <a:rPr lang="en-IN" smtClean="0"/>
-              <a:t>02-07-2019</a:t>
+              <a:t>03-07-2019</a:t>
             </a:fld>
             <a:endParaRPr lang="en-IN"/>
           </a:p>
@@ -4569,6 +7929,981 @@
         <a:defRPr sz="2000" kern="1200">
           <a:solidFill>
             <a:schemeClr val="tx1"/>
+          </a:solidFill>
+          <a:latin typeface="+mn-lt"/>
+          <a:ea typeface="+mn-ea"/>
+          <a:cs typeface="+mn-cs"/>
+        </a:defRPr>
+      </a:lvl9pPr>
+    </p:bodyStyle>
+    <p:otherStyle>
+      <a:defPPr>
+        <a:defRPr lang="en-US"/>
+      </a:defPPr>
+      <a:lvl1pPr marL="0" algn="l" defTabSz="914400" rtl="0" eaLnBrk="1" latinLnBrk="0" hangingPunct="1">
+        <a:defRPr sz="1800" kern="1200">
+          <a:solidFill>
+            <a:schemeClr val="tx1"/>
+          </a:solidFill>
+          <a:latin typeface="+mn-lt"/>
+          <a:ea typeface="+mn-ea"/>
+          <a:cs typeface="+mn-cs"/>
+        </a:defRPr>
+      </a:lvl1pPr>
+      <a:lvl2pPr marL="457200" algn="l" defTabSz="914400" rtl="0" eaLnBrk="1" latinLnBrk="0" hangingPunct="1">
+        <a:defRPr sz="1800" kern="1200">
+          <a:solidFill>
+            <a:schemeClr val="tx1"/>
+          </a:solidFill>
+          <a:latin typeface="+mn-lt"/>
+          <a:ea typeface="+mn-ea"/>
+          <a:cs typeface="+mn-cs"/>
+        </a:defRPr>
+      </a:lvl2pPr>
+      <a:lvl3pPr marL="914400" algn="l" defTabSz="914400" rtl="0" eaLnBrk="1" latinLnBrk="0" hangingPunct="1">
+        <a:defRPr sz="1800" kern="1200">
+          <a:solidFill>
+            <a:schemeClr val="tx1"/>
+          </a:solidFill>
+          <a:latin typeface="+mn-lt"/>
+          <a:ea typeface="+mn-ea"/>
+          <a:cs typeface="+mn-cs"/>
+        </a:defRPr>
+      </a:lvl3pPr>
+      <a:lvl4pPr marL="1371600" algn="l" defTabSz="914400" rtl="0" eaLnBrk="1" latinLnBrk="0" hangingPunct="1">
+        <a:defRPr sz="1800" kern="1200">
+          <a:solidFill>
+            <a:schemeClr val="tx1"/>
+          </a:solidFill>
+          <a:latin typeface="+mn-lt"/>
+          <a:ea typeface="+mn-ea"/>
+          <a:cs typeface="+mn-cs"/>
+        </a:defRPr>
+      </a:lvl4pPr>
+      <a:lvl5pPr marL="1828800" algn="l" defTabSz="914400" rtl="0" eaLnBrk="1" latinLnBrk="0" hangingPunct="1">
+        <a:defRPr sz="1800" kern="1200">
+          <a:solidFill>
+            <a:schemeClr val="tx1"/>
+          </a:solidFill>
+          <a:latin typeface="+mn-lt"/>
+          <a:ea typeface="+mn-ea"/>
+          <a:cs typeface="+mn-cs"/>
+        </a:defRPr>
+      </a:lvl5pPr>
+      <a:lvl6pPr marL="2286000" algn="l" defTabSz="914400" rtl="0" eaLnBrk="1" latinLnBrk="0" hangingPunct="1">
+        <a:defRPr sz="1800" kern="1200">
+          <a:solidFill>
+            <a:schemeClr val="tx1"/>
+          </a:solidFill>
+          <a:latin typeface="+mn-lt"/>
+          <a:ea typeface="+mn-ea"/>
+          <a:cs typeface="+mn-cs"/>
+        </a:defRPr>
+      </a:lvl6pPr>
+      <a:lvl7pPr marL="2743200" algn="l" defTabSz="914400" rtl="0" eaLnBrk="1" latinLnBrk="0" hangingPunct="1">
+        <a:defRPr sz="1800" kern="1200">
+          <a:solidFill>
+            <a:schemeClr val="tx1"/>
+          </a:solidFill>
+          <a:latin typeface="+mn-lt"/>
+          <a:ea typeface="+mn-ea"/>
+          <a:cs typeface="+mn-cs"/>
+        </a:defRPr>
+      </a:lvl7pPr>
+      <a:lvl8pPr marL="3200400" algn="l" defTabSz="914400" rtl="0" eaLnBrk="1" latinLnBrk="0" hangingPunct="1">
+        <a:defRPr sz="1800" kern="1200">
+          <a:solidFill>
+            <a:schemeClr val="tx1"/>
+          </a:solidFill>
+          <a:latin typeface="+mn-lt"/>
+          <a:ea typeface="+mn-ea"/>
+          <a:cs typeface="+mn-cs"/>
+        </a:defRPr>
+      </a:lvl8pPr>
+      <a:lvl9pPr marL="3657600" algn="l" defTabSz="914400" rtl="0" eaLnBrk="1" latinLnBrk="0" hangingPunct="1">
+        <a:defRPr sz="1800" kern="1200">
+          <a:solidFill>
+            <a:schemeClr val="tx1"/>
+          </a:solidFill>
+          <a:latin typeface="+mn-lt"/>
+          <a:ea typeface="+mn-ea"/>
+          <a:cs typeface="+mn-cs"/>
+        </a:defRPr>
+      </a:lvl9pPr>
+    </p:otherStyle>
+  </p:txStyles>
+</p:sldMaster>
+</file>
+
+<file path=ppt/slideMasters/slideMaster2.xml><?xml version="1.0" encoding="utf-8"?>
+<p:sldMaster xmlns:a="http://schemas.openxmlformats.org/drawingml/2006/main" xmlns:r="http://schemas.openxmlformats.org/officeDocument/2006/relationships" xmlns:p="http://schemas.openxmlformats.org/presentationml/2006/main">
+  <p:cSld>
+    <p:bg>
+      <p:bgRef idx="1002">
+        <a:schemeClr val="bg2"/>
+      </p:bgRef>
+    </p:bg>
+    <p:spTree>
+      <p:nvGrpSpPr>
+        <p:cNvPr id="1" name=""/>
+        <p:cNvGrpSpPr/>
+        <p:nvPr/>
+      </p:nvGrpSpPr>
+      <p:grpSpPr>
+        <a:xfrm>
+          <a:off x="0" y="0"/>
+          <a:ext cx="0" cy="0"/>
+          <a:chOff x="0" y="0"/>
+          <a:chExt cx="0" cy="0"/>
+        </a:xfrm>
+      </p:grpSpPr>
+      <p:sp>
+        <p:nvSpPr>
+          <p:cNvPr id="7" name="Rectangle 6"/>
+          <p:cNvSpPr/>
+          <p:nvPr/>
+        </p:nvSpPr>
+        <p:spPr>
+          <a:xfrm>
+            <a:off x="0" y="5105400"/>
+            <a:ext cx="9144000" cy="1752600"/>
+          </a:xfrm>
+          <a:prstGeom prst="rect">
+            <a:avLst/>
+          </a:prstGeom>
+          <a:gradFill>
+            <a:gsLst>
+              <a:gs pos="0">
+                <a:schemeClr val="bg1">
+                  <a:alpha val="91000"/>
+                </a:schemeClr>
+              </a:gs>
+              <a:gs pos="37000">
+                <a:schemeClr val="bg1">
+                  <a:alpha val="76000"/>
+                </a:schemeClr>
+              </a:gs>
+              <a:gs pos="100000">
+                <a:schemeClr val="bg2">
+                  <a:alpha val="79000"/>
+                </a:schemeClr>
+              </a:gs>
+            </a:gsLst>
+            <a:path path="circle">
+              <a:fillToRect l="50000" t="50000" r="50000" b="50000"/>
+            </a:path>
+          </a:gradFill>
+          <a:ln>
+            <a:noFill/>
+          </a:ln>
+        </p:spPr>
+        <p:style>
+          <a:lnRef idx="2">
+            <a:schemeClr val="accent1">
+              <a:shade val="50000"/>
+            </a:schemeClr>
+          </a:lnRef>
+          <a:fillRef idx="1">
+            <a:schemeClr val="accent1"/>
+          </a:fillRef>
+          <a:effectRef idx="0">
+            <a:schemeClr val="accent1"/>
+          </a:effectRef>
+          <a:fontRef idx="minor">
+            <a:schemeClr val="lt1"/>
+          </a:fontRef>
+        </p:style>
+        <p:txBody>
+          <a:bodyPr rtlCol="0" anchor="ctr"/>
+          <a:lstStyle/>
+          <a:p>
+            <a:pPr algn="ctr"/>
+            <a:endParaRPr lang="en-US"/>
+          </a:p>
+        </p:txBody>
+      </p:sp>
+      <p:sp>
+        <p:nvSpPr>
+          <p:cNvPr id="8" name="Rectangle 7"/>
+          <p:cNvSpPr/>
+          <p:nvPr/>
+        </p:nvSpPr>
+        <p:spPr>
+          <a:xfrm>
+            <a:off x="0" y="0"/>
+            <a:ext cx="9144000" cy="5105400"/>
+          </a:xfrm>
+          <a:prstGeom prst="rect">
+            <a:avLst/>
+          </a:prstGeom>
+          <a:gradFill flip="none" rotWithShape="1">
+            <a:gsLst>
+              <a:gs pos="0">
+                <a:schemeClr val="bg1">
+                  <a:alpha val="89000"/>
+                </a:schemeClr>
+              </a:gs>
+              <a:gs pos="48000">
+                <a:schemeClr val="bg1">
+                  <a:alpha val="62000"/>
+                </a:schemeClr>
+              </a:gs>
+              <a:gs pos="100000">
+                <a:schemeClr val="bg2">
+                  <a:alpha val="79000"/>
+                </a:schemeClr>
+              </a:gs>
+            </a:gsLst>
+            <a:path path="circle">
+              <a:fillToRect l="50000" t="50000" r="50000" b="50000"/>
+            </a:path>
+            <a:tileRect/>
+          </a:gradFill>
+          <a:ln>
+            <a:noFill/>
+          </a:ln>
+        </p:spPr>
+        <p:style>
+          <a:lnRef idx="2">
+            <a:schemeClr val="accent1">
+              <a:shade val="50000"/>
+            </a:schemeClr>
+          </a:lnRef>
+          <a:fillRef idx="1">
+            <a:schemeClr val="accent1"/>
+          </a:fillRef>
+          <a:effectRef idx="0">
+            <a:schemeClr val="accent1"/>
+          </a:effectRef>
+          <a:fontRef idx="minor">
+            <a:schemeClr val="lt1"/>
+          </a:fontRef>
+        </p:style>
+        <p:txBody>
+          <a:bodyPr rtlCol="0" anchor="ctr"/>
+          <a:lstStyle/>
+          <a:p>
+            <a:pPr algn="ctr"/>
+            <a:endParaRPr lang="en-US" dirty="0"/>
+          </a:p>
+        </p:txBody>
+      </p:sp>
+      <p:sp>
+        <p:nvSpPr>
+          <p:cNvPr id="9" name="Rectangle 8"/>
+          <p:cNvSpPr/>
+          <p:nvPr/>
+        </p:nvSpPr>
+        <p:spPr>
+          <a:xfrm>
+            <a:off x="0" y="3768304"/>
+            <a:ext cx="9144000" cy="2286000"/>
+          </a:xfrm>
+          <a:prstGeom prst="rect">
+            <a:avLst/>
+          </a:prstGeom>
+          <a:gradFill flip="none" rotWithShape="1">
+            <a:gsLst>
+              <a:gs pos="0">
+                <a:schemeClr val="bg1">
+                  <a:alpha val="0"/>
+                </a:schemeClr>
+              </a:gs>
+              <a:gs pos="29000">
+                <a:schemeClr val="bg1">
+                  <a:alpha val="30000"/>
+                </a:schemeClr>
+              </a:gs>
+              <a:gs pos="45000">
+                <a:schemeClr val="bg2">
+                  <a:alpha val="40000"/>
+                </a:schemeClr>
+              </a:gs>
+              <a:gs pos="55000">
+                <a:schemeClr val="bg1">
+                  <a:alpha val="26000"/>
+                </a:schemeClr>
+              </a:gs>
+              <a:gs pos="65000">
+                <a:schemeClr val="bg2">
+                  <a:alpha val="60000"/>
+                </a:schemeClr>
+              </a:gs>
+              <a:gs pos="100000">
+                <a:schemeClr val="bg1">
+                  <a:alpha val="0"/>
+                </a:schemeClr>
+              </a:gs>
+            </a:gsLst>
+            <a:lin ang="5400000" scaled="0"/>
+            <a:tileRect/>
+          </a:gradFill>
+          <a:ln>
+            <a:noFill/>
+          </a:ln>
+        </p:spPr>
+        <p:style>
+          <a:lnRef idx="2">
+            <a:schemeClr val="accent1">
+              <a:shade val="50000"/>
+            </a:schemeClr>
+          </a:lnRef>
+          <a:fillRef idx="1">
+            <a:schemeClr val="accent1"/>
+          </a:fillRef>
+          <a:effectRef idx="0">
+            <a:schemeClr val="accent1"/>
+          </a:effectRef>
+          <a:fontRef idx="minor">
+            <a:schemeClr val="lt1"/>
+          </a:fontRef>
+        </p:style>
+        <p:txBody>
+          <a:bodyPr rtlCol="0" anchor="ctr"/>
+          <a:lstStyle/>
+          <a:p>
+            <a:pPr algn="ctr"/>
+            <a:endParaRPr lang="en-US"/>
+          </a:p>
+        </p:txBody>
+      </p:sp>
+      <p:sp>
+        <p:nvSpPr>
+          <p:cNvPr id="10" name="Oval 9"/>
+          <p:cNvSpPr/>
+          <p:nvPr/>
+        </p:nvSpPr>
+        <p:spPr>
+          <a:xfrm>
+            <a:off x="0" y="1600200"/>
+            <a:ext cx="9144000" cy="5105400"/>
+          </a:xfrm>
+          <a:prstGeom prst="ellipse">
+            <a:avLst/>
+          </a:prstGeom>
+          <a:gradFill flip="none" rotWithShape="1">
+            <a:gsLst>
+              <a:gs pos="0">
+                <a:schemeClr val="bg1"/>
+              </a:gs>
+              <a:gs pos="56000">
+                <a:schemeClr val="bg1">
+                  <a:alpha val="0"/>
+                </a:schemeClr>
+              </a:gs>
+            </a:gsLst>
+            <a:path path="circle">
+              <a:fillToRect l="50000" t="50000" r="50000" b="50000"/>
+            </a:path>
+            <a:tileRect/>
+          </a:gradFill>
+          <a:ln>
+            <a:noFill/>
+          </a:ln>
+        </p:spPr>
+        <p:style>
+          <a:lnRef idx="2">
+            <a:schemeClr val="accent1">
+              <a:shade val="50000"/>
+            </a:schemeClr>
+          </a:lnRef>
+          <a:fillRef idx="1">
+            <a:schemeClr val="accent1"/>
+          </a:fillRef>
+          <a:effectRef idx="0">
+            <a:schemeClr val="accent1"/>
+          </a:effectRef>
+          <a:fontRef idx="minor">
+            <a:schemeClr val="lt1"/>
+          </a:fontRef>
+        </p:style>
+        <p:txBody>
+          <a:bodyPr rtlCol="0" anchor="ctr"/>
+          <a:lstStyle/>
+          <a:p>
+            <a:pPr algn="ctr"/>
+            <a:endParaRPr lang="en-US"/>
+          </a:p>
+        </p:txBody>
+      </p:sp>
+      <p:sp>
+        <p:nvSpPr>
+          <p:cNvPr id="2" name="Title Placeholder 1"/>
+          <p:cNvSpPr>
+            <a:spLocks noGrp="1"/>
+          </p:cNvSpPr>
+          <p:nvPr>
+            <p:ph type="title"/>
+          </p:nvPr>
+        </p:nvSpPr>
+        <p:spPr>
+          <a:xfrm>
+            <a:off x="1793289" y="4372168"/>
+            <a:ext cx="6512511" cy="1143000"/>
+          </a:xfrm>
+          <a:prstGeom prst="rect">
+            <a:avLst/>
+          </a:prstGeom>
+          <a:effectLst/>
+        </p:spPr>
+        <p:txBody>
+          <a:bodyPr vert="horz" lIns="91440" tIns="45720" rIns="91440" bIns="45720" rtlCol="0" anchor="t" anchorCtr="0">
+            <a:noAutofit/>
+          </a:bodyPr>
+          <a:lstStyle/>
+          <a:p>
+            <a:r>
+              <a:rPr lang="en-US" smtClean="0"/>
+              <a:t>Click to edit Master title style</a:t>
+            </a:r>
+            <a:endParaRPr lang="en-US" dirty="0"/>
+          </a:p>
+        </p:txBody>
+      </p:sp>
+      <p:sp>
+        <p:nvSpPr>
+          <p:cNvPr id="3" name="Text Placeholder 2"/>
+          <p:cNvSpPr>
+            <a:spLocks noGrp="1"/>
+          </p:cNvSpPr>
+          <p:nvPr>
+            <p:ph type="body" idx="1"/>
+          </p:nvPr>
+        </p:nvSpPr>
+        <p:spPr>
+          <a:xfrm>
+            <a:off x="1143000" y="732260"/>
+            <a:ext cx="6400800" cy="3474720"/>
+          </a:xfrm>
+          <a:prstGeom prst="rect">
+            <a:avLst/>
+          </a:prstGeom>
+        </p:spPr>
+        <p:txBody>
+          <a:bodyPr vert="horz" lIns="91440" tIns="45720" rIns="91440" bIns="45720" rtlCol="0">
+            <a:normAutofit/>
+          </a:bodyPr>
+          <a:lstStyle/>
+          <a:p>
+            <a:pPr lvl="0"/>
+            <a:r>
+              <a:rPr lang="en-US" smtClean="0"/>
+              <a:t>Click to edit Master text styles</a:t>
+            </a:r>
+          </a:p>
+          <a:p>
+            <a:pPr lvl="1"/>
+            <a:r>
+              <a:rPr lang="en-US" smtClean="0"/>
+              <a:t>Second level</a:t>
+            </a:r>
+          </a:p>
+          <a:p>
+            <a:pPr lvl="2"/>
+            <a:r>
+              <a:rPr lang="en-US" smtClean="0"/>
+              <a:t>Third level</a:t>
+            </a:r>
+          </a:p>
+          <a:p>
+            <a:pPr lvl="3"/>
+            <a:r>
+              <a:rPr lang="en-US" smtClean="0"/>
+              <a:t>Fourth level</a:t>
+            </a:r>
+          </a:p>
+          <a:p>
+            <a:pPr lvl="4"/>
+            <a:r>
+              <a:rPr lang="en-US" smtClean="0"/>
+              <a:t>Fifth level</a:t>
+            </a:r>
+            <a:endParaRPr lang="en-US" dirty="0"/>
+          </a:p>
+        </p:txBody>
+      </p:sp>
+      <p:sp>
+        <p:nvSpPr>
+          <p:cNvPr id="4" name="Date Placeholder 3"/>
+          <p:cNvSpPr>
+            <a:spLocks noGrp="1"/>
+          </p:cNvSpPr>
+          <p:nvPr>
+            <p:ph type="dt" sz="half" idx="2"/>
+          </p:nvPr>
+        </p:nvSpPr>
+        <p:spPr>
+          <a:xfrm>
+            <a:off x="6172200" y="6172200"/>
+            <a:ext cx="2514600" cy="365125"/>
+          </a:xfrm>
+          <a:prstGeom prst="rect">
+            <a:avLst/>
+          </a:prstGeom>
+        </p:spPr>
+        <p:txBody>
+          <a:bodyPr vert="horz" lIns="91440" tIns="45720" rIns="91440" bIns="45720" rtlCol="0" anchor="ctr"/>
+          <a:lstStyle>
+            <a:lvl1pPr algn="r">
+              <a:defRPr sz="1100" b="1">
+                <a:solidFill>
+                  <a:schemeClr val="tx1">
+                    <a:lumMod val="50000"/>
+                    <a:lumOff val="50000"/>
+                  </a:schemeClr>
+                </a:solidFill>
+              </a:defRPr>
+            </a:lvl1pPr>
+          </a:lstStyle>
+          <a:p>
+            <a:fld id="{D88684BC-97E8-4EB7-B548-A80FF2565271}" type="datetimeFigureOut">
+              <a:rPr lang="en-IN" smtClean="0"/>
+              <a:t>03-07-2019</a:t>
+            </a:fld>
+            <a:endParaRPr lang="en-IN"/>
+          </a:p>
+        </p:txBody>
+      </p:sp>
+      <p:sp>
+        <p:nvSpPr>
+          <p:cNvPr id="5" name="Footer Placeholder 4"/>
+          <p:cNvSpPr>
+            <a:spLocks noGrp="1"/>
+          </p:cNvSpPr>
+          <p:nvPr>
+            <p:ph type="ftr" sz="quarter" idx="3"/>
+          </p:nvPr>
+        </p:nvSpPr>
+        <p:spPr>
+          <a:xfrm>
+            <a:off x="457199" y="6172200"/>
+            <a:ext cx="3352801" cy="365125"/>
+          </a:xfrm>
+          <a:prstGeom prst="rect">
+            <a:avLst/>
+          </a:prstGeom>
+        </p:spPr>
+        <p:txBody>
+          <a:bodyPr vert="horz" lIns="91440" tIns="45720" rIns="91440" bIns="45720" rtlCol="0" anchor="ctr"/>
+          <a:lstStyle>
+            <a:lvl1pPr algn="l">
+              <a:defRPr sz="1100" b="1">
+                <a:solidFill>
+                  <a:schemeClr val="tx1">
+                    <a:lumMod val="50000"/>
+                    <a:lumOff val="50000"/>
+                  </a:schemeClr>
+                </a:solidFill>
+              </a:defRPr>
+            </a:lvl1pPr>
+          </a:lstStyle>
+          <a:p>
+            <a:endParaRPr lang="en-IN"/>
+          </a:p>
+        </p:txBody>
+      </p:sp>
+      <p:sp>
+        <p:nvSpPr>
+          <p:cNvPr id="6" name="Slide Number Placeholder 5"/>
+          <p:cNvSpPr>
+            <a:spLocks noGrp="1"/>
+          </p:cNvSpPr>
+          <p:nvPr>
+            <p:ph type="sldNum" sz="quarter" idx="4"/>
+          </p:nvPr>
+        </p:nvSpPr>
+        <p:spPr>
+          <a:xfrm>
+            <a:off x="3810000" y="6172200"/>
+            <a:ext cx="1828800" cy="365125"/>
+          </a:xfrm>
+          <a:prstGeom prst="rect">
+            <a:avLst/>
+          </a:prstGeom>
+        </p:spPr>
+        <p:txBody>
+          <a:bodyPr vert="horz" lIns="91440" tIns="45720" rIns="91440" bIns="45720" rtlCol="0" anchor="ctr"/>
+          <a:lstStyle>
+            <a:lvl1pPr algn="ctr">
+              <a:defRPr sz="1200" b="1">
+                <a:solidFill>
+                  <a:schemeClr val="tx1">
+                    <a:lumMod val="50000"/>
+                    <a:lumOff val="50000"/>
+                  </a:schemeClr>
+                </a:solidFill>
+              </a:defRPr>
+            </a:lvl1pPr>
+          </a:lstStyle>
+          <a:p>
+            <a:fld id="{5E951FD3-E453-4406-B631-82DE21B6D85D}" type="slidenum">
+              <a:rPr lang="en-IN" smtClean="0"/>
+              <a:t>‹#›</a:t>
+            </a:fld>
+            <a:endParaRPr lang="en-IN"/>
+          </a:p>
+        </p:txBody>
+      </p:sp>
+    </p:spTree>
+  </p:cSld>
+  <p:clrMap bg1="lt1" tx1="dk1" bg2="lt2" tx2="dk2" accent1="accent1" accent2="accent2" accent3="accent3" accent4="accent4" accent5="accent5" accent6="accent6" hlink="hlink" folHlink="folHlink"/>
+  <p:sldLayoutIdLst>
+    <p:sldLayoutId id="2147483661" r:id="rId1"/>
+    <p:sldLayoutId id="2147483662" r:id="rId2"/>
+    <p:sldLayoutId id="2147483663" r:id="rId3"/>
+    <p:sldLayoutId id="2147483664" r:id="rId4"/>
+    <p:sldLayoutId id="2147483665" r:id="rId5"/>
+    <p:sldLayoutId id="2147483666" r:id="rId6"/>
+    <p:sldLayoutId id="2147483667" r:id="rId7"/>
+    <p:sldLayoutId id="2147483668" r:id="rId8"/>
+    <p:sldLayoutId id="2147483669" r:id="rId9"/>
+    <p:sldLayoutId id="2147483670" r:id="rId10"/>
+    <p:sldLayoutId id="2147483671" r:id="rId11"/>
+  </p:sldLayoutIdLst>
+  <p:timing>
+    <p:tnLst>
+      <p:par>
+        <p:cTn id="1" dur="indefinite" restart="never" nodeType="tmRoot"/>
+      </p:par>
+    </p:tnLst>
+  </p:timing>
+  <p:txStyles>
+    <p:titleStyle>
+      <a:lvl1pPr marL="320040" indent="-320040" algn="r" defTabSz="914400" rtl="0" eaLnBrk="1" latinLnBrk="0" hangingPunct="1">
+        <a:spcBef>
+          <a:spcPct val="0"/>
+        </a:spcBef>
+        <a:buClr>
+          <a:schemeClr val="accent6">
+            <a:lumMod val="75000"/>
+          </a:schemeClr>
+        </a:buClr>
+        <a:buSzPct val="128000"/>
+        <a:buFont typeface="Georgia" pitchFamily="18" charset="0"/>
+        <a:buChar char="*"/>
+        <a:defRPr sz="4600" b="1" i="0" kern="1200">
+          <a:gradFill>
+            <a:gsLst>
+              <a:gs pos="0">
+                <a:schemeClr val="tx1"/>
+              </a:gs>
+              <a:gs pos="40000">
+                <a:schemeClr val="tx1">
+                  <a:lumMod val="75000"/>
+                  <a:lumOff val="25000"/>
+                </a:schemeClr>
+              </a:gs>
+              <a:gs pos="100000">
+                <a:schemeClr val="tx2">
+                  <a:alpha val="65000"/>
+                </a:schemeClr>
+              </a:gs>
+            </a:gsLst>
+            <a:lin ang="5400000" scaled="0"/>
+          </a:gradFill>
+          <a:effectLst>
+            <a:reflection blurRad="6350" stA="55000" endA="300" endPos="45500" dir="5400000" sy="-100000" algn="bl" rotWithShape="0"/>
+          </a:effectLst>
+          <a:latin typeface="+mj-lt"/>
+          <a:ea typeface="+mj-ea"/>
+          <a:cs typeface="+mj-cs"/>
+        </a:defRPr>
+      </a:lvl1pPr>
+      <a:lvl2pPr eaLnBrk="1" hangingPunct="1">
+        <a:defRPr>
+          <a:solidFill>
+            <a:schemeClr val="tx2"/>
+          </a:solidFill>
+        </a:defRPr>
+      </a:lvl2pPr>
+      <a:lvl3pPr eaLnBrk="1" hangingPunct="1">
+        <a:defRPr>
+          <a:solidFill>
+            <a:schemeClr val="tx2"/>
+          </a:solidFill>
+        </a:defRPr>
+      </a:lvl3pPr>
+      <a:lvl4pPr eaLnBrk="1" hangingPunct="1">
+        <a:defRPr>
+          <a:solidFill>
+            <a:schemeClr val="tx2"/>
+          </a:solidFill>
+        </a:defRPr>
+      </a:lvl4pPr>
+      <a:lvl5pPr eaLnBrk="1" hangingPunct="1">
+        <a:defRPr>
+          <a:solidFill>
+            <a:schemeClr val="tx2"/>
+          </a:solidFill>
+        </a:defRPr>
+      </a:lvl5pPr>
+      <a:lvl6pPr eaLnBrk="1" hangingPunct="1">
+        <a:defRPr>
+          <a:solidFill>
+            <a:schemeClr val="tx2"/>
+          </a:solidFill>
+        </a:defRPr>
+      </a:lvl6pPr>
+      <a:lvl7pPr eaLnBrk="1" hangingPunct="1">
+        <a:defRPr>
+          <a:solidFill>
+            <a:schemeClr val="tx2"/>
+          </a:solidFill>
+        </a:defRPr>
+      </a:lvl7pPr>
+      <a:lvl8pPr eaLnBrk="1" hangingPunct="1">
+        <a:defRPr>
+          <a:solidFill>
+            <a:schemeClr val="tx2"/>
+          </a:solidFill>
+        </a:defRPr>
+      </a:lvl8pPr>
+      <a:lvl9pPr eaLnBrk="1" hangingPunct="1">
+        <a:defRPr>
+          <a:solidFill>
+            <a:schemeClr val="tx2"/>
+          </a:solidFill>
+        </a:defRPr>
+      </a:lvl9pPr>
+    </p:titleStyle>
+    <p:bodyStyle>
+      <a:lvl1pPr marL="228600" indent="-182880" algn="l" defTabSz="914400" rtl="0" eaLnBrk="1" latinLnBrk="0" hangingPunct="1">
+        <a:spcBef>
+          <a:spcPct val="20000"/>
+        </a:spcBef>
+        <a:spcAft>
+          <a:spcPts val="300"/>
+        </a:spcAft>
+        <a:buClr>
+          <a:schemeClr val="accent6">
+            <a:lumMod val="75000"/>
+          </a:schemeClr>
+        </a:buClr>
+        <a:buSzPct val="130000"/>
+        <a:buFont typeface="Georgia" pitchFamily="18" charset="0"/>
+        <a:buChar char="*"/>
+        <a:defRPr sz="2200" kern="1200">
+          <a:solidFill>
+            <a:schemeClr val="tx1">
+              <a:lumMod val="75000"/>
+              <a:lumOff val="25000"/>
+            </a:schemeClr>
+          </a:solidFill>
+          <a:latin typeface="+mn-lt"/>
+          <a:ea typeface="+mn-ea"/>
+          <a:cs typeface="+mn-cs"/>
+        </a:defRPr>
+      </a:lvl1pPr>
+      <a:lvl2pPr marL="548640" indent="-182880" algn="l" defTabSz="914400" rtl="0" eaLnBrk="1" latinLnBrk="0" hangingPunct="1">
+        <a:spcBef>
+          <a:spcPct val="20000"/>
+        </a:spcBef>
+        <a:spcAft>
+          <a:spcPts val="300"/>
+        </a:spcAft>
+        <a:buClr>
+          <a:schemeClr val="accent6">
+            <a:lumMod val="75000"/>
+          </a:schemeClr>
+        </a:buClr>
+        <a:buSzPct val="130000"/>
+        <a:buFont typeface="Georgia" pitchFamily="18" charset="0"/>
+        <a:buChar char="*"/>
+        <a:defRPr sz="2000" kern="1200">
+          <a:solidFill>
+            <a:schemeClr val="tx1">
+              <a:lumMod val="75000"/>
+              <a:lumOff val="25000"/>
+            </a:schemeClr>
+          </a:solidFill>
+          <a:latin typeface="+mn-lt"/>
+          <a:ea typeface="+mn-ea"/>
+          <a:cs typeface="+mn-cs"/>
+        </a:defRPr>
+      </a:lvl2pPr>
+      <a:lvl3pPr marL="822960" indent="-182880" algn="l" defTabSz="914400" rtl="0" eaLnBrk="1" latinLnBrk="0" hangingPunct="1">
+        <a:spcBef>
+          <a:spcPct val="20000"/>
+        </a:spcBef>
+        <a:spcAft>
+          <a:spcPts val="300"/>
+        </a:spcAft>
+        <a:buClr>
+          <a:schemeClr val="accent6">
+            <a:lumMod val="75000"/>
+          </a:schemeClr>
+        </a:buClr>
+        <a:buSzPct val="130000"/>
+        <a:buFont typeface="Georgia" pitchFamily="18" charset="0"/>
+        <a:buChar char="*"/>
+        <a:defRPr sz="1800" kern="1200">
+          <a:solidFill>
+            <a:schemeClr val="tx1">
+              <a:lumMod val="75000"/>
+              <a:lumOff val="25000"/>
+            </a:schemeClr>
+          </a:solidFill>
+          <a:latin typeface="+mn-lt"/>
+          <a:ea typeface="+mn-ea"/>
+          <a:cs typeface="+mn-cs"/>
+        </a:defRPr>
+      </a:lvl3pPr>
+      <a:lvl4pPr marL="1097280" indent="-182880" algn="l" defTabSz="914400" rtl="0" eaLnBrk="1" latinLnBrk="0" hangingPunct="1">
+        <a:spcBef>
+          <a:spcPct val="20000"/>
+        </a:spcBef>
+        <a:spcAft>
+          <a:spcPts val="300"/>
+        </a:spcAft>
+        <a:buClr>
+          <a:schemeClr val="accent6">
+            <a:lumMod val="75000"/>
+          </a:schemeClr>
+        </a:buClr>
+        <a:buSzPct val="130000"/>
+        <a:buFont typeface="Georgia" pitchFamily="18" charset="0"/>
+        <a:buChar char="*"/>
+        <a:defRPr sz="1600" kern="1200">
+          <a:solidFill>
+            <a:schemeClr val="tx1">
+              <a:lumMod val="75000"/>
+              <a:lumOff val="25000"/>
+            </a:schemeClr>
+          </a:solidFill>
+          <a:latin typeface="+mn-lt"/>
+          <a:ea typeface="+mn-ea"/>
+          <a:cs typeface="+mn-cs"/>
+        </a:defRPr>
+      </a:lvl4pPr>
+      <a:lvl5pPr marL="1389888" indent="-182880" algn="l" defTabSz="914400" rtl="0" eaLnBrk="1" latinLnBrk="0" hangingPunct="1">
+        <a:spcBef>
+          <a:spcPct val="20000"/>
+        </a:spcBef>
+        <a:spcAft>
+          <a:spcPts val="300"/>
+        </a:spcAft>
+        <a:buClr>
+          <a:schemeClr val="accent6">
+            <a:lumMod val="75000"/>
+          </a:schemeClr>
+        </a:buClr>
+        <a:buSzPct val="130000"/>
+        <a:buFont typeface="Georgia" pitchFamily="18" charset="0"/>
+        <a:buChar char="*"/>
+        <a:defRPr sz="1400" kern="1200">
+          <a:solidFill>
+            <a:schemeClr val="tx1">
+              <a:lumMod val="75000"/>
+              <a:lumOff val="25000"/>
+            </a:schemeClr>
+          </a:solidFill>
+          <a:latin typeface="+mn-lt"/>
+          <a:ea typeface="+mn-ea"/>
+          <a:cs typeface="+mn-cs"/>
+        </a:defRPr>
+      </a:lvl5pPr>
+      <a:lvl6pPr marL="1664208" indent="-182880" algn="l" defTabSz="914400" rtl="0" eaLnBrk="1" latinLnBrk="0" hangingPunct="1">
+        <a:spcBef>
+          <a:spcPct val="20000"/>
+        </a:spcBef>
+        <a:spcAft>
+          <a:spcPts val="300"/>
+        </a:spcAft>
+        <a:buClr>
+          <a:schemeClr val="accent6">
+            <a:lumMod val="75000"/>
+          </a:schemeClr>
+        </a:buClr>
+        <a:buSzPct val="130000"/>
+        <a:buFont typeface="Georgia" pitchFamily="18" charset="0"/>
+        <a:buChar char="*"/>
+        <a:defRPr sz="1400" kern="1200">
+          <a:solidFill>
+            <a:schemeClr val="tx1">
+              <a:lumMod val="75000"/>
+              <a:lumOff val="25000"/>
+            </a:schemeClr>
+          </a:solidFill>
+          <a:latin typeface="+mn-lt"/>
+          <a:ea typeface="+mn-ea"/>
+          <a:cs typeface="+mn-cs"/>
+        </a:defRPr>
+      </a:lvl6pPr>
+      <a:lvl7pPr marL="1965960" indent="-182880" algn="l" defTabSz="914400" rtl="0" eaLnBrk="1" latinLnBrk="0" hangingPunct="1">
+        <a:spcBef>
+          <a:spcPct val="20000"/>
+        </a:spcBef>
+        <a:spcAft>
+          <a:spcPts val="300"/>
+        </a:spcAft>
+        <a:buClr>
+          <a:schemeClr val="accent6">
+            <a:lumMod val="75000"/>
+          </a:schemeClr>
+        </a:buClr>
+        <a:buSzPct val="130000"/>
+        <a:buFont typeface="Georgia" pitchFamily="18" charset="0"/>
+        <a:buChar char="*"/>
+        <a:defRPr sz="1400" kern="1200">
+          <a:solidFill>
+            <a:schemeClr val="tx1">
+              <a:lumMod val="75000"/>
+              <a:lumOff val="25000"/>
+            </a:schemeClr>
+          </a:solidFill>
+          <a:latin typeface="+mn-lt"/>
+          <a:ea typeface="+mn-ea"/>
+          <a:cs typeface="+mn-cs"/>
+        </a:defRPr>
+      </a:lvl7pPr>
+      <a:lvl8pPr marL="2286000" indent="-182880" algn="l" defTabSz="914400" rtl="0" eaLnBrk="1" latinLnBrk="0" hangingPunct="1">
+        <a:spcBef>
+          <a:spcPct val="20000"/>
+        </a:spcBef>
+        <a:spcAft>
+          <a:spcPts val="300"/>
+        </a:spcAft>
+        <a:buClr>
+          <a:schemeClr val="accent6">
+            <a:lumMod val="75000"/>
+          </a:schemeClr>
+        </a:buClr>
+        <a:buSzPct val="130000"/>
+        <a:buFont typeface="Georgia" pitchFamily="18" charset="0"/>
+        <a:buChar char="*"/>
+        <a:defRPr sz="1400" kern="1200">
+          <a:solidFill>
+            <a:schemeClr val="tx1">
+              <a:lumMod val="75000"/>
+              <a:lumOff val="25000"/>
+            </a:schemeClr>
+          </a:solidFill>
+          <a:latin typeface="+mn-lt"/>
+          <a:ea typeface="+mn-ea"/>
+          <a:cs typeface="+mn-cs"/>
+        </a:defRPr>
+      </a:lvl8pPr>
+      <a:lvl9pPr marL="2587752" indent="-182880" algn="l" defTabSz="914400" rtl="0" eaLnBrk="1" latinLnBrk="0" hangingPunct="1">
+        <a:spcBef>
+          <a:spcPct val="20000"/>
+        </a:spcBef>
+        <a:spcAft>
+          <a:spcPts val="300"/>
+        </a:spcAft>
+        <a:buClr>
+          <a:schemeClr val="accent6">
+            <a:lumMod val="75000"/>
+          </a:schemeClr>
+        </a:buClr>
+        <a:buSzPct val="130000"/>
+        <a:buFont typeface="Georgia" pitchFamily="18" charset="0"/>
+        <a:buChar char="*"/>
+        <a:defRPr sz="1400" kern="1200">
+          <a:solidFill>
+            <a:schemeClr val="tx1">
+              <a:lumMod val="75000"/>
+              <a:lumOff val="25000"/>
+            </a:schemeClr>
           </a:solidFill>
           <a:latin typeface="+mn-lt"/>
           <a:ea typeface="+mn-ea"/>
@@ -7332,7 +11667,7 @@
             <p:cNvPr id="46" name="Picture 45">
               <a:extLst>
                 <a:ext uri="{FF2B5EF4-FFF2-40B4-BE49-F238E27FC236}">
-                  <a16:creationId xmlns="" xmlns:a16="http://schemas.microsoft.com/office/drawing/2014/main" id="{13C97FC4-4358-46A7-89E4-BB08F494C22B}"/>
+                  <a16:creationId xmlns:a16="http://schemas.microsoft.com/office/drawing/2014/main" xmlns="" id="{13C97FC4-4358-46A7-89E4-BB08F494C22B}"/>
                 </a:ext>
               </a:extLst>
             </p:cNvPr>
@@ -25693,18 +30028,16 @@
           <a:p>
             <a:pPr algn="ctr"/>
             <a:r>
-              <a:rPr lang="en-IN" dirty="0">
-                <a:solidFill>
-                  <a:schemeClr val="tx2">
-                    <a:lumMod val="40000"/>
-                    <a:lumOff val="60000"/>
-                  </a:schemeClr>
-                </a:solidFill>
+              <a:rPr lang="en-IN" sz="2400" dirty="0">
                 <a:latin typeface="Times New Roman" pitchFamily="18" charset="0"/>
                 <a:cs typeface="Times New Roman" pitchFamily="18" charset="0"/>
               </a:rPr>
-              <a:t>BY</a:t>
+              <a:t>by</a:t>
             </a:r>
+            <a:endParaRPr lang="en-IN" sz="2400" dirty="0">
+              <a:latin typeface="Times New Roman" pitchFamily="18" charset="0"/>
+              <a:cs typeface="Times New Roman" pitchFamily="18" charset="0"/>
+            </a:endParaRPr>
           </a:p>
           <a:p>
             <a:pPr algn="ctr"/>
@@ -30862,7 +35195,7 @@
           <p:cNvPr id="65" name="Content Placeholder 4">
             <a:extLst>
               <a:ext uri="{FF2B5EF4-FFF2-40B4-BE49-F238E27FC236}">
-                <a16:creationId xmlns="" xmlns:a16="http://schemas.microsoft.com/office/drawing/2014/main" id="{7BF9F0F9-5BC9-4CB9-99D8-5D9E77EBA532}"/>
+                <a16:creationId xmlns:a16="http://schemas.microsoft.com/office/drawing/2014/main" xmlns="" id="{7BF9F0F9-5BC9-4CB9-99D8-5D9E77EBA532}"/>
               </a:ext>
             </a:extLst>
           </p:cNvPr>
@@ -31184,7 +35517,7 @@
           <p:cNvPr id="2" name="Title 1">
             <a:extLst>
               <a:ext uri="{FF2B5EF4-FFF2-40B4-BE49-F238E27FC236}">
-                <a16:creationId xmlns="" xmlns:a16="http://schemas.microsoft.com/office/drawing/2014/main" id="{FDB1AA29-50E7-47E6-B428-02DFC33376E2}"/>
+                <a16:creationId xmlns:a16="http://schemas.microsoft.com/office/drawing/2014/main" xmlns="" id="{FDB1AA29-50E7-47E6-B428-02DFC33376E2}"/>
               </a:ext>
             </a:extLst>
           </p:cNvPr>
@@ -31212,7 +35545,7 @@
           <p:cNvPr id="5" name="Content Placeholder 4">
             <a:extLst>
               <a:ext uri="{FF2B5EF4-FFF2-40B4-BE49-F238E27FC236}">
-                <a16:creationId xmlns="" xmlns:a16="http://schemas.microsoft.com/office/drawing/2014/main" id="{847CD382-9F7F-4E8D-9A4A-354D788A0575}"/>
+                <a16:creationId xmlns:a16="http://schemas.microsoft.com/office/drawing/2014/main" xmlns="" id="{847CD382-9F7F-4E8D-9A4A-354D788A0575}"/>
               </a:ext>
             </a:extLst>
           </p:cNvPr>
@@ -31247,7 +35580,7 @@
           <p:cNvPr id="6" name="Rectangle 5">
             <a:extLst>
               <a:ext uri="{FF2B5EF4-FFF2-40B4-BE49-F238E27FC236}">
-                <a16:creationId xmlns="" xmlns:a16="http://schemas.microsoft.com/office/drawing/2014/main" id="{098B67DA-9FA7-4BEF-A34E-941BB7FC651C}"/>
+                <a16:creationId xmlns:a16="http://schemas.microsoft.com/office/drawing/2014/main" xmlns="" id="{098B67DA-9FA7-4BEF-A34E-941BB7FC651C}"/>
               </a:ext>
             </a:extLst>
           </p:cNvPr>
@@ -31359,7 +35692,7 @@
           <p:cNvPr id="2" name="Title 1">
             <a:extLst>
               <a:ext uri="{FF2B5EF4-FFF2-40B4-BE49-F238E27FC236}">
-                <a16:creationId xmlns="" xmlns:a16="http://schemas.microsoft.com/office/drawing/2014/main" id="{C92193BD-EEB5-4CC3-BE21-D39BD95A385D}"/>
+                <a16:creationId xmlns:a16="http://schemas.microsoft.com/office/drawing/2014/main" xmlns="" id="{C92193BD-EEB5-4CC3-BE21-D39BD95A385D}"/>
               </a:ext>
             </a:extLst>
           </p:cNvPr>
@@ -31387,7 +35720,7 @@
           <p:cNvPr id="3" name="Content Placeholder 2">
             <a:extLst>
               <a:ext uri="{FF2B5EF4-FFF2-40B4-BE49-F238E27FC236}">
-                <a16:creationId xmlns="" xmlns:a16="http://schemas.microsoft.com/office/drawing/2014/main" id="{A4590DDC-E5B1-460D-8B70-03C4082BCC79}"/>
+                <a16:creationId xmlns:a16="http://schemas.microsoft.com/office/drawing/2014/main" xmlns="" id="{A4590DDC-E5B1-460D-8B70-03C4082BCC79}"/>
               </a:ext>
             </a:extLst>
           </p:cNvPr>
@@ -40779,6 +45112,308 @@
 </file>
 
 <file path=ppt/theme/theme2.xml><?xml version="1.0" encoding="utf-8"?>
+<a:theme xmlns:a="http://schemas.openxmlformats.org/drawingml/2006/main" name="Slipstream">
+  <a:themeElements>
+    <a:clrScheme name="Slipstream">
+      <a:dk1>
+        <a:sysClr val="windowText" lastClr="000000"/>
+      </a:dk1>
+      <a:lt1>
+        <a:sysClr val="window" lastClr="FFFFFF"/>
+      </a:lt1>
+      <a:dk2>
+        <a:srgbClr val="212745"/>
+      </a:dk2>
+      <a:lt2>
+        <a:srgbClr val="B4DCFA"/>
+      </a:lt2>
+      <a:accent1>
+        <a:srgbClr val="4E67C8"/>
+      </a:accent1>
+      <a:accent2>
+        <a:srgbClr val="5ECCF3"/>
+      </a:accent2>
+      <a:accent3>
+        <a:srgbClr val="A7EA52"/>
+      </a:accent3>
+      <a:accent4>
+        <a:srgbClr val="5DCEAF"/>
+      </a:accent4>
+      <a:accent5>
+        <a:srgbClr val="FF8021"/>
+      </a:accent5>
+      <a:accent6>
+        <a:srgbClr val="F14124"/>
+      </a:accent6>
+      <a:hlink>
+        <a:srgbClr val="56C7AA"/>
+      </a:hlink>
+      <a:folHlink>
+        <a:srgbClr val="59A8D1"/>
+      </a:folHlink>
+    </a:clrScheme>
+    <a:fontScheme name="Slipstream">
+      <a:majorFont>
+        <a:latin typeface="Trebuchet MS"/>
+        <a:ea typeface=""/>
+        <a:cs typeface=""/>
+        <a:font script="Jpan" typeface="HGｺﾞｼｯｸM"/>
+        <a:font script="Hang" typeface="HY그래픽B"/>
+        <a:font script="Hans" typeface="方正姚体"/>
+        <a:font script="Hant" typeface="微軟正黑體"/>
+        <a:font script="Arab" typeface="Tahoma"/>
+        <a:font script="Hebr" typeface="Gisha"/>
+        <a:font script="Thai" typeface="IrisUPC"/>
+        <a:font script="Ethi" typeface="Nyala"/>
+        <a:font script="Beng" typeface="Vrinda"/>
+        <a:font script="Gujr" typeface="Shruti"/>
+        <a:font script="Khmr" typeface="DaunPenh"/>
+        <a:font script="Knda" typeface="Tunga"/>
+        <a:font script="Guru" typeface="Raavi"/>
+        <a:font script="Cans" typeface="Euphemia"/>
+        <a:font script="Cher" typeface="Plantagenet Cherokee"/>
+        <a:font script="Yiii" typeface="Microsoft Yi Baiti"/>
+        <a:font script="Tibt" typeface="Microsoft Himalaya"/>
+        <a:font script="Thaa" typeface="MV Boli"/>
+        <a:font script="Deva" typeface="Mangal"/>
+        <a:font script="Telu" typeface="Gautami"/>
+        <a:font script="Taml" typeface="Latha"/>
+        <a:font script="Syrc" typeface="Estrangelo Edessa"/>
+        <a:font script="Orya" typeface="Kalinga"/>
+        <a:font script="Mlym" typeface="Kartika"/>
+        <a:font script="Laoo" typeface="DokChampa"/>
+        <a:font script="Sinh" typeface="Iskoola Pota"/>
+        <a:font script="Mong" typeface="Mongolian Baiti"/>
+        <a:font script="Viet" typeface="Tahoma"/>
+        <a:font script="Uigh" typeface="Microsoft Uighur"/>
+        <a:font script="Geor" typeface="Sylfaen"/>
+      </a:majorFont>
+      <a:minorFont>
+        <a:latin typeface="Trebuchet MS"/>
+        <a:ea typeface=""/>
+        <a:cs typeface=""/>
+        <a:font script="Jpan" typeface="HGｺﾞｼｯｸM"/>
+        <a:font script="Hang" typeface="HY그래픽M"/>
+        <a:font script="Hans" typeface="方正姚体"/>
+        <a:font script="Hant" typeface="微軟正黑體"/>
+        <a:font script="Arab" typeface="Tahoma"/>
+        <a:font script="Hebr" typeface="Gisha"/>
+        <a:font script="Thai" typeface="IrisUPC"/>
+        <a:font script="Ethi" typeface="Nyala"/>
+        <a:font script="Beng" typeface="Vrinda"/>
+        <a:font script="Gujr" typeface="Shruti"/>
+        <a:font script="Khmr" typeface="DaunPenh"/>
+        <a:font script="Knda" typeface="Tunga"/>
+        <a:font script="Guru" typeface="Raavi"/>
+        <a:font script="Cans" typeface="Euphemia"/>
+        <a:font script="Cher" typeface="Plantagenet Cherokee"/>
+        <a:font script="Yiii" typeface="Microsoft Yi Baiti"/>
+        <a:font script="Tibt" typeface="Microsoft Himalaya"/>
+        <a:font script="Thaa" typeface="MV Boli"/>
+        <a:font script="Deva" typeface="Mangal"/>
+        <a:font script="Telu" typeface="Gautami"/>
+        <a:font script="Taml" typeface="Latha"/>
+        <a:font script="Syrc" typeface="Estrangelo Edessa"/>
+        <a:font script="Orya" typeface="Kalinga"/>
+        <a:font script="Mlym" typeface="Kartika"/>
+        <a:font script="Laoo" typeface="DokChampa"/>
+        <a:font script="Sinh" typeface="Iskoola Pota"/>
+        <a:font script="Mong" typeface="Mongolian Baiti"/>
+        <a:font script="Viet" typeface="Arial"/>
+        <a:font script="Uigh" typeface="Microsoft Uighur"/>
+        <a:font script="Geor" typeface="Sylfaen"/>
+      </a:minorFont>
+    </a:fontScheme>
+    <a:fmtScheme name="Slipstream">
+      <a:fillStyleLst>
+        <a:solidFill>
+          <a:schemeClr val="phClr"/>
+        </a:solidFill>
+        <a:gradFill rotWithShape="1">
+          <a:gsLst>
+            <a:gs pos="28000">
+              <a:schemeClr val="phClr">
+                <a:tint val="18000"/>
+                <a:satMod val="120000"/>
+                <a:lumMod val="88000"/>
+              </a:schemeClr>
+            </a:gs>
+            <a:gs pos="100000">
+              <a:schemeClr val="phClr">
+                <a:tint val="40000"/>
+                <a:satMod val="100000"/>
+                <a:lumMod val="78000"/>
+              </a:schemeClr>
+            </a:gs>
+          </a:gsLst>
+          <a:lin ang="5400000" scaled="0"/>
+        </a:gradFill>
+        <a:gradFill rotWithShape="1">
+          <a:gsLst>
+            <a:gs pos="0">
+              <a:schemeClr val="phClr">
+                <a:lumMod val="95000"/>
+              </a:schemeClr>
+            </a:gs>
+            <a:gs pos="100000">
+              <a:schemeClr val="phClr">
+                <a:shade val="82000"/>
+                <a:satMod val="125000"/>
+                <a:lumMod val="74000"/>
+              </a:schemeClr>
+            </a:gs>
+          </a:gsLst>
+          <a:lin ang="5400000" scaled="0"/>
+        </a:gradFill>
+      </a:fillStyleLst>
+      <a:lnStyleLst>
+        <a:ln w="9525" cap="flat" cmpd="sng" algn="ctr">
+          <a:solidFill>
+            <a:schemeClr val="phClr"/>
+          </a:solidFill>
+          <a:prstDash val="solid"/>
+        </a:ln>
+        <a:ln w="15875" cap="flat" cmpd="sng" algn="ctr">
+          <a:solidFill>
+            <a:schemeClr val="phClr">
+              <a:shade val="75000"/>
+              <a:satMod val="125000"/>
+              <a:lumMod val="75000"/>
+            </a:schemeClr>
+          </a:solidFill>
+          <a:prstDash val="solid"/>
+        </a:ln>
+        <a:ln w="25400" cap="flat" cmpd="sng" algn="ctr">
+          <a:solidFill>
+            <a:schemeClr val="phClr"/>
+          </a:solidFill>
+          <a:prstDash val="solid"/>
+        </a:ln>
+      </a:lnStyleLst>
+      <a:effectStyleLst>
+        <a:effectStyle>
+          <a:effectLst>
+            <a:outerShdw blurRad="63500" dist="50800" dir="5400000" sx="98000" sy="98000" rotWithShape="0">
+              <a:srgbClr val="000000">
+                <a:alpha val="20000"/>
+              </a:srgbClr>
+            </a:outerShdw>
+          </a:effectLst>
+        </a:effectStyle>
+        <a:effectStyle>
+          <a:effectLst>
+            <a:outerShdw blurRad="40005" dist="22984" dir="5400000" rotWithShape="0">
+              <a:srgbClr val="000000">
+                <a:alpha val="45000"/>
+              </a:srgbClr>
+            </a:outerShdw>
+          </a:effectLst>
+          <a:scene3d>
+            <a:camera prst="orthographicFront">
+              <a:rot lat="0" lon="0" rev="0"/>
+            </a:camera>
+            <a:lightRig rig="balanced" dir="tr"/>
+          </a:scene3d>
+          <a:sp3d prstMaterial="matte">
+            <a:bevelT w="19050" h="38100"/>
+          </a:sp3d>
+        </a:effectStyle>
+        <a:effectStyle>
+          <a:effectLst>
+            <a:reflection blurRad="38100" stA="26000" endPos="23000" dist="25400" dir="5400000" sy="-100000" rotWithShape="0"/>
+          </a:effectLst>
+          <a:scene3d>
+            <a:camera prst="orthographicFront">
+              <a:rot lat="0" lon="0" rev="0"/>
+            </a:camera>
+            <a:lightRig rig="balanced" dir="tr"/>
+          </a:scene3d>
+          <a:sp3d contourW="14605" prstMaterial="plastic">
+            <a:bevelT w="50800"/>
+            <a:contourClr>
+              <a:schemeClr val="phClr">
+                <a:shade val="30000"/>
+                <a:satMod val="120000"/>
+              </a:schemeClr>
+            </a:contourClr>
+          </a:sp3d>
+        </a:effectStyle>
+      </a:effectStyleLst>
+      <a:bgFillStyleLst>
+        <a:solidFill>
+          <a:schemeClr val="phClr"/>
+        </a:solidFill>
+        <a:gradFill rotWithShape="1">
+          <a:gsLst>
+            <a:gs pos="0">
+              <a:schemeClr val="phClr">
+                <a:tint val="98000"/>
+                <a:shade val="90000"/>
+                <a:satMod val="160000"/>
+                <a:lumMod val="100000"/>
+              </a:schemeClr>
+            </a:gs>
+            <a:gs pos="60000">
+              <a:schemeClr val="phClr">
+                <a:tint val="95000"/>
+                <a:shade val="100000"/>
+                <a:satMod val="130000"/>
+                <a:lumMod val="130000"/>
+              </a:schemeClr>
+            </a:gs>
+            <a:gs pos="100000">
+              <a:schemeClr val="phClr">
+                <a:tint val="97000"/>
+                <a:shade val="100000"/>
+                <a:hueMod val="100000"/>
+                <a:satMod val="140000"/>
+                <a:lumMod val="80000"/>
+              </a:schemeClr>
+            </a:gs>
+          </a:gsLst>
+          <a:path path="circle">
+            <a:fillToRect l="20000" t="10000" r="20000" b="60000"/>
+          </a:path>
+        </a:gradFill>
+        <a:gradFill rotWithShape="1">
+          <a:gsLst>
+            <a:gs pos="0">
+              <a:schemeClr val="phClr">
+                <a:tint val="94000"/>
+                <a:satMod val="160000"/>
+                <a:lumMod val="160000"/>
+              </a:schemeClr>
+            </a:gs>
+            <a:gs pos="42000">
+              <a:schemeClr val="phClr">
+                <a:tint val="94000"/>
+                <a:shade val="94000"/>
+                <a:satMod val="160000"/>
+                <a:lumMod val="130000"/>
+              </a:schemeClr>
+            </a:gs>
+            <a:gs pos="100000">
+              <a:schemeClr val="phClr">
+                <a:tint val="97000"/>
+                <a:shade val="94000"/>
+                <a:satMod val="180000"/>
+                <a:lumMod val="84000"/>
+              </a:schemeClr>
+            </a:gs>
+          </a:gsLst>
+          <a:path path="circle">
+            <a:fillToRect l="24000" t="44000" r="24000" b="12000"/>
+          </a:path>
+        </a:gradFill>
+      </a:bgFillStyleLst>
+    </a:fmtScheme>
+  </a:themeElements>
+  <a:objectDefaults/>
+  <a:extraClrSchemeLst/>
+</a:theme>
+</file>
+
+<file path=ppt/theme/theme3.xml><?xml version="1.0" encoding="utf-8"?>
 <a:theme xmlns:a="http://schemas.openxmlformats.org/drawingml/2006/main" name="Office Theme">
   <a:themeElements>
     <a:clrScheme name="Office">

--- a/Anvisys presentation & poster.pptx
+++ b/Anvisys presentation & poster.pptx
@@ -124,7 +124,7 @@
   </p:defaultTextStyle>
   <p:extLst>
     <p:ext uri="{EFAFB233-063F-42B5-8137-9DF3F51BA10A}">
-      <p15:sldGuideLst xmlns:p15="http://schemas.microsoft.com/office/powerpoint/2012/main" xmlns="">
+      <p15:sldGuideLst xmlns:p15="http://schemas.microsoft.com/office/powerpoint/2012/main">
         <p15:guide id="1" orient="horz" pos="2160">
           <p15:clr>
             <a:srgbClr val="A4A3A4"/>
@@ -223,7 +223,7 @@
           <a:p>
             <a:fld id="{9836EA8E-4424-4A9A-BA95-A118E6208F28}" type="datetimeFigureOut">
               <a:rPr lang="en-IN" smtClean="0"/>
-              <a:t>03-07-2019</a:t>
+              <a:t>04-07-2019</a:t>
             </a:fld>
             <a:endParaRPr lang="en-IN"/>
           </a:p>
@@ -536,19 +536,19 @@
           <a:lstStyle/>
           <a:p>
             <a:r>
-              <a:rPr lang="en-IN" dirty="0" smtClean="0"/>
+              <a:rPr lang="en-IN" dirty="0"/>
               <a:t>Having</a:t>
             </a:r>
             <a:r>
-              <a:rPr lang="en-IN" baseline="0" dirty="0" smtClean="0"/>
+              <a:rPr lang="en-IN" baseline="0" dirty="0"/>
               <a:t> I.T related problems ..we provide all kind of I.T support. </a:t>
             </a:r>
             <a:r>
-              <a:rPr lang="en-IN" baseline="0" dirty="0" err="1" smtClean="0"/>
+              <a:rPr lang="en-IN" baseline="0" dirty="0" err="1"/>
               <a:t>Anvisys</a:t>
             </a:r>
             <a:r>
-              <a:rPr lang="en-IN" baseline="0" dirty="0" smtClean="0"/>
+              <a:rPr lang="en-IN" baseline="0" dirty="0"/>
               <a:t> Technology your Trusted IT solution and consulting partner </a:t>
             </a:r>
             <a:endParaRPr lang="en-IN" dirty="0"/>
@@ -635,11 +635,11 @@
           <a:bodyPr/>
           <a:lstStyle/>
           <a:p>
-            <a:endParaRPr lang="en-IN" dirty="0" smtClean="0"/>
+            <a:endParaRPr lang="en-IN" dirty="0"/>
           </a:p>
           <a:p>
             <a:r>
-              <a:rPr lang="en-IN" dirty="0" smtClean="0"/>
+              <a:rPr lang="en-IN" dirty="0"/>
               <a:t>What we do ? </a:t>
             </a:r>
           </a:p>
@@ -729,11 +729,11 @@
           <a:lstStyle/>
           <a:p>
             <a:r>
-              <a:rPr lang="en-IN" dirty="0" smtClean="0"/>
+              <a:rPr lang="en-IN" dirty="0"/>
               <a:t>We</a:t>
             </a:r>
             <a:r>
-              <a:rPr lang="en-IN" baseline="0" dirty="0" smtClean="0"/>
+              <a:rPr lang="en-IN" baseline="0" dirty="0"/>
               <a:t> provide IT support and services to  the most diverse clientele . From Health industry , Water resource industry and IT industry ..</a:t>
             </a:r>
             <a:endParaRPr lang="en-IN" dirty="0"/>
@@ -821,11 +821,11 @@
           <a:lstStyle/>
           <a:p>
             <a:r>
-              <a:rPr lang="en-IN" dirty="0" smtClean="0"/>
+              <a:rPr lang="en-IN" dirty="0"/>
               <a:t>Types</a:t>
             </a:r>
             <a:r>
-              <a:rPr lang="en-IN" baseline="0" dirty="0" smtClean="0"/>
+              <a:rPr lang="en-IN" baseline="0" dirty="0"/>
               <a:t> of services we offer </a:t>
             </a:r>
             <a:endParaRPr lang="en-IN" dirty="0"/>
@@ -913,21 +913,21 @@
           <a:lstStyle/>
           <a:p>
             <a:r>
-              <a:rPr lang="en-IN" baseline="0" dirty="0" err="1" smtClean="0"/>
+              <a:rPr lang="en-IN" baseline="0" dirty="0" err="1"/>
               <a:t>Anvisys</a:t>
             </a:r>
             <a:r>
-              <a:rPr lang="en-IN" baseline="0" dirty="0" smtClean="0"/>
+              <a:rPr lang="en-IN" baseline="0" dirty="0"/>
               <a:t> Technology </a:t>
             </a:r>
           </a:p>
           <a:p>
             <a:r>
-              <a:rPr lang="en-IN" baseline="0" dirty="0" smtClean="0"/>
+              <a:rPr lang="en-IN" baseline="0" dirty="0"/>
               <a:t>www.Anvisys.net  </a:t>
             </a:r>
             <a:r>
-              <a:rPr lang="en-IN" baseline="0" smtClean="0"/>
+              <a:rPr lang="en-IN" baseline="0"/>
               <a:t>contact us. </a:t>
             </a:r>
             <a:endParaRPr lang="en-IN" baseline="0" dirty="0"/>
@@ -1102,11 +1102,11 @@
           <a:lstStyle/>
           <a:p>
             <a:r>
-              <a:rPr lang="en-IN" dirty="0" smtClean="0"/>
+              <a:rPr lang="en-IN" dirty="0"/>
               <a:t>Services</a:t>
             </a:r>
             <a:r>
-              <a:rPr lang="en-IN" baseline="0" dirty="0" smtClean="0"/>
+              <a:rPr lang="en-IN" baseline="0" dirty="0"/>
               <a:t> we offer … visit www.anvisys.net today </a:t>
             </a:r>
             <a:endParaRPr lang="en-IN" dirty="0"/>
@@ -1278,11 +1278,11 @@
           <a:lstStyle/>
           <a:p>
             <a:r>
-              <a:rPr lang="en-IN" dirty="0" smtClean="0"/>
+              <a:rPr lang="en-IN" dirty="0"/>
               <a:t>In search</a:t>
             </a:r>
             <a:r>
-              <a:rPr lang="en-IN" baseline="0" dirty="0" smtClean="0"/>
+              <a:rPr lang="en-IN" baseline="0" dirty="0"/>
               <a:t> for an IT consultant..? With the correct IT partner reach your business goals </a:t>
             </a:r>
             <a:endParaRPr lang="en-IN" dirty="0"/>
@@ -1370,19 +1370,19 @@
           <a:lstStyle/>
           <a:p>
             <a:r>
-              <a:rPr lang="en-IN" dirty="0" smtClean="0"/>
+              <a:rPr lang="en-IN" dirty="0"/>
               <a:t>5 ways how</a:t>
             </a:r>
             <a:r>
-              <a:rPr lang="en-IN" baseline="0" dirty="0" smtClean="0"/>
+              <a:rPr lang="en-IN" baseline="0" dirty="0"/>
               <a:t> </a:t>
             </a:r>
             <a:r>
-              <a:rPr lang="en-IN" baseline="0" dirty="0" err="1" smtClean="0"/>
+              <a:rPr lang="en-IN" baseline="0" dirty="0" err="1"/>
               <a:t>Anvisys</a:t>
             </a:r>
             <a:r>
-              <a:rPr lang="en-IN" baseline="0" dirty="0" smtClean="0"/>
+              <a:rPr lang="en-IN" baseline="0" dirty="0"/>
               <a:t> can help you grow and provide a efficient IT support. </a:t>
             </a:r>
             <a:endParaRPr lang="en-IN" dirty="0"/>
@@ -1470,15 +1470,15 @@
           <a:lstStyle/>
           <a:p>
             <a:r>
-              <a:rPr lang="en-IN" dirty="0" err="1" smtClean="0"/>
+              <a:rPr lang="en-IN" dirty="0" err="1"/>
               <a:t>Anvisys</a:t>
             </a:r>
             <a:r>
-              <a:rPr lang="en-IN" dirty="0" smtClean="0"/>
+              <a:rPr lang="en-IN" dirty="0"/>
               <a:t> Technology</a:t>
             </a:r>
             <a:r>
-              <a:rPr lang="en-IN" baseline="0" dirty="0" smtClean="0"/>
+              <a:rPr lang="en-IN" baseline="0" dirty="0"/>
               <a:t> ..Our Area of Expertise </a:t>
             </a:r>
             <a:endParaRPr lang="en-IN" dirty="0"/>
@@ -1566,11 +1566,11 @@
           <a:lstStyle/>
           <a:p>
             <a:r>
-              <a:rPr lang="en-IN" dirty="0" err="1" smtClean="0"/>
+              <a:rPr lang="en-IN" dirty="0" err="1"/>
               <a:t>Anvisys</a:t>
             </a:r>
             <a:r>
-              <a:rPr lang="en-IN" baseline="0" dirty="0" smtClean="0"/>
+              <a:rPr lang="en-IN" baseline="0" dirty="0"/>
               <a:t> also carter different needs of the consumer demand with its unique and various products. We offer Location sharing app , Managing accounts &amp; society system for gated communities. </a:t>
             </a:r>
             <a:endParaRPr lang="en-IN" dirty="0"/>
@@ -1658,11 +1658,11 @@
           <a:lstStyle/>
           <a:p>
             <a:r>
-              <a:rPr lang="en-IN" dirty="0" smtClean="0"/>
+              <a:rPr lang="en-IN" dirty="0"/>
               <a:t>We</a:t>
             </a:r>
             <a:r>
-              <a:rPr lang="en-IN" baseline="0" dirty="0" smtClean="0"/>
+              <a:rPr lang="en-IN" baseline="0" dirty="0"/>
               <a:t> provide number of Software solution with our dedicated team members who are adamant to deliver the top notch services to our clients from various industries. </a:t>
             </a:r>
             <a:endParaRPr lang="en-IN" dirty="0"/>
@@ -1886,7 +1886,7 @@
           <a:p>
             <a:fld id="{D88684BC-97E8-4EB7-B548-A80FF2565271}" type="datetimeFigureOut">
               <a:rPr lang="en-IN" smtClean="0"/>
-              <a:t>03-07-2019</a:t>
+              <a:t>04-07-2019</a:t>
             </a:fld>
             <a:endParaRPr lang="en-IN"/>
           </a:p>
@@ -2056,7 +2056,7 @@
           <a:p>
             <a:fld id="{D88684BC-97E8-4EB7-B548-A80FF2565271}" type="datetimeFigureOut">
               <a:rPr lang="en-IN" smtClean="0"/>
-              <a:t>03-07-2019</a:t>
+              <a:t>04-07-2019</a:t>
             </a:fld>
             <a:endParaRPr lang="en-IN"/>
           </a:p>
@@ -2236,7 +2236,7 @@
           <a:p>
             <a:fld id="{D88684BC-97E8-4EB7-B548-A80FF2565271}" type="datetimeFigureOut">
               <a:rPr lang="en-IN" smtClean="0"/>
-              <a:t>03-07-2019</a:t>
+              <a:t>04-07-2019</a:t>
             </a:fld>
             <a:endParaRPr lang="en-IN"/>
           </a:p>
@@ -2695,7 +2695,7 @@
           </a:lstStyle>
           <a:p>
             <a:r>
-              <a:rPr lang="en-US" smtClean="0"/>
+              <a:rPr lang="en-US"/>
               <a:t>Click to edit Master subtitle style</a:t>
             </a:r>
             <a:endParaRPr lang="en-US" dirty="0"/>
@@ -2719,7 +2719,7 @@
           <a:p>
             <a:fld id="{D88684BC-97E8-4EB7-B548-A80FF2565271}" type="datetimeFigureOut">
               <a:rPr lang="en-IN" smtClean="0"/>
-              <a:t>03-07-2019</a:t>
+              <a:t>04-07-2019</a:t>
             </a:fld>
             <a:endParaRPr lang="en-IN"/>
           </a:p>
@@ -2795,7 +2795,7 @@
           </a:lstStyle>
           <a:p>
             <a:r>
-              <a:rPr lang="en-US" smtClean="0"/>
+              <a:rPr lang="en-US"/>
               <a:t>Click to edit Master title style</a:t>
             </a:r>
             <a:endParaRPr lang="en-US" dirty="0"/>
@@ -2807,13 +2807,6 @@
   <p:clrMapOvr>
     <a:masterClrMapping/>
   </p:clrMapOvr>
-  <p:timing>
-    <p:tnLst>
-      <p:par>
-        <p:cTn id="1" dur="indefinite" restart="never" nodeType="tmRoot"/>
-      </p:par>
-    </p:tnLst>
-  </p:timing>
 </p:sldLayout>
 </file>
 
@@ -2851,7 +2844,7 @@
           <a:p>
             <a:fld id="{D88684BC-97E8-4EB7-B548-A80FF2565271}" type="datetimeFigureOut">
               <a:rPr lang="en-IN" smtClean="0"/>
-              <a:t>03-07-2019</a:t>
+              <a:t>04-07-2019</a:t>
             </a:fld>
             <a:endParaRPr lang="en-IN"/>
           </a:p>
@@ -2915,10 +2908,9 @@
           <a:lstStyle/>
           <a:p>
             <a:r>
-              <a:rPr lang="en-US" smtClean="0"/>
+              <a:rPr lang="en-US"/>
               <a:t>Click to edit Master title style</a:t>
             </a:r>
-            <a:endParaRPr lang="en-US"/>
           </a:p>
         </p:txBody>
       </p:sp>
@@ -2944,35 +2936,35 @@
           <a:p>
             <a:pPr lvl="0"/>
             <a:r>
-              <a:rPr lang="en-US" smtClean="0"/>
+              <a:rPr lang="en-US"/>
               <a:t>Click to edit Master text styles</a:t>
             </a:r>
           </a:p>
           <a:p>
             <a:pPr lvl="1"/>
             <a:r>
-              <a:rPr lang="en-US" smtClean="0"/>
+              <a:rPr lang="en-US"/>
               <a:t>Second level</a:t>
             </a:r>
           </a:p>
           <a:p>
             <a:pPr lvl="2"/>
             <a:r>
-              <a:rPr lang="en-US" smtClean="0"/>
+              <a:rPr lang="en-US"/>
               <a:t>Third level</a:t>
             </a:r>
           </a:p>
           <a:p>
             <a:pPr lvl="3"/>
             <a:r>
-              <a:rPr lang="en-US" smtClean="0"/>
+              <a:rPr lang="en-US"/>
               <a:t>Fourth level</a:t>
             </a:r>
           </a:p>
           <a:p>
             <a:pPr lvl="4"/>
             <a:r>
-              <a:rPr lang="en-US" smtClean="0"/>
+              <a:rPr lang="en-US"/>
               <a:t>Fifth level</a:t>
             </a:r>
             <a:endParaRPr lang="en-US" dirty="0"/>
@@ -2984,13 +2976,6 @@
   <p:clrMapOvr>
     <a:masterClrMapping/>
   </p:clrMapOvr>
-  <p:timing>
-    <p:tnLst>
-      <p:par>
-        <p:cTn id="1" dur="indefinite" restart="never" nodeType="tmRoot"/>
-      </p:par>
-    </p:tnLst>
-  </p:timing>
 </p:sldLayout>
 </file>
 
@@ -3306,7 +3291,7 @@
           </a:lstStyle>
           <a:p>
             <a:r>
-              <a:rPr lang="en-US" smtClean="0"/>
+              <a:rPr lang="en-US"/>
               <a:t>Click to edit Master title style</a:t>
             </a:r>
             <a:endParaRPr lang="en-US" dirty="0"/>
@@ -3424,7 +3409,7 @@
           <a:p>
             <a:pPr lvl="0"/>
             <a:r>
-              <a:rPr lang="en-US" smtClean="0"/>
+              <a:rPr lang="en-US"/>
               <a:t>Click to edit Master text styles</a:t>
             </a:r>
           </a:p>
@@ -3447,7 +3432,7 @@
           <a:p>
             <a:fld id="{D88684BC-97E8-4EB7-B548-A80FF2565271}" type="datetimeFigureOut">
               <a:rPr lang="en-IN" smtClean="0"/>
-              <a:t>03-07-2019</a:t>
+              <a:t>04-07-2019</a:t>
             </a:fld>
             <a:endParaRPr lang="en-IN"/>
           </a:p>
@@ -3500,13 +3485,6 @@
   <p:clrMapOvr>
     <a:masterClrMapping/>
   </p:clrMapOvr>
-  <p:timing>
-    <p:tnLst>
-      <p:par>
-        <p:cTn id="1" dur="indefinite" restart="never" nodeType="tmRoot"/>
-      </p:par>
-    </p:tnLst>
-  </p:timing>
 </p:sldLayout>
 </file>
 
@@ -3544,7 +3522,7 @@
           <a:p>
             <a:fld id="{D88684BC-97E8-4EB7-B548-A80FF2565271}" type="datetimeFigureOut">
               <a:rPr lang="en-IN" smtClean="0"/>
-              <a:t>03-07-2019</a:t>
+              <a:t>04-07-2019</a:t>
             </a:fld>
             <a:endParaRPr lang="en-IN"/>
           </a:p>
@@ -3608,10 +3586,9 @@
           <a:lstStyle/>
           <a:p>
             <a:r>
-              <a:rPr lang="en-US" smtClean="0"/>
+              <a:rPr lang="en-US"/>
               <a:t>Click to edit Master title style</a:t>
             </a:r>
-            <a:endParaRPr lang="en-US"/>
           </a:p>
         </p:txBody>
       </p:sp>
@@ -3637,38 +3614,37 @@
           <a:p>
             <a:pPr lvl="0"/>
             <a:r>
-              <a:rPr lang="en-US" smtClean="0"/>
+              <a:rPr lang="en-US"/>
               <a:t>Click to edit Master text styles</a:t>
             </a:r>
           </a:p>
           <a:p>
             <a:pPr lvl="1"/>
             <a:r>
-              <a:rPr lang="en-US" smtClean="0"/>
+              <a:rPr lang="en-US"/>
               <a:t>Second level</a:t>
             </a:r>
           </a:p>
           <a:p>
             <a:pPr lvl="2"/>
             <a:r>
-              <a:rPr lang="en-US" smtClean="0"/>
+              <a:rPr lang="en-US"/>
               <a:t>Third level</a:t>
             </a:r>
           </a:p>
           <a:p>
             <a:pPr lvl="3"/>
             <a:r>
-              <a:rPr lang="en-US" smtClean="0"/>
+              <a:rPr lang="en-US"/>
               <a:t>Fourth level</a:t>
             </a:r>
           </a:p>
           <a:p>
             <a:pPr lvl="4"/>
             <a:r>
-              <a:rPr lang="en-US" smtClean="0"/>
+              <a:rPr lang="en-US"/>
               <a:t>Fifth level</a:t>
             </a:r>
-            <a:endParaRPr lang="en-US"/>
           </a:p>
         </p:txBody>
       </p:sp>
@@ -3694,38 +3670,37 @@
           <a:p>
             <a:pPr lvl="0"/>
             <a:r>
-              <a:rPr lang="en-US" smtClean="0"/>
+              <a:rPr lang="en-US"/>
               <a:t>Click to edit Master text styles</a:t>
             </a:r>
           </a:p>
           <a:p>
             <a:pPr lvl="1"/>
             <a:r>
-              <a:rPr lang="en-US" smtClean="0"/>
+              <a:rPr lang="en-US"/>
               <a:t>Second level</a:t>
             </a:r>
           </a:p>
           <a:p>
             <a:pPr lvl="2"/>
             <a:r>
-              <a:rPr lang="en-US" smtClean="0"/>
+              <a:rPr lang="en-US"/>
               <a:t>Third level</a:t>
             </a:r>
           </a:p>
           <a:p>
             <a:pPr lvl="3"/>
             <a:r>
-              <a:rPr lang="en-US" smtClean="0"/>
+              <a:rPr lang="en-US"/>
               <a:t>Fourth level</a:t>
             </a:r>
           </a:p>
           <a:p>
             <a:pPr lvl="4"/>
             <a:r>
-              <a:rPr lang="en-US" smtClean="0"/>
+              <a:rPr lang="en-US"/>
               <a:t>Fifth level</a:t>
             </a:r>
-            <a:endParaRPr lang="en-US"/>
           </a:p>
         </p:txBody>
       </p:sp>
@@ -3734,13 +3709,6 @@
   <p:clrMapOvr>
     <a:masterClrMapping/>
   </p:clrMapOvr>
-  <p:timing>
-    <p:tnLst>
-      <p:par>
-        <p:cTn id="1" dur="indefinite" restart="never" nodeType="tmRoot"/>
-      </p:par>
-    </p:tnLst>
-  </p:timing>
 </p:sldLayout>
 </file>
 
@@ -3846,7 +3814,7 @@
           <a:p>
             <a:pPr lvl="0"/>
             <a:r>
-              <a:rPr lang="en-US" smtClean="0"/>
+              <a:rPr lang="en-US"/>
               <a:t>Click to edit Master text styles</a:t>
             </a:r>
           </a:p>
@@ -3904,35 +3872,35 @@
           <a:p>
             <a:pPr lvl="0"/>
             <a:r>
-              <a:rPr lang="en-US" smtClean="0"/>
+              <a:rPr lang="en-US"/>
               <a:t>Click to edit Master text styles</a:t>
             </a:r>
           </a:p>
           <a:p>
             <a:pPr lvl="1"/>
             <a:r>
-              <a:rPr lang="en-US" smtClean="0"/>
+              <a:rPr lang="en-US"/>
               <a:t>Second level</a:t>
             </a:r>
           </a:p>
           <a:p>
             <a:pPr lvl="2"/>
             <a:r>
-              <a:rPr lang="en-US" smtClean="0"/>
+              <a:rPr lang="en-US"/>
               <a:t>Third level</a:t>
             </a:r>
           </a:p>
           <a:p>
             <a:pPr lvl="3"/>
             <a:r>
-              <a:rPr lang="en-US" smtClean="0"/>
+              <a:rPr lang="en-US"/>
               <a:t>Fourth level</a:t>
             </a:r>
           </a:p>
           <a:p>
             <a:pPr lvl="4"/>
             <a:r>
-              <a:rPr lang="en-US" smtClean="0"/>
+              <a:rPr lang="en-US"/>
               <a:t>Fifth level</a:t>
             </a:r>
             <a:endParaRPr lang="en-US" dirty="0"/>
@@ -4039,7 +4007,7 @@
               <a:buNone/>
             </a:pPr>
             <a:r>
-              <a:rPr lang="en-US" smtClean="0"/>
+              <a:rPr lang="en-US"/>
               <a:t>Click to edit Master text styles</a:t>
             </a:r>
           </a:p>
@@ -4097,35 +4065,35 @@
           <a:p>
             <a:pPr lvl="0"/>
             <a:r>
-              <a:rPr lang="en-US" smtClean="0"/>
+              <a:rPr lang="en-US"/>
               <a:t>Click to edit Master text styles</a:t>
             </a:r>
           </a:p>
           <a:p>
             <a:pPr lvl="1"/>
             <a:r>
-              <a:rPr lang="en-US" smtClean="0"/>
+              <a:rPr lang="en-US"/>
               <a:t>Second level</a:t>
             </a:r>
           </a:p>
           <a:p>
             <a:pPr lvl="2"/>
             <a:r>
-              <a:rPr lang="en-US" smtClean="0"/>
+              <a:rPr lang="en-US"/>
               <a:t>Third level</a:t>
             </a:r>
           </a:p>
           <a:p>
             <a:pPr lvl="3"/>
             <a:r>
-              <a:rPr lang="en-US" smtClean="0"/>
+              <a:rPr lang="en-US"/>
               <a:t>Fourth level</a:t>
             </a:r>
           </a:p>
           <a:p>
             <a:pPr lvl="4"/>
             <a:r>
-              <a:rPr lang="en-US" smtClean="0"/>
+              <a:rPr lang="en-US"/>
               <a:t>Fifth level</a:t>
             </a:r>
             <a:endParaRPr lang="en-US" dirty="0"/>
@@ -4149,7 +4117,7 @@
           <a:p>
             <a:fld id="{D88684BC-97E8-4EB7-B548-A80FF2565271}" type="datetimeFigureOut">
               <a:rPr lang="en-IN" smtClean="0"/>
-              <a:t>03-07-2019</a:t>
+              <a:t>04-07-2019</a:t>
             </a:fld>
             <a:endParaRPr lang="en-IN"/>
           </a:p>
@@ -4213,7 +4181,7 @@
           <a:lstStyle/>
           <a:p>
             <a:r>
-              <a:rPr lang="en-US" smtClean="0"/>
+              <a:rPr lang="en-US"/>
               <a:t>Click to edit Master title style</a:t>
             </a:r>
             <a:endParaRPr lang="en-US" dirty="0"/>
@@ -4225,13 +4193,6 @@
   <p:clrMapOvr>
     <a:masterClrMapping/>
   </p:clrMapOvr>
-  <p:timing>
-    <p:tnLst>
-      <p:par>
-        <p:cTn id="1" dur="indefinite" restart="never" nodeType="tmRoot"/>
-      </p:par>
-    </p:tnLst>
-  </p:timing>
 </p:sldLayout>
 </file>
 
@@ -4268,7 +4229,7 @@
           <a:lstStyle/>
           <a:p>
             <a:r>
-              <a:rPr lang="en-US" smtClean="0"/>
+              <a:rPr lang="en-US"/>
               <a:t>Click to edit Master title style</a:t>
             </a:r>
             <a:endParaRPr lang="en-US" dirty="0"/>
@@ -4292,7 +4253,7 @@
           <a:p>
             <a:fld id="{D88684BC-97E8-4EB7-B548-A80FF2565271}" type="datetimeFigureOut">
               <a:rPr lang="en-IN" smtClean="0"/>
-              <a:t>03-07-2019</a:t>
+              <a:t>04-07-2019</a:t>
             </a:fld>
             <a:endParaRPr lang="en-IN"/>
           </a:p>
@@ -4345,13 +4306,6 @@
   <p:clrMapOvr>
     <a:masterClrMapping/>
   </p:clrMapOvr>
-  <p:timing>
-    <p:tnLst>
-      <p:par>
-        <p:cTn id="1" dur="indefinite" restart="never" nodeType="tmRoot"/>
-      </p:par>
-    </p:tnLst>
-  </p:timing>
 </p:sldLayout>
 </file>
 
@@ -4389,7 +4343,7 @@
           <a:p>
             <a:fld id="{D88684BC-97E8-4EB7-B548-A80FF2565271}" type="datetimeFigureOut">
               <a:rPr lang="en-IN" smtClean="0"/>
-              <a:t>03-07-2019</a:t>
+              <a:t>04-07-2019</a:t>
             </a:fld>
             <a:endParaRPr lang="en-IN"/>
           </a:p>
@@ -4442,13 +4396,6 @@
   <p:clrMapOvr>
     <a:masterClrMapping/>
   </p:clrMapOvr>
-  <p:timing>
-    <p:tnLst>
-      <p:par>
-        <p:cTn id="1" dur="indefinite" restart="never" nodeType="tmRoot"/>
-      </p:par>
-    </p:tnLst>
-  </p:timing>
 </p:sldLayout>
 </file>
 
@@ -4499,7 +4446,7 @@
           </a:lstStyle>
           <a:p>
             <a:r>
-              <a:rPr lang="en-US" smtClean="0"/>
+              <a:rPr lang="en-US"/>
               <a:t>Click to edit Master title style</a:t>
             </a:r>
             <a:endParaRPr lang="en-US" dirty="0"/>
@@ -4556,35 +4503,35 @@
           <a:p>
             <a:pPr lvl="0"/>
             <a:r>
-              <a:rPr lang="en-US" smtClean="0"/>
+              <a:rPr lang="en-US"/>
               <a:t>Click to edit Master text styles</a:t>
             </a:r>
           </a:p>
           <a:p>
             <a:pPr lvl="1"/>
             <a:r>
-              <a:rPr lang="en-US" smtClean="0"/>
+              <a:rPr lang="en-US"/>
               <a:t>Second level</a:t>
             </a:r>
           </a:p>
           <a:p>
             <a:pPr lvl="2"/>
             <a:r>
-              <a:rPr lang="en-US" smtClean="0"/>
+              <a:rPr lang="en-US"/>
               <a:t>Third level</a:t>
             </a:r>
           </a:p>
           <a:p>
             <a:pPr lvl="3"/>
             <a:r>
-              <a:rPr lang="en-US" smtClean="0"/>
+              <a:rPr lang="en-US"/>
               <a:t>Fourth level</a:t>
             </a:r>
           </a:p>
           <a:p>
             <a:pPr lvl="4"/>
             <a:r>
-              <a:rPr lang="en-US" smtClean="0"/>
+              <a:rPr lang="en-US"/>
               <a:t>Fifth level</a:t>
             </a:r>
             <a:endParaRPr lang="en-US" dirty="0"/>
@@ -4650,7 +4597,7 @@
           <a:p>
             <a:pPr lvl="0"/>
             <a:r>
-              <a:rPr lang="en-US" smtClean="0"/>
+              <a:rPr lang="en-US"/>
               <a:t>Click to edit Master text styles</a:t>
             </a:r>
           </a:p>
@@ -4673,7 +4620,7 @@
           <a:p>
             <a:fld id="{D88684BC-97E8-4EB7-B548-A80FF2565271}" type="datetimeFigureOut">
               <a:rPr lang="en-IN" smtClean="0"/>
-              <a:t>03-07-2019</a:t>
+              <a:t>04-07-2019</a:t>
             </a:fld>
             <a:endParaRPr lang="en-IN"/>
           </a:p>
@@ -4726,13 +4673,6 @@
   <p:clrMapOvr>
     <a:masterClrMapping/>
   </p:clrMapOvr>
-  <p:timing>
-    <p:tnLst>
-      <p:par>
-        <p:cTn id="1" dur="indefinite" restart="never" nodeType="tmRoot"/>
-      </p:par>
-    </p:tnLst>
-  </p:timing>
 </p:sldLayout>
 </file>
 
@@ -4845,7 +4785,7 @@
           <a:p>
             <a:fld id="{D88684BC-97E8-4EB7-B548-A80FF2565271}" type="datetimeFigureOut">
               <a:rPr lang="en-IN" smtClean="0"/>
-              <a:t>03-07-2019</a:t>
+              <a:t>04-07-2019</a:t>
             </a:fld>
             <a:endParaRPr lang="en-IN"/>
           </a:p>
@@ -5275,7 +5215,7 @@
           </a:lstStyle>
           <a:p>
             <a:r>
-              <a:rPr lang="en-US" smtClean="0"/>
+              <a:rPr lang="en-US"/>
               <a:t>Click icon to add picture</a:t>
             </a:r>
             <a:endParaRPr lang="en-US" dirty="0"/>
@@ -5342,7 +5282,7 @@
           <a:p>
             <a:pPr lvl="0"/>
             <a:r>
-              <a:rPr lang="en-US" smtClean="0"/>
+              <a:rPr lang="en-US"/>
               <a:t>Click to edit Master text styles</a:t>
             </a:r>
           </a:p>
@@ -5365,7 +5305,7 @@
           <a:p>
             <a:fld id="{D88684BC-97E8-4EB7-B548-A80FF2565271}" type="datetimeFigureOut">
               <a:rPr lang="en-IN" smtClean="0"/>
-              <a:t>03-07-2019</a:t>
+              <a:t>04-07-2019</a:t>
             </a:fld>
             <a:endParaRPr lang="en-IN"/>
           </a:p>
@@ -5440,7 +5380,7 @@
           </a:lstStyle>
           <a:p>
             <a:r>
-              <a:rPr lang="en-US" smtClean="0"/>
+              <a:rPr lang="en-US"/>
               <a:t>Click to edit Master title style</a:t>
             </a:r>
             <a:endParaRPr lang="en-US" dirty="0"/>
@@ -5452,13 +5392,6 @@
   <p:clrMapOvr>
     <a:masterClrMapping/>
   </p:clrMapOvr>
-  <p:timing>
-    <p:tnLst>
-      <p:par>
-        <p:cTn id="1" dur="indefinite" restart="never" nodeType="tmRoot"/>
-      </p:par>
-    </p:tnLst>
-  </p:timing>
 </p:sldLayout>
 </file>
 
@@ -5495,10 +5428,9 @@
           <a:lstStyle/>
           <a:p>
             <a:r>
-              <a:rPr lang="en-US" smtClean="0"/>
+              <a:rPr lang="en-US"/>
               <a:t>Click to edit Master title style</a:t>
             </a:r>
-            <a:endParaRPr lang="en-US"/>
           </a:p>
         </p:txBody>
       </p:sp>
@@ -5524,38 +5456,37 @@
           <a:p>
             <a:pPr lvl="0"/>
             <a:r>
-              <a:rPr lang="en-US" smtClean="0"/>
+              <a:rPr lang="en-US"/>
               <a:t>Click to edit Master text styles</a:t>
             </a:r>
           </a:p>
           <a:p>
             <a:pPr lvl="1"/>
             <a:r>
-              <a:rPr lang="en-US" smtClean="0"/>
+              <a:rPr lang="en-US"/>
               <a:t>Second level</a:t>
             </a:r>
           </a:p>
           <a:p>
             <a:pPr lvl="2"/>
             <a:r>
-              <a:rPr lang="en-US" smtClean="0"/>
+              <a:rPr lang="en-US"/>
               <a:t>Third level</a:t>
             </a:r>
           </a:p>
           <a:p>
             <a:pPr lvl="3"/>
             <a:r>
-              <a:rPr lang="en-US" smtClean="0"/>
+              <a:rPr lang="en-US"/>
               <a:t>Fourth level</a:t>
             </a:r>
           </a:p>
           <a:p>
             <a:pPr lvl="4"/>
             <a:r>
-              <a:rPr lang="en-US" smtClean="0"/>
+              <a:rPr lang="en-US"/>
               <a:t>Fifth level</a:t>
             </a:r>
-            <a:endParaRPr lang="en-US"/>
           </a:p>
         </p:txBody>
       </p:sp>
@@ -5576,7 +5507,7 @@
           <a:p>
             <a:fld id="{D88684BC-97E8-4EB7-B548-A80FF2565271}" type="datetimeFigureOut">
               <a:rPr lang="en-IN" smtClean="0"/>
-              <a:t>03-07-2019</a:t>
+              <a:t>04-07-2019</a:t>
             </a:fld>
             <a:endParaRPr lang="en-IN"/>
           </a:p>
@@ -5629,13 +5560,6 @@
   <p:clrMapOvr>
     <a:masterClrMapping/>
   </p:clrMapOvr>
-  <p:timing>
-    <p:tnLst>
-      <p:par>
-        <p:cTn id="1" dur="indefinite" restart="never" nodeType="tmRoot"/>
-      </p:par>
-    </p:tnLst>
-  </p:timing>
 </p:sldLayout>
 </file>
 
@@ -5682,10 +5606,9 @@
           </a:lstStyle>
           <a:p>
             <a:r>
-              <a:rPr lang="en-US" smtClean="0"/>
+              <a:rPr lang="en-US"/>
               <a:t>Click to edit Master title style</a:t>
             </a:r>
-            <a:endParaRPr lang="en-US"/>
           </a:p>
         </p:txBody>
       </p:sp>
@@ -5711,35 +5634,35 @@
           <a:p>
             <a:pPr lvl="0"/>
             <a:r>
-              <a:rPr lang="en-US" smtClean="0"/>
+              <a:rPr lang="en-US"/>
               <a:t>Click to edit Master text styles</a:t>
             </a:r>
           </a:p>
           <a:p>
             <a:pPr lvl="1"/>
             <a:r>
-              <a:rPr lang="en-US" smtClean="0"/>
+              <a:rPr lang="en-US"/>
               <a:t>Second level</a:t>
             </a:r>
           </a:p>
           <a:p>
             <a:pPr lvl="2"/>
             <a:r>
-              <a:rPr lang="en-US" smtClean="0"/>
+              <a:rPr lang="en-US"/>
               <a:t>Third level</a:t>
             </a:r>
           </a:p>
           <a:p>
             <a:pPr lvl="3"/>
             <a:r>
-              <a:rPr lang="en-US" smtClean="0"/>
+              <a:rPr lang="en-US"/>
               <a:t>Fourth level</a:t>
             </a:r>
           </a:p>
           <a:p>
             <a:pPr lvl="4"/>
             <a:r>
-              <a:rPr lang="en-US" smtClean="0"/>
+              <a:rPr lang="en-US"/>
               <a:t>Fifth level</a:t>
             </a:r>
             <a:endParaRPr lang="en-US" dirty="0"/>
@@ -5763,7 +5686,7 @@
           <a:p>
             <a:fld id="{D88684BC-97E8-4EB7-B548-A80FF2565271}" type="datetimeFigureOut">
               <a:rPr lang="en-IN" smtClean="0"/>
-              <a:t>03-07-2019</a:t>
+              <a:t>04-07-2019</a:t>
             </a:fld>
             <a:endParaRPr lang="en-IN"/>
           </a:p>
@@ -5816,13 +5739,6 @@
   <p:clrMapOvr>
     <a:masterClrMapping/>
   </p:clrMapOvr>
-  <p:timing>
-    <p:tnLst>
-      <p:par>
-        <p:cTn id="1" dur="indefinite" restart="never" nodeType="tmRoot"/>
-      </p:par>
-    </p:tnLst>
-  </p:timing>
 </p:sldLayout>
 </file>
 
@@ -6011,7 +5927,7 @@
           <a:p>
             <a:fld id="{D88684BC-97E8-4EB7-B548-A80FF2565271}" type="datetimeFigureOut">
               <a:rPr lang="en-IN" smtClean="0"/>
-              <a:t>03-07-2019</a:t>
+              <a:t>04-07-2019</a:t>
             </a:fld>
             <a:endParaRPr lang="en-IN"/>
           </a:p>
@@ -6299,7 +6215,7 @@
           <a:p>
             <a:fld id="{D88684BC-97E8-4EB7-B548-A80FF2565271}" type="datetimeFigureOut">
               <a:rPr lang="en-IN" smtClean="0"/>
-              <a:t>03-07-2019</a:t>
+              <a:t>04-07-2019</a:t>
             </a:fld>
             <a:endParaRPr lang="en-IN"/>
           </a:p>
@@ -6721,7 +6637,7 @@
           <a:p>
             <a:fld id="{D88684BC-97E8-4EB7-B548-A80FF2565271}" type="datetimeFigureOut">
               <a:rPr lang="en-IN" smtClean="0"/>
-              <a:t>03-07-2019</a:t>
+              <a:t>04-07-2019</a:t>
             </a:fld>
             <a:endParaRPr lang="en-IN"/>
           </a:p>
@@ -6839,7 +6755,7 @@
           <a:p>
             <a:fld id="{D88684BC-97E8-4EB7-B548-A80FF2565271}" type="datetimeFigureOut">
               <a:rPr lang="en-IN" smtClean="0"/>
-              <a:t>03-07-2019</a:t>
+              <a:t>04-07-2019</a:t>
             </a:fld>
             <a:endParaRPr lang="en-IN"/>
           </a:p>
@@ -6934,7 +6850,7 @@
           <a:p>
             <a:fld id="{D88684BC-97E8-4EB7-B548-A80FF2565271}" type="datetimeFigureOut">
               <a:rPr lang="en-IN" smtClean="0"/>
-              <a:t>03-07-2019</a:t>
+              <a:t>04-07-2019</a:t>
             </a:fld>
             <a:endParaRPr lang="en-IN"/>
           </a:p>
@@ -7211,7 +7127,7 @@
           <a:p>
             <a:fld id="{D88684BC-97E8-4EB7-B548-A80FF2565271}" type="datetimeFigureOut">
               <a:rPr lang="en-IN" smtClean="0"/>
-              <a:t>03-07-2019</a:t>
+              <a:t>04-07-2019</a:t>
             </a:fld>
             <a:endParaRPr lang="en-IN"/>
           </a:p>
@@ -7464,7 +7380,7 @@
           <a:p>
             <a:fld id="{D88684BC-97E8-4EB7-B548-A80FF2565271}" type="datetimeFigureOut">
               <a:rPr lang="en-IN" smtClean="0"/>
-              <a:t>03-07-2019</a:t>
+              <a:t>04-07-2019</a:t>
             </a:fld>
             <a:endParaRPr lang="en-IN"/>
           </a:p>
@@ -7677,7 +7593,7 @@
           <a:p>
             <a:fld id="{D88684BC-97E8-4EB7-B548-A80FF2565271}" type="datetimeFigureOut">
               <a:rPr lang="en-IN" smtClean="0"/>
-              <a:t>03-07-2019</a:t>
+              <a:t>04-07-2019</a:t>
             </a:fld>
             <a:endParaRPr lang="en-IN"/>
           </a:p>
@@ -8353,7 +8269,7 @@
           <a:lstStyle/>
           <a:p>
             <a:r>
-              <a:rPr lang="en-US" smtClean="0"/>
+              <a:rPr lang="en-US"/>
               <a:t>Click to edit Master title style</a:t>
             </a:r>
             <a:endParaRPr lang="en-US" dirty="0"/>
@@ -8387,35 +8303,35 @@
           <a:p>
             <a:pPr lvl="0"/>
             <a:r>
-              <a:rPr lang="en-US" smtClean="0"/>
+              <a:rPr lang="en-US"/>
               <a:t>Click to edit Master text styles</a:t>
             </a:r>
           </a:p>
           <a:p>
             <a:pPr lvl="1"/>
             <a:r>
-              <a:rPr lang="en-US" smtClean="0"/>
+              <a:rPr lang="en-US"/>
               <a:t>Second level</a:t>
             </a:r>
           </a:p>
           <a:p>
             <a:pPr lvl="2"/>
             <a:r>
-              <a:rPr lang="en-US" smtClean="0"/>
+              <a:rPr lang="en-US"/>
               <a:t>Third level</a:t>
             </a:r>
           </a:p>
           <a:p>
             <a:pPr lvl="3"/>
             <a:r>
-              <a:rPr lang="en-US" smtClean="0"/>
+              <a:rPr lang="en-US"/>
               <a:t>Fourth level</a:t>
             </a:r>
           </a:p>
           <a:p>
             <a:pPr lvl="4"/>
             <a:r>
-              <a:rPr lang="en-US" smtClean="0"/>
+              <a:rPr lang="en-US"/>
               <a:t>Fifth level</a:t>
             </a:r>
             <a:endParaRPr lang="en-US" dirty="0"/>
@@ -8458,7 +8374,7 @@
           <a:p>
             <a:fld id="{D88684BC-97E8-4EB7-B548-A80FF2565271}" type="datetimeFigureOut">
               <a:rPr lang="en-IN" smtClean="0"/>
-              <a:t>03-07-2019</a:t>
+              <a:t>04-07-2019</a:t>
             </a:fld>
             <a:endParaRPr lang="en-IN"/>
           </a:p>
@@ -8560,13 +8476,6 @@
     <p:sldLayoutId id="2147483670" r:id="rId10"/>
     <p:sldLayoutId id="2147483671" r:id="rId11"/>
   </p:sldLayoutIdLst>
-  <p:timing>
-    <p:tnLst>
-      <p:par>
-        <p:cTn id="1" dur="indefinite" restart="never" nodeType="tmRoot"/>
-      </p:par>
-    </p:tnLst>
-  </p:timing>
   <p:txStyles>
     <p:titleStyle>
       <a:lvl1pPr marL="320040" indent="-320040" algn="r" defTabSz="914400" rtl="0" eaLnBrk="1" latinLnBrk="0" hangingPunct="1">
@@ -11667,7 +11576,7 @@
             <p:cNvPr id="46" name="Picture 45">
               <a:extLst>
                 <a:ext uri="{FF2B5EF4-FFF2-40B4-BE49-F238E27FC236}">
-                  <a16:creationId xmlns:a16="http://schemas.microsoft.com/office/drawing/2014/main" xmlns="" id="{13C97FC4-4358-46A7-89E4-BB08F494C22B}"/>
+                  <a16:creationId xmlns:a16="http://schemas.microsoft.com/office/drawing/2014/main" id="{13C97FC4-4358-46A7-89E4-BB08F494C22B}"/>
                 </a:ext>
               </a:extLst>
             </p:cNvPr>
@@ -21105,8 +21014,8 @@
         </p:nvSpPr>
         <p:spPr>
           <a:xfrm>
-            <a:off x="2389152" y="2553823"/>
-            <a:ext cx="3158736" cy="1231106"/>
+            <a:off x="2292686" y="2160298"/>
+            <a:ext cx="3158736" cy="1323439"/>
           </a:xfrm>
           <a:prstGeom prst="rect">
             <a:avLst/>
@@ -21119,9 +21028,12 @@
           </a:bodyPr>
           <a:lstStyle/>
           <a:p>
-            <a:pPr lvl="0"/>
+            <a:pPr lvl="0" algn="ctr"/>
             <a:r>
-              <a:rPr lang="en-IN" sz="1600" dirty="0">
+              <a:rPr lang="en-IN" sz="2000" b="1" dirty="0">
+                <a:solidFill>
+                  <a:srgbClr val="FFFF00"/>
+                </a:solidFill>
                 <a:latin typeface="Times New Roman" pitchFamily="18" charset="0"/>
                 <a:cs typeface="Times New Roman" pitchFamily="18" charset="0"/>
               </a:rPr>
@@ -21129,20 +21041,17 @@
             </a:r>
           </a:p>
           <a:p>
-            <a:pPr lvl="0"/>
+            <a:pPr lvl="0" algn="ctr"/>
             <a:r>
-              <a:rPr lang="en-IN" sz="1600" dirty="0">
+              <a:rPr lang="en-IN" sz="2000" b="1" dirty="0">
+                <a:solidFill>
+                  <a:srgbClr val="FFFF00"/>
+                </a:solidFill>
                 <a:latin typeface="Times New Roman" pitchFamily="18" charset="0"/>
                 <a:cs typeface="Times New Roman" pitchFamily="18" charset="0"/>
               </a:rPr>
               <a:t>Android , Desktop, Web, DB</a:t>
             </a:r>
-          </a:p>
-          <a:p>
-            <a:endParaRPr lang="en-IN" sz="2400" dirty="0"/>
-          </a:p>
-          <a:p>
-            <a:endParaRPr lang="en-IN" dirty="0"/>
           </a:p>
         </p:txBody>
       </p:sp>
@@ -21154,8 +21063,8 @@
         </p:nvSpPr>
         <p:spPr>
           <a:xfrm>
-            <a:off x="6210568" y="2390065"/>
-            <a:ext cx="2567391" cy="861774"/>
+            <a:off x="5758051" y="2249199"/>
+            <a:ext cx="3077517" cy="1077218"/>
           </a:xfrm>
           <a:prstGeom prst="rect">
             <a:avLst/>
@@ -21168,17 +21077,38 @@
           </a:bodyPr>
           <a:lstStyle/>
           <a:p>
-            <a:pPr lvl="0"/>
+            <a:pPr lvl="0" algn="ctr"/>
             <a:r>
-              <a:rPr lang="en-IN" sz="1600" dirty="0">
+              <a:rPr lang="en-IN" sz="2000" b="1" dirty="0">
+                <a:solidFill>
+                  <a:srgbClr val="FFFF00"/>
+                </a:solidFill>
                 <a:latin typeface="Times New Roman" pitchFamily="18" charset="0"/>
                 <a:cs typeface="Times New Roman" pitchFamily="18" charset="0"/>
               </a:rPr>
-              <a:t>Staffing – Software Professionals</a:t>
+              <a:t>Staffing </a:t>
             </a:r>
           </a:p>
           <a:p>
-            <a:endParaRPr lang="en-IN" dirty="0"/>
+            <a:pPr lvl="0" algn="ctr"/>
+            <a:r>
+              <a:rPr lang="en-IN" sz="2000" b="1" dirty="0">
+                <a:solidFill>
+                  <a:srgbClr val="FFFF00"/>
+                </a:solidFill>
+                <a:latin typeface="Times New Roman" pitchFamily="18" charset="0"/>
+                <a:cs typeface="Times New Roman" pitchFamily="18" charset="0"/>
+              </a:rPr>
+              <a:t>Software Professionals</a:t>
+            </a:r>
+          </a:p>
+          <a:p>
+            <a:pPr algn="ctr"/>
+            <a:endParaRPr lang="en-IN" sz="2400" b="1" dirty="0">
+              <a:solidFill>
+                <a:srgbClr val="FFFF00"/>
+              </a:solidFill>
+            </a:endParaRPr>
           </a:p>
         </p:txBody>
       </p:sp>
@@ -21190,8 +21120,8 @@
         </p:nvSpPr>
         <p:spPr>
           <a:xfrm>
-            <a:off x="2717375" y="4808379"/>
-            <a:ext cx="3505196" cy="615553"/>
+            <a:off x="2728370" y="4713495"/>
+            <a:ext cx="2003093" cy="400110"/>
           </a:xfrm>
           <a:prstGeom prst="rect">
             <a:avLst/>
@@ -21202,20 +21132,25 @@
           <a:bodyPr wrap="square" rtlCol="0">
             <a:spAutoFit/>
           </a:bodyPr>
-          <a:lstStyle/>
-          <a:p>
-            <a:pPr lvl="0"/>
-            <a:r>
-              <a:rPr lang="en-IN" sz="1600" dirty="0">
+          <a:lstStyle>
+            <a:defPPr>
+              <a:defRPr lang="en-US"/>
+            </a:defPPr>
+            <a:lvl1pPr lvl="0" algn="ctr">
+              <a:defRPr sz="2000" b="1">
+                <a:solidFill>
+                  <a:srgbClr val="FFFF00"/>
+                </a:solidFill>
                 <a:latin typeface="Times New Roman" pitchFamily="18" charset="0"/>
                 <a:cs typeface="Times New Roman" pitchFamily="18" charset="0"/>
-              </a:rPr>
+              </a:defRPr>
+            </a:lvl1pPr>
+          </a:lstStyle>
+          <a:p>
+            <a:r>
+              <a:rPr lang="en-IN" dirty="0"/>
               <a:t>Software Testing</a:t>
             </a:r>
-            <a:endParaRPr lang="en-IN" sz="2000" dirty="0"/>
-          </a:p>
-          <a:p>
-            <a:endParaRPr lang="en-IN" dirty="0"/>
           </a:p>
         </p:txBody>
       </p:sp>
@@ -21227,8 +21162,8 @@
         </p:nvSpPr>
         <p:spPr>
           <a:xfrm>
-            <a:off x="5948393" y="4666219"/>
-            <a:ext cx="2641100" cy="584775"/>
+            <a:off x="6002977" y="4317427"/>
+            <a:ext cx="3217837" cy="1015663"/>
           </a:xfrm>
           <a:prstGeom prst="rect">
             <a:avLst/>
@@ -21239,16 +21174,41 @@
           <a:bodyPr wrap="square" rtlCol="0">
             <a:spAutoFit/>
           </a:bodyPr>
-          <a:lstStyle/>
-          <a:p>
-            <a:r>
-              <a:rPr lang="en-IN" sz="1600" dirty="0">
+          <a:lstStyle>
+            <a:defPPr>
+              <a:defRPr lang="en-US"/>
+            </a:defPPr>
+            <a:lvl1pPr lvl="0">
+              <a:defRPr sz="2000">
+                <a:solidFill>
+                  <a:srgbClr val="FD3F03"/>
+                </a:solidFill>
                 <a:latin typeface="Times New Roman" pitchFamily="18" charset="0"/>
                 <a:cs typeface="Times New Roman" pitchFamily="18" charset="0"/>
+              </a:defRPr>
+            </a:lvl1pPr>
+          </a:lstStyle>
+          <a:p>
+            <a:pPr algn="ctr"/>
+            <a:r>
+              <a:rPr lang="en-IN" b="1" dirty="0">
+                <a:solidFill>
+                  <a:srgbClr val="FFFF00"/>
+                </a:solidFill>
               </a:rPr>
-              <a:t>Geographical Information System(GIS</a:t>
+              <a:t>GIS Consultant</a:t>
             </a:r>
-            <a:endParaRPr lang="en-IN" sz="1600" dirty="0"/>
+          </a:p>
+          <a:p>
+            <a:pPr algn="ctr"/>
+            <a:r>
+              <a:rPr lang="en-IN" b="1" dirty="0">
+                <a:solidFill>
+                  <a:srgbClr val="FFFF00"/>
+                </a:solidFill>
+              </a:rPr>
+              <a:t>Geographical Information System</a:t>
+            </a:r>
           </a:p>
         </p:txBody>
       </p:sp>
@@ -21291,8 +21251,8 @@
         </p:nvSpPr>
         <p:spPr>
           <a:xfrm>
-            <a:off x="2871970" y="6063572"/>
-            <a:ext cx="3267241" cy="369332"/>
+            <a:off x="3265324" y="5839434"/>
+            <a:ext cx="4693272" cy="584775"/>
           </a:xfrm>
           <a:prstGeom prst="rect">
             <a:avLst/>
@@ -21305,34 +21265,34 @@
           <a:lstStyle/>
           <a:p>
             <a:r>
-              <a:rPr lang="en-IN" dirty="0" err="1">
+              <a:rPr lang="en-IN" sz="3200" dirty="0" err="1">
                 <a:latin typeface="AR DESTINE" pitchFamily="2" charset="0"/>
                 <a:cs typeface="Times New Roman" pitchFamily="18" charset="0"/>
               </a:rPr>
               <a:t>Anvisys</a:t>
             </a:r>
             <a:r>
-              <a:rPr lang="en-IN" dirty="0">
+              <a:rPr lang="en-IN" sz="3200" dirty="0">
                 <a:latin typeface="AR DESTINE" pitchFamily="2" charset="0"/>
                 <a:cs typeface="Times New Roman" pitchFamily="18" charset="0"/>
               </a:rPr>
               <a:t> technology </a:t>
             </a:r>
             <a:r>
-              <a:rPr lang="en-IN" dirty="0" err="1">
+              <a:rPr lang="en-IN" sz="3200" dirty="0" err="1">
                 <a:latin typeface="AR DESTINE" pitchFamily="2" charset="0"/>
                 <a:cs typeface="Times New Roman" pitchFamily="18" charset="0"/>
               </a:rPr>
               <a:t>Pvt.</a:t>
             </a:r>
             <a:r>
-              <a:rPr lang="en-IN" dirty="0">
+              <a:rPr lang="en-IN" sz="3200" dirty="0">
                 <a:latin typeface="AR DESTINE" pitchFamily="2" charset="0"/>
                 <a:cs typeface="Times New Roman" pitchFamily="18" charset="0"/>
               </a:rPr>
               <a:t> Ltd</a:t>
             </a:r>
-            <a:endParaRPr lang="en-IN" dirty="0"/>
+            <a:endParaRPr lang="en-IN" sz="3200" dirty="0"/>
           </a:p>
         </p:txBody>
       </p:sp>
@@ -21391,6 +21351,186 @@
           </a:p>
         </p:txBody>
       </p:sp>
+      <p:pic>
+        <p:nvPicPr>
+          <p:cNvPr id="17" name="Picture 16">
+            <a:extLst>
+              <a:ext uri="{FF2B5EF4-FFF2-40B4-BE49-F238E27FC236}">
+                <a16:creationId xmlns:a16="http://schemas.microsoft.com/office/drawing/2014/main" id="{68A8BBBB-1557-425D-ACDD-4A6E4C1461D8}"/>
+              </a:ext>
+            </a:extLst>
+          </p:cNvPr>
+          <p:cNvPicPr>
+            <a:picLocks noChangeAspect="1"/>
+          </p:cNvPicPr>
+          <p:nvPr/>
+        </p:nvPicPr>
+        <p:blipFill>
+          <a:blip r:embed="rId4" cstate="print">
+            <a:extLst>
+              <a:ext uri="{28A0092B-C50C-407E-A947-70E740481C1C}">
+                <a14:useLocalDpi xmlns:a14="http://schemas.microsoft.com/office/drawing/2010/main" val="0"/>
+              </a:ext>
+            </a:extLst>
+          </a:blip>
+          <a:stretch>
+            <a:fillRect/>
+          </a:stretch>
+        </p:blipFill>
+        <p:spPr>
+          <a:xfrm>
+            <a:off x="2441324" y="1276114"/>
+            <a:ext cx="782553" cy="626042"/>
+          </a:xfrm>
+          <a:prstGeom prst="rect">
+            <a:avLst/>
+          </a:prstGeom>
+        </p:spPr>
+      </p:pic>
+      <p:pic>
+        <p:nvPicPr>
+          <p:cNvPr id="30" name="Picture 29">
+            <a:extLst>
+              <a:ext uri="{FF2B5EF4-FFF2-40B4-BE49-F238E27FC236}">
+                <a16:creationId xmlns:a16="http://schemas.microsoft.com/office/drawing/2014/main" id="{1082384B-9F3E-4465-90F3-C061BA653D10}"/>
+              </a:ext>
+            </a:extLst>
+          </p:cNvPr>
+          <p:cNvPicPr>
+            <a:picLocks noChangeAspect="1"/>
+          </p:cNvPicPr>
+          <p:nvPr/>
+        </p:nvPicPr>
+        <p:blipFill>
+          <a:blip r:embed="rId5" cstate="print">
+            <a:extLst>
+              <a:ext uri="{28A0092B-C50C-407E-A947-70E740481C1C}">
+                <a14:useLocalDpi xmlns:a14="http://schemas.microsoft.com/office/drawing/2010/main" val="0"/>
+              </a:ext>
+            </a:extLst>
+          </a:blip>
+          <a:stretch>
+            <a:fillRect/>
+          </a:stretch>
+        </p:blipFill>
+        <p:spPr>
+          <a:xfrm>
+            <a:off x="3596399" y="1330588"/>
+            <a:ext cx="551310" cy="551310"/>
+          </a:xfrm>
+          <a:prstGeom prst="rect">
+            <a:avLst/>
+          </a:prstGeom>
+        </p:spPr>
+      </p:pic>
+      <p:pic>
+        <p:nvPicPr>
+          <p:cNvPr id="36" name="Picture 35">
+            <a:extLst>
+              <a:ext uri="{FF2B5EF4-FFF2-40B4-BE49-F238E27FC236}">
+                <a16:creationId xmlns:a16="http://schemas.microsoft.com/office/drawing/2014/main" id="{0A7DED1D-C953-4D8C-B876-1C90690B33B5}"/>
+              </a:ext>
+            </a:extLst>
+          </p:cNvPr>
+          <p:cNvPicPr>
+            <a:picLocks noChangeAspect="1"/>
+          </p:cNvPicPr>
+          <p:nvPr/>
+        </p:nvPicPr>
+        <p:blipFill>
+          <a:blip r:embed="rId6" cstate="print">
+            <a:extLst>
+              <a:ext uri="{28A0092B-C50C-407E-A947-70E740481C1C}">
+                <a14:useLocalDpi xmlns:a14="http://schemas.microsoft.com/office/drawing/2010/main" val="0"/>
+              </a:ext>
+            </a:extLst>
+          </a:blip>
+          <a:stretch>
+            <a:fillRect/>
+          </a:stretch>
+        </p:blipFill>
+        <p:spPr>
+          <a:xfrm>
+            <a:off x="415429" y="1419167"/>
+            <a:ext cx="1276704" cy="425568"/>
+          </a:xfrm>
+          <a:prstGeom prst="rect">
+            <a:avLst/>
+          </a:prstGeom>
+        </p:spPr>
+      </p:pic>
+      <p:pic>
+        <p:nvPicPr>
+          <p:cNvPr id="43" name="Picture 42">
+            <a:extLst>
+              <a:ext uri="{FF2B5EF4-FFF2-40B4-BE49-F238E27FC236}">
+                <a16:creationId xmlns:a16="http://schemas.microsoft.com/office/drawing/2014/main" id="{8EFF60F5-8D8F-4E3D-9C1B-D4A28AE40D12}"/>
+              </a:ext>
+            </a:extLst>
+          </p:cNvPr>
+          <p:cNvPicPr>
+            <a:picLocks noChangeAspect="1"/>
+          </p:cNvPicPr>
+          <p:nvPr/>
+        </p:nvPicPr>
+        <p:blipFill>
+          <a:blip r:embed="rId7" cstate="print">
+            <a:extLst>
+              <a:ext uri="{28A0092B-C50C-407E-A947-70E740481C1C}">
+                <a14:useLocalDpi xmlns:a14="http://schemas.microsoft.com/office/drawing/2010/main" val="0"/>
+              </a:ext>
+            </a:extLst>
+          </a:blip>
+          <a:stretch>
+            <a:fillRect/>
+          </a:stretch>
+        </p:blipFill>
+        <p:spPr>
+          <a:xfrm>
+            <a:off x="4436379" y="1209875"/>
+            <a:ext cx="861085" cy="861085"/>
+          </a:xfrm>
+          <a:prstGeom prst="rect">
+            <a:avLst/>
+          </a:prstGeom>
+        </p:spPr>
+      </p:pic>
+      <p:pic>
+        <p:nvPicPr>
+          <p:cNvPr id="69" name="Picture 68">
+            <a:extLst>
+              <a:ext uri="{FF2B5EF4-FFF2-40B4-BE49-F238E27FC236}">
+                <a16:creationId xmlns:a16="http://schemas.microsoft.com/office/drawing/2014/main" id="{69D2D8E1-DDF8-49B1-8005-E64AAD066F83}"/>
+              </a:ext>
+            </a:extLst>
+          </p:cNvPr>
+          <p:cNvPicPr>
+            <a:picLocks noChangeAspect="1"/>
+          </p:cNvPicPr>
+          <p:nvPr/>
+        </p:nvPicPr>
+        <p:blipFill>
+          <a:blip r:embed="rId8">
+            <a:extLst>
+              <a:ext uri="{28A0092B-C50C-407E-A947-70E740481C1C}">
+                <a14:useLocalDpi xmlns:a14="http://schemas.microsoft.com/office/drawing/2010/main" val="0"/>
+              </a:ext>
+            </a:extLst>
+          </a:blip>
+          <a:stretch>
+            <a:fillRect/>
+          </a:stretch>
+        </p:blipFill>
+        <p:spPr>
+          <a:xfrm>
+            <a:off x="5637034" y="659422"/>
+            <a:ext cx="1721538" cy="1721538"/>
+          </a:xfrm>
+          <a:prstGeom prst="rect">
+            <a:avLst/>
+          </a:prstGeom>
+        </p:spPr>
+      </p:pic>
     </p:spTree>
     <p:extLst>
       <p:ext uri="{BB962C8B-B14F-4D97-AF65-F5344CB8AC3E}">
@@ -30034,10 +30174,6 @@
               </a:rPr>
               <a:t>by</a:t>
             </a:r>
-            <a:endParaRPr lang="en-IN" sz="2400" dirty="0">
-              <a:latin typeface="Times New Roman" pitchFamily="18" charset="0"/>
-              <a:cs typeface="Times New Roman" pitchFamily="18" charset="0"/>
-            </a:endParaRPr>
           </a:p>
           <a:p>
             <a:pPr algn="ctr"/>
@@ -35195,7 +35331,7 @@
           <p:cNvPr id="65" name="Content Placeholder 4">
             <a:extLst>
               <a:ext uri="{FF2B5EF4-FFF2-40B4-BE49-F238E27FC236}">
-                <a16:creationId xmlns:a16="http://schemas.microsoft.com/office/drawing/2014/main" xmlns="" id="{7BF9F0F9-5BC9-4CB9-99D8-5D9E77EBA532}"/>
+                <a16:creationId xmlns:a16="http://schemas.microsoft.com/office/drawing/2014/main" id="{7BF9F0F9-5BC9-4CB9-99D8-5D9E77EBA532}"/>
               </a:ext>
             </a:extLst>
           </p:cNvPr>
@@ -35355,19 +35491,15 @@
             </a:lvl9pPr>
           </a:lstStyle>
           <a:p>
-            <a:endParaRPr lang="en-US" dirty="0" smtClean="0"/>
-          </a:p>
-          <a:p>
             <a:endParaRPr lang="en-US" dirty="0"/>
           </a:p>
           <a:p>
-            <a:r>
-              <a:rPr lang="en-US" dirty="0" smtClean="0"/>
-              <a:t>Small </a:t>
-            </a:r>
+            <a:endParaRPr lang="en-US" dirty="0"/>
+          </a:p>
+          <a:p>
             <a:r>
               <a:rPr lang="en-US" dirty="0"/>
-              <a:t>size solutions of team of 5 to 10 resources:</a:t>
+              <a:t>Small size solutions of team of 5 to 10 resources:</a:t>
             </a:r>
           </a:p>
           <a:p>
@@ -35517,7 +35649,7 @@
           <p:cNvPr id="2" name="Title 1">
             <a:extLst>
               <a:ext uri="{FF2B5EF4-FFF2-40B4-BE49-F238E27FC236}">
-                <a16:creationId xmlns:a16="http://schemas.microsoft.com/office/drawing/2014/main" xmlns="" id="{FDB1AA29-50E7-47E6-B428-02DFC33376E2}"/>
+                <a16:creationId xmlns:a16="http://schemas.microsoft.com/office/drawing/2014/main" id="{FDB1AA29-50E7-47E6-B428-02DFC33376E2}"/>
               </a:ext>
             </a:extLst>
           </p:cNvPr>
@@ -35545,7 +35677,7 @@
           <p:cNvPr id="5" name="Content Placeholder 4">
             <a:extLst>
               <a:ext uri="{FF2B5EF4-FFF2-40B4-BE49-F238E27FC236}">
-                <a16:creationId xmlns:a16="http://schemas.microsoft.com/office/drawing/2014/main" xmlns="" id="{847CD382-9F7F-4E8D-9A4A-354D788A0575}"/>
+                <a16:creationId xmlns:a16="http://schemas.microsoft.com/office/drawing/2014/main" id="{847CD382-9F7F-4E8D-9A4A-354D788A0575}"/>
               </a:ext>
             </a:extLst>
           </p:cNvPr>
@@ -35580,7 +35712,7 @@
           <p:cNvPr id="6" name="Rectangle 5">
             <a:extLst>
               <a:ext uri="{FF2B5EF4-FFF2-40B4-BE49-F238E27FC236}">
-                <a16:creationId xmlns:a16="http://schemas.microsoft.com/office/drawing/2014/main" xmlns="" id="{098B67DA-9FA7-4BEF-A34E-941BB7FC651C}"/>
+                <a16:creationId xmlns:a16="http://schemas.microsoft.com/office/drawing/2014/main" id="{098B67DA-9FA7-4BEF-A34E-941BB7FC651C}"/>
               </a:ext>
             </a:extLst>
           </p:cNvPr>
@@ -35692,7 +35824,7 @@
           <p:cNvPr id="2" name="Title 1">
             <a:extLst>
               <a:ext uri="{FF2B5EF4-FFF2-40B4-BE49-F238E27FC236}">
-                <a16:creationId xmlns:a16="http://schemas.microsoft.com/office/drawing/2014/main" xmlns="" id="{C92193BD-EEB5-4CC3-BE21-D39BD95A385D}"/>
+                <a16:creationId xmlns:a16="http://schemas.microsoft.com/office/drawing/2014/main" id="{C92193BD-EEB5-4CC3-BE21-D39BD95A385D}"/>
               </a:ext>
             </a:extLst>
           </p:cNvPr>
@@ -35720,7 +35852,7 @@
           <p:cNvPr id="3" name="Content Placeholder 2">
             <a:extLst>
               <a:ext uri="{FF2B5EF4-FFF2-40B4-BE49-F238E27FC236}">
-                <a16:creationId xmlns:a16="http://schemas.microsoft.com/office/drawing/2014/main" xmlns="" id="{A4590DDC-E5B1-460D-8B70-03C4082BCC79}"/>
+                <a16:creationId xmlns:a16="http://schemas.microsoft.com/office/drawing/2014/main" id="{A4590DDC-E5B1-460D-8B70-03C4082BCC79}"/>
               </a:ext>
             </a:extLst>
           </p:cNvPr>
